--- a/simulador_analizador/ultima versión/figs.pptx
+++ b/simulador_analizador/ultima versión/figs.pptx
@@ -5,7 +5,7 @@
     <p:sldMasterId id="2147483648" r:id="rId1"/>
   </p:sldMasterIdLst>
   <p:notesMasterIdLst>
-    <p:notesMasterId r:id="rId23"/>
+    <p:notesMasterId r:id="rId26"/>
   </p:notesMasterIdLst>
   <p:sldIdLst>
     <p:sldId id="270" r:id="rId2"/>
@@ -29,6 +29,9 @@
     <p:sldId id="267" r:id="rId20"/>
     <p:sldId id="268" r:id="rId21"/>
     <p:sldId id="283" r:id="rId22"/>
+    <p:sldId id="284" r:id="rId23"/>
+    <p:sldId id="286" r:id="rId24"/>
+    <p:sldId id="287" r:id="rId25"/>
   </p:sldIdLst>
   <p:sldSz cx="12192000" cy="6858000"/>
   <p:notesSz cx="6797675" cy="9926638"/>
@@ -165,6 +168,9 @@
             <p14:sldId id="267"/>
             <p14:sldId id="268"/>
             <p14:sldId id="283"/>
+            <p14:sldId id="284"/>
+            <p14:sldId id="286"/>
+            <p14:sldId id="287"/>
           </p14:sldIdLst>
         </p14:section>
       </p14:sectionLst>
@@ -198,465 +204,6 @@
 <file path=ppt/changesInfos/changesInfo1.xml><?xml version="1.0" encoding="utf-8"?>
 <pc:chgInfo xmlns:a="http://schemas.openxmlformats.org/drawingml/2006/main" xmlns:r="http://schemas.openxmlformats.org/officeDocument/2006/relationships" xmlns:ac="http://schemas.microsoft.com/office/drawing/2013/main/command" xmlns:pc="http://schemas.microsoft.com/office/powerpoint/2013/main/command">
   <pc:docChgLst>
-    <pc:chgData name="Rafael Casado González" userId="1c71fca1-7e6b-4c6f-8614-522343b393e6" providerId="ADAL" clId="{464C3988-B2DA-4834-A073-794262BDAF63}"/>
-    <pc:docChg chg="undo custSel addSld delSld modSld">
-      <pc:chgData name="Rafael Casado González" userId="1c71fca1-7e6b-4c6f-8614-522343b393e6" providerId="ADAL" clId="{464C3988-B2DA-4834-A073-794262BDAF63}" dt="2020-01-30T12:23:01.008" v="351" actId="1076"/>
-      <pc:docMkLst>
-        <pc:docMk/>
-      </pc:docMkLst>
-      <pc:sldChg chg="addSp modSp add del">
-        <pc:chgData name="Rafael Casado González" userId="1c71fca1-7e6b-4c6f-8614-522343b393e6" providerId="ADAL" clId="{464C3988-B2DA-4834-A073-794262BDAF63}" dt="2020-01-30T12:15:28.904" v="292" actId="47"/>
-        <pc:sldMkLst>
-          <pc:docMk/>
-          <pc:sldMk cId="3843547437" sldId="256"/>
-        </pc:sldMkLst>
-        <pc:spChg chg="add mod">
-          <ac:chgData name="Rafael Casado González" userId="1c71fca1-7e6b-4c6f-8614-522343b393e6" providerId="ADAL" clId="{464C3988-B2DA-4834-A073-794262BDAF63}" dt="2020-01-30T10:01:09.812" v="40" actId="164"/>
-          <ac:spMkLst>
-            <pc:docMk/>
-            <pc:sldMk cId="3843547437" sldId="256"/>
-            <ac:spMk id="2" creationId="{2511240A-C6E9-4B28-A607-A5DBD4BE7F5A}"/>
-          </ac:spMkLst>
-        </pc:spChg>
-        <pc:spChg chg="add mod">
-          <ac:chgData name="Rafael Casado González" userId="1c71fca1-7e6b-4c6f-8614-522343b393e6" providerId="ADAL" clId="{464C3988-B2DA-4834-A073-794262BDAF63}" dt="2020-01-30T10:01:09.812" v="40" actId="164"/>
-          <ac:spMkLst>
-            <pc:docMk/>
-            <pc:sldMk cId="3843547437" sldId="256"/>
-            <ac:spMk id="3" creationId="{B8ADAB42-4AB2-4736-BD6D-C414AD9E1F73}"/>
-          </ac:spMkLst>
-        </pc:spChg>
-        <pc:grpChg chg="add mod">
-          <ac:chgData name="Rafael Casado González" userId="1c71fca1-7e6b-4c6f-8614-522343b393e6" providerId="ADAL" clId="{464C3988-B2DA-4834-A073-794262BDAF63}" dt="2020-01-30T10:01:09.812" v="40" actId="164"/>
-          <ac:grpSpMkLst>
-            <pc:docMk/>
-            <pc:sldMk cId="3843547437" sldId="256"/>
-            <ac:grpSpMk id="12" creationId="{F867FF47-4BCD-4D10-BDFC-2774DAA20ED6}"/>
-          </ac:grpSpMkLst>
-        </pc:grpChg>
-        <pc:cxnChg chg="add mod">
-          <ac:chgData name="Rafael Casado González" userId="1c71fca1-7e6b-4c6f-8614-522343b393e6" providerId="ADAL" clId="{464C3988-B2DA-4834-A073-794262BDAF63}" dt="2020-01-30T10:01:09.812" v="40" actId="164"/>
-          <ac:cxnSpMkLst>
-            <pc:docMk/>
-            <pc:sldMk cId="3843547437" sldId="256"/>
-            <ac:cxnSpMk id="5" creationId="{EABFA430-48B5-4CFE-B772-3D7718011F63}"/>
-          </ac:cxnSpMkLst>
-        </pc:cxnChg>
-        <pc:cxnChg chg="add mod ord">
-          <ac:chgData name="Rafael Casado González" userId="1c71fca1-7e6b-4c6f-8614-522343b393e6" providerId="ADAL" clId="{464C3988-B2DA-4834-A073-794262BDAF63}" dt="2020-01-30T10:01:09.812" v="40" actId="164"/>
-          <ac:cxnSpMkLst>
-            <pc:docMk/>
-            <pc:sldMk cId="3843547437" sldId="256"/>
-            <ac:cxnSpMk id="7" creationId="{D18CB667-B76D-41C7-BF27-EA5FA92B894B}"/>
-          </ac:cxnSpMkLst>
-        </pc:cxnChg>
-      </pc:sldChg>
-      <pc:sldChg chg="addSp delSp modSp add del">
-        <pc:chgData name="Rafael Casado González" userId="1c71fca1-7e6b-4c6f-8614-522343b393e6" providerId="ADAL" clId="{464C3988-B2DA-4834-A073-794262BDAF63}" dt="2020-01-30T12:15:28.904" v="292" actId="47"/>
-        <pc:sldMkLst>
-          <pc:docMk/>
-          <pc:sldMk cId="411338169" sldId="257"/>
-        </pc:sldMkLst>
-        <pc:spChg chg="mod topLvl">
-          <ac:chgData name="Rafael Casado González" userId="1c71fca1-7e6b-4c6f-8614-522343b393e6" providerId="ADAL" clId="{464C3988-B2DA-4834-A073-794262BDAF63}" dt="2020-01-30T10:03:10.844" v="58" actId="208"/>
-          <ac:spMkLst>
-            <pc:docMk/>
-            <pc:sldMk cId="411338169" sldId="257"/>
-            <ac:spMk id="2" creationId="{2511240A-C6E9-4B28-A607-A5DBD4BE7F5A}"/>
-          </ac:spMkLst>
-        </pc:spChg>
-        <pc:spChg chg="mod topLvl">
-          <ac:chgData name="Rafael Casado González" userId="1c71fca1-7e6b-4c6f-8614-522343b393e6" providerId="ADAL" clId="{464C3988-B2DA-4834-A073-794262BDAF63}" dt="2020-01-30T10:02:46.143" v="56" actId="165"/>
-          <ac:spMkLst>
-            <pc:docMk/>
-            <pc:sldMk cId="411338169" sldId="257"/>
-            <ac:spMk id="3" creationId="{B8ADAB42-4AB2-4736-BD6D-C414AD9E1F73}"/>
-          </ac:spMkLst>
-        </pc:spChg>
-        <pc:spChg chg="mod topLvl">
-          <ac:chgData name="Rafael Casado González" userId="1c71fca1-7e6b-4c6f-8614-522343b393e6" providerId="ADAL" clId="{464C3988-B2DA-4834-A073-794262BDAF63}" dt="2020-01-30T10:03:10.844" v="58" actId="208"/>
-          <ac:spMkLst>
-            <pc:docMk/>
-            <pc:sldMk cId="411338169" sldId="257"/>
-            <ac:spMk id="10" creationId="{A1DB25D6-FCD7-4E5F-B240-CAE1D71DA61D}"/>
-          </ac:spMkLst>
-        </pc:spChg>
-        <pc:spChg chg="mod topLvl">
-          <ac:chgData name="Rafael Casado González" userId="1c71fca1-7e6b-4c6f-8614-522343b393e6" providerId="ADAL" clId="{464C3988-B2DA-4834-A073-794262BDAF63}" dt="2020-01-30T10:02:46.143" v="56" actId="165"/>
-          <ac:spMkLst>
-            <pc:docMk/>
-            <pc:sldMk cId="411338169" sldId="257"/>
-            <ac:spMk id="11" creationId="{63C114DB-DC88-43C0-A50D-7742705D4100}"/>
-          </ac:spMkLst>
-        </pc:spChg>
-        <pc:grpChg chg="add del mod">
-          <ac:chgData name="Rafael Casado González" userId="1c71fca1-7e6b-4c6f-8614-522343b393e6" providerId="ADAL" clId="{464C3988-B2DA-4834-A073-794262BDAF63}" dt="2020-01-30T10:02:46.143" v="56" actId="165"/>
-          <ac:grpSpMkLst>
-            <pc:docMk/>
-            <pc:sldMk cId="411338169" sldId="257"/>
-            <ac:grpSpMk id="8" creationId="{BF615F40-6238-4C78-BCC7-BC75C1E769E7}"/>
-          </ac:grpSpMkLst>
-        </pc:grpChg>
-        <pc:grpChg chg="del mod">
-          <ac:chgData name="Rafael Casado González" userId="1c71fca1-7e6b-4c6f-8614-522343b393e6" providerId="ADAL" clId="{464C3988-B2DA-4834-A073-794262BDAF63}" dt="2020-01-30T10:02:46.143" v="56" actId="165"/>
-          <ac:grpSpMkLst>
-            <pc:docMk/>
-            <pc:sldMk cId="411338169" sldId="257"/>
-            <ac:grpSpMk id="12" creationId="{F867FF47-4BCD-4D10-BDFC-2774DAA20ED6}"/>
-          </ac:grpSpMkLst>
-        </pc:grpChg>
-        <pc:cxnChg chg="mod topLvl">
-          <ac:chgData name="Rafael Casado González" userId="1c71fca1-7e6b-4c6f-8614-522343b393e6" providerId="ADAL" clId="{464C3988-B2DA-4834-A073-794262BDAF63}" dt="2020-01-30T10:02:46.143" v="56" actId="165"/>
-          <ac:cxnSpMkLst>
-            <pc:docMk/>
-            <pc:sldMk cId="411338169" sldId="257"/>
-            <ac:cxnSpMk id="5" creationId="{EABFA430-48B5-4CFE-B772-3D7718011F63}"/>
-          </ac:cxnSpMkLst>
-        </pc:cxnChg>
-        <pc:cxnChg chg="mod topLvl">
-          <ac:chgData name="Rafael Casado González" userId="1c71fca1-7e6b-4c6f-8614-522343b393e6" providerId="ADAL" clId="{464C3988-B2DA-4834-A073-794262BDAF63}" dt="2020-01-30T10:03:30.278" v="59" actId="14100"/>
-          <ac:cxnSpMkLst>
-            <pc:docMk/>
-            <pc:sldMk cId="411338169" sldId="257"/>
-            <ac:cxnSpMk id="7" creationId="{D18CB667-B76D-41C7-BF27-EA5FA92B894B}"/>
-          </ac:cxnSpMkLst>
-        </pc:cxnChg>
-        <pc:cxnChg chg="mod topLvl">
-          <ac:chgData name="Rafael Casado González" userId="1c71fca1-7e6b-4c6f-8614-522343b393e6" providerId="ADAL" clId="{464C3988-B2DA-4834-A073-794262BDAF63}" dt="2020-01-30T10:03:10.844" v="58" actId="208"/>
-          <ac:cxnSpMkLst>
-            <pc:docMk/>
-            <pc:sldMk cId="411338169" sldId="257"/>
-            <ac:cxnSpMk id="9" creationId="{D53047EA-5B13-44EC-A9A3-C22EECEE575D}"/>
-          </ac:cxnSpMkLst>
-        </pc:cxnChg>
-        <pc:cxnChg chg="mod topLvl">
-          <ac:chgData name="Rafael Casado González" userId="1c71fca1-7e6b-4c6f-8614-522343b393e6" providerId="ADAL" clId="{464C3988-B2DA-4834-A073-794262BDAF63}" dt="2020-01-30T10:02:46.143" v="56" actId="165"/>
-          <ac:cxnSpMkLst>
-            <pc:docMk/>
-            <pc:sldMk cId="411338169" sldId="257"/>
-            <ac:cxnSpMk id="13" creationId="{C95DD1FF-5EBB-49E7-8644-879963C49519}"/>
-          </ac:cxnSpMkLst>
-        </pc:cxnChg>
-      </pc:sldChg>
-      <pc:sldChg chg="addSp modSp add del">
-        <pc:chgData name="Rafael Casado González" userId="1c71fca1-7e6b-4c6f-8614-522343b393e6" providerId="ADAL" clId="{464C3988-B2DA-4834-A073-794262BDAF63}" dt="2020-01-30T12:15:28.904" v="292" actId="47"/>
-        <pc:sldMkLst>
-          <pc:docMk/>
-          <pc:sldMk cId="3091957617" sldId="258"/>
-        </pc:sldMkLst>
-        <pc:spChg chg="mod">
-          <ac:chgData name="Rafael Casado González" userId="1c71fca1-7e6b-4c6f-8614-522343b393e6" providerId="ADAL" clId="{464C3988-B2DA-4834-A073-794262BDAF63}" dt="2020-01-30T10:05:00.153" v="97" actId="688"/>
-          <ac:spMkLst>
-            <pc:docMk/>
-            <pc:sldMk cId="3091957617" sldId="258"/>
-            <ac:spMk id="2" creationId="{2511240A-C6E9-4B28-A607-A5DBD4BE7F5A}"/>
-          </ac:spMkLst>
-        </pc:spChg>
-        <pc:spChg chg="mod">
-          <ac:chgData name="Rafael Casado González" userId="1c71fca1-7e6b-4c6f-8614-522343b393e6" providerId="ADAL" clId="{464C3988-B2DA-4834-A073-794262BDAF63}" dt="2020-01-30T10:06:33.428" v="121" actId="688"/>
-          <ac:spMkLst>
-            <pc:docMk/>
-            <pc:sldMk cId="3091957617" sldId="258"/>
-            <ac:spMk id="3" creationId="{B8ADAB42-4AB2-4736-BD6D-C414AD9E1F73}"/>
-          </ac:spMkLst>
-        </pc:spChg>
-        <pc:spChg chg="mod">
-          <ac:chgData name="Rafael Casado González" userId="1c71fca1-7e6b-4c6f-8614-522343b393e6" providerId="ADAL" clId="{464C3988-B2DA-4834-A073-794262BDAF63}" dt="2020-01-30T10:04:54.635" v="96" actId="688"/>
-          <ac:spMkLst>
-            <pc:docMk/>
-            <pc:sldMk cId="3091957617" sldId="258"/>
-            <ac:spMk id="10" creationId="{A1DB25D6-FCD7-4E5F-B240-CAE1D71DA61D}"/>
-          </ac:spMkLst>
-        </pc:spChg>
-        <pc:spChg chg="mod">
-          <ac:chgData name="Rafael Casado González" userId="1c71fca1-7e6b-4c6f-8614-522343b393e6" providerId="ADAL" clId="{464C3988-B2DA-4834-A073-794262BDAF63}" dt="2020-01-30T10:06:53.847" v="127" actId="207"/>
-          <ac:spMkLst>
-            <pc:docMk/>
-            <pc:sldMk cId="3091957617" sldId="258"/>
-            <ac:spMk id="11" creationId="{63C114DB-DC88-43C0-A50D-7742705D4100}"/>
-          </ac:spMkLst>
-        </pc:spChg>
-        <pc:grpChg chg="add mod">
-          <ac:chgData name="Rafael Casado González" userId="1c71fca1-7e6b-4c6f-8614-522343b393e6" providerId="ADAL" clId="{464C3988-B2DA-4834-A073-794262BDAF63}" dt="2020-01-30T10:05:47.616" v="104" actId="1036"/>
-          <ac:grpSpMkLst>
-            <pc:docMk/>
-            <pc:sldMk cId="3091957617" sldId="258"/>
-            <ac:grpSpMk id="4" creationId="{07FCF857-905F-4F2F-90CA-30A93E74C955}"/>
-          </ac:grpSpMkLst>
-        </pc:grpChg>
-        <pc:grpChg chg="add mod">
-          <ac:chgData name="Rafael Casado González" userId="1c71fca1-7e6b-4c6f-8614-522343b393e6" providerId="ADAL" clId="{464C3988-B2DA-4834-A073-794262BDAF63}" dt="2020-01-30T10:07:18.027" v="138" actId="1037"/>
-          <ac:grpSpMkLst>
-            <pc:docMk/>
-            <pc:sldMk cId="3091957617" sldId="258"/>
-            <ac:grpSpMk id="6" creationId="{4B24767A-B861-4F2D-93D7-59514CB0A207}"/>
-          </ac:grpSpMkLst>
-        </pc:grpChg>
-        <pc:cxnChg chg="mod">
-          <ac:chgData name="Rafael Casado González" userId="1c71fca1-7e6b-4c6f-8614-522343b393e6" providerId="ADAL" clId="{464C3988-B2DA-4834-A073-794262BDAF63}" dt="2020-01-30T10:04:44.035" v="94" actId="164"/>
-          <ac:cxnSpMkLst>
-            <pc:docMk/>
-            <pc:sldMk cId="3091957617" sldId="258"/>
-            <ac:cxnSpMk id="5" creationId="{EABFA430-48B5-4CFE-B772-3D7718011F63}"/>
-          </ac:cxnSpMkLst>
-        </pc:cxnChg>
-        <pc:cxnChg chg="mod">
-          <ac:chgData name="Rafael Casado González" userId="1c71fca1-7e6b-4c6f-8614-522343b393e6" providerId="ADAL" clId="{464C3988-B2DA-4834-A073-794262BDAF63}" dt="2020-01-30T10:04:15.324" v="61" actId="164"/>
-          <ac:cxnSpMkLst>
-            <pc:docMk/>
-            <pc:sldMk cId="3091957617" sldId="258"/>
-            <ac:cxnSpMk id="13" creationId="{C95DD1FF-5EBB-49E7-8644-879963C49519}"/>
-          </ac:cxnSpMkLst>
-        </pc:cxnChg>
-      </pc:sldChg>
-      <pc:sldChg chg="modSp add del">
-        <pc:chgData name="Rafael Casado González" userId="1c71fca1-7e6b-4c6f-8614-522343b393e6" providerId="ADAL" clId="{464C3988-B2DA-4834-A073-794262BDAF63}" dt="2020-01-30T12:15:28.904" v="292" actId="47"/>
-        <pc:sldMkLst>
-          <pc:docMk/>
-          <pc:sldMk cId="471625103" sldId="259"/>
-        </pc:sldMkLst>
-        <pc:grpChg chg="mod">
-          <ac:chgData name="Rafael Casado González" userId="1c71fca1-7e6b-4c6f-8614-522343b393e6" providerId="ADAL" clId="{464C3988-B2DA-4834-A073-794262BDAF63}" dt="2020-01-30T10:08:06.141" v="142" actId="1038"/>
-          <ac:grpSpMkLst>
-            <pc:docMk/>
-            <pc:sldMk cId="471625103" sldId="259"/>
-            <ac:grpSpMk id="6" creationId="{4B24767A-B861-4F2D-93D7-59514CB0A207}"/>
-          </ac:grpSpMkLst>
-        </pc:grpChg>
-      </pc:sldChg>
-      <pc:sldChg chg="addSp delSp modSp add del">
-        <pc:chgData name="Rafael Casado González" userId="1c71fca1-7e6b-4c6f-8614-522343b393e6" providerId="ADAL" clId="{464C3988-B2DA-4834-A073-794262BDAF63}" dt="2020-01-30T12:15:23.552" v="291" actId="47"/>
-        <pc:sldMkLst>
-          <pc:docMk/>
-          <pc:sldMk cId="648812051" sldId="260"/>
-        </pc:sldMkLst>
-        <pc:spChg chg="mod">
-          <ac:chgData name="Rafael Casado González" userId="1c71fca1-7e6b-4c6f-8614-522343b393e6" providerId="ADAL" clId="{464C3988-B2DA-4834-A073-794262BDAF63}" dt="2020-01-30T10:18:32.666" v="197" actId="208"/>
-          <ac:spMkLst>
-            <pc:docMk/>
-            <pc:sldMk cId="648812051" sldId="260"/>
-            <ac:spMk id="3" creationId="{B8ADAB42-4AB2-4736-BD6D-C414AD9E1F73}"/>
-          </ac:spMkLst>
-        </pc:spChg>
-        <pc:spChg chg="mod">
-          <ac:chgData name="Rafael Casado González" userId="1c71fca1-7e6b-4c6f-8614-522343b393e6" providerId="ADAL" clId="{464C3988-B2DA-4834-A073-794262BDAF63}" dt="2020-01-30T10:18:40.803" v="198" actId="208"/>
-          <ac:spMkLst>
-            <pc:docMk/>
-            <pc:sldMk cId="648812051" sldId="260"/>
-            <ac:spMk id="11" creationId="{63C114DB-DC88-43C0-A50D-7742705D4100}"/>
-          </ac:spMkLst>
-        </pc:spChg>
-        <pc:spChg chg="add mod">
-          <ac:chgData name="Rafael Casado González" userId="1c71fca1-7e6b-4c6f-8614-522343b393e6" providerId="ADAL" clId="{464C3988-B2DA-4834-A073-794262BDAF63}" dt="2020-01-30T10:18:12.728" v="195" actId="207"/>
-          <ac:spMkLst>
-            <pc:docMk/>
-            <pc:sldMk cId="648812051" sldId="260"/>
-            <ac:spMk id="26" creationId="{414A7802-EFB8-4791-84C6-0B0DD620315C}"/>
-          </ac:spMkLst>
-        </pc:spChg>
-        <pc:spChg chg="add mod">
-          <ac:chgData name="Rafael Casado González" userId="1c71fca1-7e6b-4c6f-8614-522343b393e6" providerId="ADAL" clId="{464C3988-B2DA-4834-A073-794262BDAF63}" dt="2020-01-30T11:37:34.105" v="242" actId="1036"/>
-          <ac:spMkLst>
-            <pc:docMk/>
-            <pc:sldMk cId="648812051" sldId="260"/>
-            <ac:spMk id="27" creationId="{3596C5E0-5139-41F5-A5F3-C205BB5B09E0}"/>
-          </ac:spMkLst>
-        </pc:spChg>
-        <pc:grpChg chg="mod">
-          <ac:chgData name="Rafael Casado González" userId="1c71fca1-7e6b-4c6f-8614-522343b393e6" providerId="ADAL" clId="{464C3988-B2DA-4834-A073-794262BDAF63}" dt="2020-01-30T11:39:52.031" v="270" actId="1038"/>
-          <ac:grpSpMkLst>
-            <pc:docMk/>
-            <pc:sldMk cId="648812051" sldId="260"/>
-            <ac:grpSpMk id="4" creationId="{07FCF857-905F-4F2F-90CA-30A93E74C955}"/>
-          </ac:grpSpMkLst>
-        </pc:grpChg>
-        <pc:grpChg chg="mod">
-          <ac:chgData name="Rafael Casado González" userId="1c71fca1-7e6b-4c6f-8614-522343b393e6" providerId="ADAL" clId="{464C3988-B2DA-4834-A073-794262BDAF63}" dt="2020-01-30T11:39:32.196" v="247" actId="1035"/>
-          <ac:grpSpMkLst>
-            <pc:docMk/>
-            <pc:sldMk cId="648812051" sldId="260"/>
-            <ac:grpSpMk id="6" creationId="{4B24767A-B861-4F2D-93D7-59514CB0A207}"/>
-          </ac:grpSpMkLst>
-        </pc:grpChg>
-        <pc:cxnChg chg="mod">
-          <ac:chgData name="Rafael Casado González" userId="1c71fca1-7e6b-4c6f-8614-522343b393e6" providerId="ADAL" clId="{464C3988-B2DA-4834-A073-794262BDAF63}" dt="2020-01-30T10:19:50.130" v="207" actId="208"/>
-          <ac:cxnSpMkLst>
-            <pc:docMk/>
-            <pc:sldMk cId="648812051" sldId="260"/>
-            <ac:cxnSpMk id="5" creationId="{EABFA430-48B5-4CFE-B772-3D7718011F63}"/>
-          </ac:cxnSpMkLst>
-        </pc:cxnChg>
-        <pc:cxnChg chg="mod">
-          <ac:chgData name="Rafael Casado González" userId="1c71fca1-7e6b-4c6f-8614-522343b393e6" providerId="ADAL" clId="{464C3988-B2DA-4834-A073-794262BDAF63}" dt="2020-01-30T11:43:22.722" v="279" actId="14100"/>
-          <ac:cxnSpMkLst>
-            <pc:docMk/>
-            <pc:sldMk cId="648812051" sldId="260"/>
-            <ac:cxnSpMk id="7" creationId="{D18CB667-B76D-41C7-BF27-EA5FA92B894B}"/>
-          </ac:cxnSpMkLst>
-        </pc:cxnChg>
-        <pc:cxnChg chg="mod">
-          <ac:chgData name="Rafael Casado González" userId="1c71fca1-7e6b-4c6f-8614-522343b393e6" providerId="ADAL" clId="{464C3988-B2DA-4834-A073-794262BDAF63}" dt="2020-01-30T11:43:28.752" v="280" actId="14100"/>
-          <ac:cxnSpMkLst>
-            <pc:docMk/>
-            <pc:sldMk cId="648812051" sldId="260"/>
-            <ac:cxnSpMk id="9" creationId="{D53047EA-5B13-44EC-A9A3-C22EECEE575D}"/>
-          </ac:cxnSpMkLst>
-        </pc:cxnChg>
-        <pc:cxnChg chg="add mod">
-          <ac:chgData name="Rafael Casado González" userId="1c71fca1-7e6b-4c6f-8614-522343b393e6" providerId="ADAL" clId="{464C3988-B2DA-4834-A073-794262BDAF63}" dt="2020-01-30T12:05:51.185" v="288"/>
-          <ac:cxnSpMkLst>
-            <pc:docMk/>
-            <pc:sldMk cId="648812051" sldId="260"/>
-            <ac:cxnSpMk id="12" creationId="{F3BAA161-C9FE-4EB8-8EAB-5B1796BE2EAC}"/>
-          </ac:cxnSpMkLst>
-        </pc:cxnChg>
-        <pc:cxnChg chg="mod">
-          <ac:chgData name="Rafael Casado González" userId="1c71fca1-7e6b-4c6f-8614-522343b393e6" providerId="ADAL" clId="{464C3988-B2DA-4834-A073-794262BDAF63}" dt="2020-01-30T12:06:01.901" v="289"/>
-          <ac:cxnSpMkLst>
-            <pc:docMk/>
-            <pc:sldMk cId="648812051" sldId="260"/>
-            <ac:cxnSpMk id="13" creationId="{C95DD1FF-5EBB-49E7-8644-879963C49519}"/>
-          </ac:cxnSpMkLst>
-        </pc:cxnChg>
-        <pc:cxnChg chg="add del mod">
-          <ac:chgData name="Rafael Casado González" userId="1c71fca1-7e6b-4c6f-8614-522343b393e6" providerId="ADAL" clId="{464C3988-B2DA-4834-A073-794262BDAF63}" dt="2020-01-30T10:17:28.356" v="190" actId="478"/>
-          <ac:cxnSpMkLst>
-            <pc:docMk/>
-            <pc:sldMk cId="648812051" sldId="260"/>
-            <ac:cxnSpMk id="18" creationId="{472926E6-DD62-4E3A-8022-9A021E1A49ED}"/>
-          </ac:cxnSpMkLst>
-        </pc:cxnChg>
-        <pc:cxnChg chg="add mod">
-          <ac:chgData name="Rafael Casado González" userId="1c71fca1-7e6b-4c6f-8614-522343b393e6" providerId="ADAL" clId="{464C3988-B2DA-4834-A073-794262BDAF63}" dt="2020-01-30T11:40:21.260" v="275" actId="14100"/>
-          <ac:cxnSpMkLst>
-            <pc:docMk/>
-            <pc:sldMk cId="648812051" sldId="260"/>
-            <ac:cxnSpMk id="28" creationId="{228A3A0E-122F-4FBA-BA34-1BA8A3FAFB31}"/>
-          </ac:cxnSpMkLst>
-        </pc:cxnChg>
-        <pc:cxnChg chg="add mod ord">
-          <ac:chgData name="Rafael Casado González" userId="1c71fca1-7e6b-4c6f-8614-522343b393e6" providerId="ADAL" clId="{464C3988-B2DA-4834-A073-794262BDAF63}" dt="2020-01-30T11:40:38.450" v="278" actId="167"/>
-          <ac:cxnSpMkLst>
-            <pc:docMk/>
-            <pc:sldMk cId="648812051" sldId="260"/>
-            <ac:cxnSpMk id="29" creationId="{5BB78B49-DAB3-4B9C-AB33-C7EF4D73EF16}"/>
-          </ac:cxnSpMkLst>
-        </pc:cxnChg>
-        <pc:cxnChg chg="add mod">
-          <ac:chgData name="Rafael Casado González" userId="1c71fca1-7e6b-4c6f-8614-522343b393e6" providerId="ADAL" clId="{464C3988-B2DA-4834-A073-794262BDAF63}" dt="2020-01-30T12:04:45.128" v="283" actId="1076"/>
-          <ac:cxnSpMkLst>
-            <pc:docMk/>
-            <pc:sldMk cId="648812051" sldId="260"/>
-            <ac:cxnSpMk id="45" creationId="{7B45A373-FBDD-46F4-A6F2-759D982BE220}"/>
-          </ac:cxnSpMkLst>
-        </pc:cxnChg>
-        <pc:cxnChg chg="add mod">
-          <ac:chgData name="Rafael Casado González" userId="1c71fca1-7e6b-4c6f-8614-522343b393e6" providerId="ADAL" clId="{464C3988-B2DA-4834-A073-794262BDAF63}" dt="2020-01-30T12:05:16.400" v="287" actId="1076"/>
-          <ac:cxnSpMkLst>
-            <pc:docMk/>
-            <pc:sldMk cId="648812051" sldId="260"/>
-            <ac:cxnSpMk id="46" creationId="{AEABCA61-4A5A-4A8C-86BD-817D88BD5FAE}"/>
-          </ac:cxnSpMkLst>
-        </pc:cxnChg>
-      </pc:sldChg>
-      <pc:sldChg chg="addSp modSp add">
-        <pc:chgData name="Rafael Casado González" userId="1c71fca1-7e6b-4c6f-8614-522343b393e6" providerId="ADAL" clId="{464C3988-B2DA-4834-A073-794262BDAF63}" dt="2020-01-30T12:23:01.008" v="351" actId="1076"/>
-        <pc:sldMkLst>
-          <pc:docMk/>
-          <pc:sldMk cId="1537013360" sldId="261"/>
-        </pc:sldMkLst>
-        <pc:spChg chg="mod">
-          <ac:chgData name="Rafael Casado González" userId="1c71fca1-7e6b-4c6f-8614-522343b393e6" providerId="ADAL" clId="{464C3988-B2DA-4834-A073-794262BDAF63}" dt="2020-01-30T12:16:37.693" v="300" actId="1076"/>
-          <ac:spMkLst>
-            <pc:docMk/>
-            <pc:sldMk cId="1537013360" sldId="261"/>
-            <ac:spMk id="27" creationId="{3596C5E0-5139-41F5-A5F3-C205BB5B09E0}"/>
-          </ac:spMkLst>
-        </pc:spChg>
-        <pc:grpChg chg="mod">
-          <ac:chgData name="Rafael Casado González" userId="1c71fca1-7e6b-4c6f-8614-522343b393e6" providerId="ADAL" clId="{464C3988-B2DA-4834-A073-794262BDAF63}" dt="2020-01-30T12:17:28.973" v="332" actId="1037"/>
-          <ac:grpSpMkLst>
-            <pc:docMk/>
-            <pc:sldMk cId="1537013360" sldId="261"/>
-            <ac:grpSpMk id="4" creationId="{07FCF857-905F-4F2F-90CA-30A93E74C955}"/>
-          </ac:grpSpMkLst>
-        </pc:grpChg>
-        <pc:cxnChg chg="mod">
-          <ac:chgData name="Rafael Casado González" userId="1c71fca1-7e6b-4c6f-8614-522343b393e6" providerId="ADAL" clId="{464C3988-B2DA-4834-A073-794262BDAF63}" dt="2020-01-30T12:16:29.893" v="299" actId="14100"/>
-          <ac:cxnSpMkLst>
-            <pc:docMk/>
-            <pc:sldMk cId="1537013360" sldId="261"/>
-            <ac:cxnSpMk id="7" creationId="{D18CB667-B76D-41C7-BF27-EA5FA92B894B}"/>
-          </ac:cxnSpMkLst>
-        </pc:cxnChg>
-        <pc:cxnChg chg="mod">
-          <ac:chgData name="Rafael Casado González" userId="1c71fca1-7e6b-4c6f-8614-522343b393e6" providerId="ADAL" clId="{464C3988-B2DA-4834-A073-794262BDAF63}" dt="2020-01-30T12:17:36.895" v="333" actId="14100"/>
-          <ac:cxnSpMkLst>
-            <pc:docMk/>
-            <pc:sldMk cId="1537013360" sldId="261"/>
-            <ac:cxnSpMk id="9" creationId="{D53047EA-5B13-44EC-A9A3-C22EECEE575D}"/>
-          </ac:cxnSpMkLst>
-        </pc:cxnChg>
-        <pc:cxnChg chg="mod">
-          <ac:chgData name="Rafael Casado González" userId="1c71fca1-7e6b-4c6f-8614-522343b393e6" providerId="ADAL" clId="{464C3988-B2DA-4834-A073-794262BDAF63}" dt="2020-01-30T12:20:18.475" v="345" actId="14100"/>
-          <ac:cxnSpMkLst>
-            <pc:docMk/>
-            <pc:sldMk cId="1537013360" sldId="261"/>
-            <ac:cxnSpMk id="12" creationId="{F3BAA161-C9FE-4EB8-8EAB-5B1796BE2EAC}"/>
-          </ac:cxnSpMkLst>
-        </pc:cxnChg>
-        <pc:cxnChg chg="mod">
-          <ac:chgData name="Rafael Casado González" userId="1c71fca1-7e6b-4c6f-8614-522343b393e6" providerId="ADAL" clId="{464C3988-B2DA-4834-A073-794262BDAF63}" dt="2020-01-30T12:18:58.744" v="343"/>
-          <ac:cxnSpMkLst>
-            <pc:docMk/>
-            <pc:sldMk cId="1537013360" sldId="261"/>
-            <ac:cxnSpMk id="13" creationId="{C95DD1FF-5EBB-49E7-8644-879963C49519}"/>
-          </ac:cxnSpMkLst>
-        </pc:cxnChg>
-        <pc:cxnChg chg="mod">
-          <ac:chgData name="Rafael Casado González" userId="1c71fca1-7e6b-4c6f-8614-522343b393e6" providerId="ADAL" clId="{464C3988-B2DA-4834-A073-794262BDAF63}" dt="2020-01-30T12:18:20.994" v="340" actId="1076"/>
-          <ac:cxnSpMkLst>
-            <pc:docMk/>
-            <pc:sldMk cId="1537013360" sldId="261"/>
-            <ac:cxnSpMk id="28" creationId="{228A3A0E-122F-4FBA-BA34-1BA8A3FAFB31}"/>
-          </ac:cxnSpMkLst>
-        </pc:cxnChg>
-        <pc:cxnChg chg="mod">
-          <ac:chgData name="Rafael Casado González" userId="1c71fca1-7e6b-4c6f-8614-522343b393e6" providerId="ADAL" clId="{464C3988-B2DA-4834-A073-794262BDAF63}" dt="2020-01-30T12:18:11.267" v="338" actId="14100"/>
-          <ac:cxnSpMkLst>
-            <pc:docMk/>
-            <pc:sldMk cId="1537013360" sldId="261"/>
-            <ac:cxnSpMk id="29" creationId="{5BB78B49-DAB3-4B9C-AB33-C7EF4D73EF16}"/>
-          </ac:cxnSpMkLst>
-        </pc:cxnChg>
-        <pc:cxnChg chg="add mod">
-          <ac:chgData name="Rafael Casado González" userId="1c71fca1-7e6b-4c6f-8614-522343b393e6" providerId="ADAL" clId="{464C3988-B2DA-4834-A073-794262BDAF63}" dt="2020-01-30T12:23:01.008" v="351" actId="1076"/>
-          <ac:cxnSpMkLst>
-            <pc:docMk/>
-            <pc:sldMk cId="1537013360" sldId="261"/>
-            <ac:cxnSpMk id="35" creationId="{C5732E10-C9EA-409E-A650-62BDD4E06504}"/>
-          </ac:cxnSpMkLst>
-        </pc:cxnChg>
-        <pc:cxnChg chg="mod">
-          <ac:chgData name="Rafael Casado González" userId="1c71fca1-7e6b-4c6f-8614-522343b393e6" providerId="ADAL" clId="{464C3988-B2DA-4834-A073-794262BDAF63}" dt="2020-01-30T12:18:18.844" v="339" actId="1076"/>
-          <ac:cxnSpMkLst>
-            <pc:docMk/>
-            <pc:sldMk cId="1537013360" sldId="261"/>
-            <ac:cxnSpMk id="45" creationId="{7B45A373-FBDD-46F4-A6F2-759D982BE220}"/>
-          </ac:cxnSpMkLst>
-        </pc:cxnChg>
-        <pc:cxnChg chg="mod">
-          <ac:chgData name="Rafael Casado González" userId="1c71fca1-7e6b-4c6f-8614-522343b393e6" providerId="ADAL" clId="{464C3988-B2DA-4834-A073-794262BDAF63}" dt="2020-01-30T12:17:48.194" v="334" actId="1076"/>
-          <ac:cxnSpMkLst>
-            <pc:docMk/>
-            <pc:sldMk cId="1537013360" sldId="261"/>
-            <ac:cxnSpMk id="46" creationId="{AEABCA61-4A5A-4A8C-86BD-817D88BD5FAE}"/>
-          </ac:cxnSpMkLst>
-        </pc:cxnChg>
-      </pc:sldChg>
-    </pc:docChg>
-  </pc:docChgLst>
-  <pc:docChgLst>
     <pc:chgData name="Rafael Casado González" userId="1c71fca1-7e6b-4c6f-8614-522343b393e6" providerId="ADAL" clId="{BDEB5F43-180F-49B5-88D9-D12AC35A8243}"/>
     <pc:docChg chg="undo redo custSel addSld delSld modSld addSection delSection modSection">
       <pc:chgData name="Rafael Casado González" userId="1c71fca1-7e6b-4c6f-8614-522343b393e6" providerId="ADAL" clId="{BDEB5F43-180F-49B5-88D9-D12AC35A8243}" dt="2020-04-30T13:02:39.915" v="1932" actId="14100"/>
@@ -6192,6 +5739,465 @@
             <pc:docMk/>
             <pc:sldMk cId="229967442" sldId="282"/>
             <ac:cxnSpMk id="37" creationId="{BFE5ABCB-769E-4E82-A52C-F8272205D01C}"/>
+          </ac:cxnSpMkLst>
+        </pc:cxnChg>
+      </pc:sldChg>
+    </pc:docChg>
+  </pc:docChgLst>
+  <pc:docChgLst>
+    <pc:chgData name="Rafael Casado González" userId="1c71fca1-7e6b-4c6f-8614-522343b393e6" providerId="ADAL" clId="{464C3988-B2DA-4834-A073-794262BDAF63}"/>
+    <pc:docChg chg="undo custSel addSld delSld modSld">
+      <pc:chgData name="Rafael Casado González" userId="1c71fca1-7e6b-4c6f-8614-522343b393e6" providerId="ADAL" clId="{464C3988-B2DA-4834-A073-794262BDAF63}" dt="2020-01-30T12:23:01.008" v="351" actId="1076"/>
+      <pc:docMkLst>
+        <pc:docMk/>
+      </pc:docMkLst>
+      <pc:sldChg chg="addSp modSp add del">
+        <pc:chgData name="Rafael Casado González" userId="1c71fca1-7e6b-4c6f-8614-522343b393e6" providerId="ADAL" clId="{464C3988-B2DA-4834-A073-794262BDAF63}" dt="2020-01-30T12:15:28.904" v="292" actId="47"/>
+        <pc:sldMkLst>
+          <pc:docMk/>
+          <pc:sldMk cId="3843547437" sldId="256"/>
+        </pc:sldMkLst>
+        <pc:spChg chg="add mod">
+          <ac:chgData name="Rafael Casado González" userId="1c71fca1-7e6b-4c6f-8614-522343b393e6" providerId="ADAL" clId="{464C3988-B2DA-4834-A073-794262BDAF63}" dt="2020-01-30T10:01:09.812" v="40" actId="164"/>
+          <ac:spMkLst>
+            <pc:docMk/>
+            <pc:sldMk cId="3843547437" sldId="256"/>
+            <ac:spMk id="2" creationId="{2511240A-C6E9-4B28-A607-A5DBD4BE7F5A}"/>
+          </ac:spMkLst>
+        </pc:spChg>
+        <pc:spChg chg="add mod">
+          <ac:chgData name="Rafael Casado González" userId="1c71fca1-7e6b-4c6f-8614-522343b393e6" providerId="ADAL" clId="{464C3988-B2DA-4834-A073-794262BDAF63}" dt="2020-01-30T10:01:09.812" v="40" actId="164"/>
+          <ac:spMkLst>
+            <pc:docMk/>
+            <pc:sldMk cId="3843547437" sldId="256"/>
+            <ac:spMk id="3" creationId="{B8ADAB42-4AB2-4736-BD6D-C414AD9E1F73}"/>
+          </ac:spMkLst>
+        </pc:spChg>
+        <pc:grpChg chg="add mod">
+          <ac:chgData name="Rafael Casado González" userId="1c71fca1-7e6b-4c6f-8614-522343b393e6" providerId="ADAL" clId="{464C3988-B2DA-4834-A073-794262BDAF63}" dt="2020-01-30T10:01:09.812" v="40" actId="164"/>
+          <ac:grpSpMkLst>
+            <pc:docMk/>
+            <pc:sldMk cId="3843547437" sldId="256"/>
+            <ac:grpSpMk id="12" creationId="{F867FF47-4BCD-4D10-BDFC-2774DAA20ED6}"/>
+          </ac:grpSpMkLst>
+        </pc:grpChg>
+        <pc:cxnChg chg="add mod">
+          <ac:chgData name="Rafael Casado González" userId="1c71fca1-7e6b-4c6f-8614-522343b393e6" providerId="ADAL" clId="{464C3988-B2DA-4834-A073-794262BDAF63}" dt="2020-01-30T10:01:09.812" v="40" actId="164"/>
+          <ac:cxnSpMkLst>
+            <pc:docMk/>
+            <pc:sldMk cId="3843547437" sldId="256"/>
+            <ac:cxnSpMk id="5" creationId="{EABFA430-48B5-4CFE-B772-3D7718011F63}"/>
+          </ac:cxnSpMkLst>
+        </pc:cxnChg>
+        <pc:cxnChg chg="add mod ord">
+          <ac:chgData name="Rafael Casado González" userId="1c71fca1-7e6b-4c6f-8614-522343b393e6" providerId="ADAL" clId="{464C3988-B2DA-4834-A073-794262BDAF63}" dt="2020-01-30T10:01:09.812" v="40" actId="164"/>
+          <ac:cxnSpMkLst>
+            <pc:docMk/>
+            <pc:sldMk cId="3843547437" sldId="256"/>
+            <ac:cxnSpMk id="7" creationId="{D18CB667-B76D-41C7-BF27-EA5FA92B894B}"/>
+          </ac:cxnSpMkLst>
+        </pc:cxnChg>
+      </pc:sldChg>
+      <pc:sldChg chg="addSp delSp modSp add del">
+        <pc:chgData name="Rafael Casado González" userId="1c71fca1-7e6b-4c6f-8614-522343b393e6" providerId="ADAL" clId="{464C3988-B2DA-4834-A073-794262BDAF63}" dt="2020-01-30T12:15:28.904" v="292" actId="47"/>
+        <pc:sldMkLst>
+          <pc:docMk/>
+          <pc:sldMk cId="411338169" sldId="257"/>
+        </pc:sldMkLst>
+        <pc:spChg chg="mod topLvl">
+          <ac:chgData name="Rafael Casado González" userId="1c71fca1-7e6b-4c6f-8614-522343b393e6" providerId="ADAL" clId="{464C3988-B2DA-4834-A073-794262BDAF63}" dt="2020-01-30T10:03:10.844" v="58" actId="208"/>
+          <ac:spMkLst>
+            <pc:docMk/>
+            <pc:sldMk cId="411338169" sldId="257"/>
+            <ac:spMk id="2" creationId="{2511240A-C6E9-4B28-A607-A5DBD4BE7F5A}"/>
+          </ac:spMkLst>
+        </pc:spChg>
+        <pc:spChg chg="mod topLvl">
+          <ac:chgData name="Rafael Casado González" userId="1c71fca1-7e6b-4c6f-8614-522343b393e6" providerId="ADAL" clId="{464C3988-B2DA-4834-A073-794262BDAF63}" dt="2020-01-30T10:02:46.143" v="56" actId="165"/>
+          <ac:spMkLst>
+            <pc:docMk/>
+            <pc:sldMk cId="411338169" sldId="257"/>
+            <ac:spMk id="3" creationId="{B8ADAB42-4AB2-4736-BD6D-C414AD9E1F73}"/>
+          </ac:spMkLst>
+        </pc:spChg>
+        <pc:spChg chg="mod topLvl">
+          <ac:chgData name="Rafael Casado González" userId="1c71fca1-7e6b-4c6f-8614-522343b393e6" providerId="ADAL" clId="{464C3988-B2DA-4834-A073-794262BDAF63}" dt="2020-01-30T10:03:10.844" v="58" actId="208"/>
+          <ac:spMkLst>
+            <pc:docMk/>
+            <pc:sldMk cId="411338169" sldId="257"/>
+            <ac:spMk id="10" creationId="{A1DB25D6-FCD7-4E5F-B240-CAE1D71DA61D}"/>
+          </ac:spMkLst>
+        </pc:spChg>
+        <pc:spChg chg="mod topLvl">
+          <ac:chgData name="Rafael Casado González" userId="1c71fca1-7e6b-4c6f-8614-522343b393e6" providerId="ADAL" clId="{464C3988-B2DA-4834-A073-794262BDAF63}" dt="2020-01-30T10:02:46.143" v="56" actId="165"/>
+          <ac:spMkLst>
+            <pc:docMk/>
+            <pc:sldMk cId="411338169" sldId="257"/>
+            <ac:spMk id="11" creationId="{63C114DB-DC88-43C0-A50D-7742705D4100}"/>
+          </ac:spMkLst>
+        </pc:spChg>
+        <pc:grpChg chg="add del mod">
+          <ac:chgData name="Rafael Casado González" userId="1c71fca1-7e6b-4c6f-8614-522343b393e6" providerId="ADAL" clId="{464C3988-B2DA-4834-A073-794262BDAF63}" dt="2020-01-30T10:02:46.143" v="56" actId="165"/>
+          <ac:grpSpMkLst>
+            <pc:docMk/>
+            <pc:sldMk cId="411338169" sldId="257"/>
+            <ac:grpSpMk id="8" creationId="{BF615F40-6238-4C78-BCC7-BC75C1E769E7}"/>
+          </ac:grpSpMkLst>
+        </pc:grpChg>
+        <pc:grpChg chg="del mod">
+          <ac:chgData name="Rafael Casado González" userId="1c71fca1-7e6b-4c6f-8614-522343b393e6" providerId="ADAL" clId="{464C3988-B2DA-4834-A073-794262BDAF63}" dt="2020-01-30T10:02:46.143" v="56" actId="165"/>
+          <ac:grpSpMkLst>
+            <pc:docMk/>
+            <pc:sldMk cId="411338169" sldId="257"/>
+            <ac:grpSpMk id="12" creationId="{F867FF47-4BCD-4D10-BDFC-2774DAA20ED6}"/>
+          </ac:grpSpMkLst>
+        </pc:grpChg>
+        <pc:cxnChg chg="mod topLvl">
+          <ac:chgData name="Rafael Casado González" userId="1c71fca1-7e6b-4c6f-8614-522343b393e6" providerId="ADAL" clId="{464C3988-B2DA-4834-A073-794262BDAF63}" dt="2020-01-30T10:02:46.143" v="56" actId="165"/>
+          <ac:cxnSpMkLst>
+            <pc:docMk/>
+            <pc:sldMk cId="411338169" sldId="257"/>
+            <ac:cxnSpMk id="5" creationId="{EABFA430-48B5-4CFE-B772-3D7718011F63}"/>
+          </ac:cxnSpMkLst>
+        </pc:cxnChg>
+        <pc:cxnChg chg="mod topLvl">
+          <ac:chgData name="Rafael Casado González" userId="1c71fca1-7e6b-4c6f-8614-522343b393e6" providerId="ADAL" clId="{464C3988-B2DA-4834-A073-794262BDAF63}" dt="2020-01-30T10:03:30.278" v="59" actId="14100"/>
+          <ac:cxnSpMkLst>
+            <pc:docMk/>
+            <pc:sldMk cId="411338169" sldId="257"/>
+            <ac:cxnSpMk id="7" creationId="{D18CB667-B76D-41C7-BF27-EA5FA92B894B}"/>
+          </ac:cxnSpMkLst>
+        </pc:cxnChg>
+        <pc:cxnChg chg="mod topLvl">
+          <ac:chgData name="Rafael Casado González" userId="1c71fca1-7e6b-4c6f-8614-522343b393e6" providerId="ADAL" clId="{464C3988-B2DA-4834-A073-794262BDAF63}" dt="2020-01-30T10:03:10.844" v="58" actId="208"/>
+          <ac:cxnSpMkLst>
+            <pc:docMk/>
+            <pc:sldMk cId="411338169" sldId="257"/>
+            <ac:cxnSpMk id="9" creationId="{D53047EA-5B13-44EC-A9A3-C22EECEE575D}"/>
+          </ac:cxnSpMkLst>
+        </pc:cxnChg>
+        <pc:cxnChg chg="mod topLvl">
+          <ac:chgData name="Rafael Casado González" userId="1c71fca1-7e6b-4c6f-8614-522343b393e6" providerId="ADAL" clId="{464C3988-B2DA-4834-A073-794262BDAF63}" dt="2020-01-30T10:02:46.143" v="56" actId="165"/>
+          <ac:cxnSpMkLst>
+            <pc:docMk/>
+            <pc:sldMk cId="411338169" sldId="257"/>
+            <ac:cxnSpMk id="13" creationId="{C95DD1FF-5EBB-49E7-8644-879963C49519}"/>
+          </ac:cxnSpMkLst>
+        </pc:cxnChg>
+      </pc:sldChg>
+      <pc:sldChg chg="addSp modSp add del">
+        <pc:chgData name="Rafael Casado González" userId="1c71fca1-7e6b-4c6f-8614-522343b393e6" providerId="ADAL" clId="{464C3988-B2DA-4834-A073-794262BDAF63}" dt="2020-01-30T12:15:28.904" v="292" actId="47"/>
+        <pc:sldMkLst>
+          <pc:docMk/>
+          <pc:sldMk cId="3091957617" sldId="258"/>
+        </pc:sldMkLst>
+        <pc:spChg chg="mod">
+          <ac:chgData name="Rafael Casado González" userId="1c71fca1-7e6b-4c6f-8614-522343b393e6" providerId="ADAL" clId="{464C3988-B2DA-4834-A073-794262BDAF63}" dt="2020-01-30T10:05:00.153" v="97" actId="688"/>
+          <ac:spMkLst>
+            <pc:docMk/>
+            <pc:sldMk cId="3091957617" sldId="258"/>
+            <ac:spMk id="2" creationId="{2511240A-C6E9-4B28-A607-A5DBD4BE7F5A}"/>
+          </ac:spMkLst>
+        </pc:spChg>
+        <pc:spChg chg="mod">
+          <ac:chgData name="Rafael Casado González" userId="1c71fca1-7e6b-4c6f-8614-522343b393e6" providerId="ADAL" clId="{464C3988-B2DA-4834-A073-794262BDAF63}" dt="2020-01-30T10:06:33.428" v="121" actId="688"/>
+          <ac:spMkLst>
+            <pc:docMk/>
+            <pc:sldMk cId="3091957617" sldId="258"/>
+            <ac:spMk id="3" creationId="{B8ADAB42-4AB2-4736-BD6D-C414AD9E1F73}"/>
+          </ac:spMkLst>
+        </pc:spChg>
+        <pc:spChg chg="mod">
+          <ac:chgData name="Rafael Casado González" userId="1c71fca1-7e6b-4c6f-8614-522343b393e6" providerId="ADAL" clId="{464C3988-B2DA-4834-A073-794262BDAF63}" dt="2020-01-30T10:04:54.635" v="96" actId="688"/>
+          <ac:spMkLst>
+            <pc:docMk/>
+            <pc:sldMk cId="3091957617" sldId="258"/>
+            <ac:spMk id="10" creationId="{A1DB25D6-FCD7-4E5F-B240-CAE1D71DA61D}"/>
+          </ac:spMkLst>
+        </pc:spChg>
+        <pc:spChg chg="mod">
+          <ac:chgData name="Rafael Casado González" userId="1c71fca1-7e6b-4c6f-8614-522343b393e6" providerId="ADAL" clId="{464C3988-B2DA-4834-A073-794262BDAF63}" dt="2020-01-30T10:06:53.847" v="127" actId="207"/>
+          <ac:spMkLst>
+            <pc:docMk/>
+            <pc:sldMk cId="3091957617" sldId="258"/>
+            <ac:spMk id="11" creationId="{63C114DB-DC88-43C0-A50D-7742705D4100}"/>
+          </ac:spMkLst>
+        </pc:spChg>
+        <pc:grpChg chg="add mod">
+          <ac:chgData name="Rafael Casado González" userId="1c71fca1-7e6b-4c6f-8614-522343b393e6" providerId="ADAL" clId="{464C3988-B2DA-4834-A073-794262BDAF63}" dt="2020-01-30T10:05:47.616" v="104" actId="1036"/>
+          <ac:grpSpMkLst>
+            <pc:docMk/>
+            <pc:sldMk cId="3091957617" sldId="258"/>
+            <ac:grpSpMk id="4" creationId="{07FCF857-905F-4F2F-90CA-30A93E74C955}"/>
+          </ac:grpSpMkLst>
+        </pc:grpChg>
+        <pc:grpChg chg="add mod">
+          <ac:chgData name="Rafael Casado González" userId="1c71fca1-7e6b-4c6f-8614-522343b393e6" providerId="ADAL" clId="{464C3988-B2DA-4834-A073-794262BDAF63}" dt="2020-01-30T10:07:18.027" v="138" actId="1037"/>
+          <ac:grpSpMkLst>
+            <pc:docMk/>
+            <pc:sldMk cId="3091957617" sldId="258"/>
+            <ac:grpSpMk id="6" creationId="{4B24767A-B861-4F2D-93D7-59514CB0A207}"/>
+          </ac:grpSpMkLst>
+        </pc:grpChg>
+        <pc:cxnChg chg="mod">
+          <ac:chgData name="Rafael Casado González" userId="1c71fca1-7e6b-4c6f-8614-522343b393e6" providerId="ADAL" clId="{464C3988-B2DA-4834-A073-794262BDAF63}" dt="2020-01-30T10:04:44.035" v="94" actId="164"/>
+          <ac:cxnSpMkLst>
+            <pc:docMk/>
+            <pc:sldMk cId="3091957617" sldId="258"/>
+            <ac:cxnSpMk id="5" creationId="{EABFA430-48B5-4CFE-B772-3D7718011F63}"/>
+          </ac:cxnSpMkLst>
+        </pc:cxnChg>
+        <pc:cxnChg chg="mod">
+          <ac:chgData name="Rafael Casado González" userId="1c71fca1-7e6b-4c6f-8614-522343b393e6" providerId="ADAL" clId="{464C3988-B2DA-4834-A073-794262BDAF63}" dt="2020-01-30T10:04:15.324" v="61" actId="164"/>
+          <ac:cxnSpMkLst>
+            <pc:docMk/>
+            <pc:sldMk cId="3091957617" sldId="258"/>
+            <ac:cxnSpMk id="13" creationId="{C95DD1FF-5EBB-49E7-8644-879963C49519}"/>
+          </ac:cxnSpMkLst>
+        </pc:cxnChg>
+      </pc:sldChg>
+      <pc:sldChg chg="modSp add del">
+        <pc:chgData name="Rafael Casado González" userId="1c71fca1-7e6b-4c6f-8614-522343b393e6" providerId="ADAL" clId="{464C3988-B2DA-4834-A073-794262BDAF63}" dt="2020-01-30T12:15:28.904" v="292" actId="47"/>
+        <pc:sldMkLst>
+          <pc:docMk/>
+          <pc:sldMk cId="471625103" sldId="259"/>
+        </pc:sldMkLst>
+        <pc:grpChg chg="mod">
+          <ac:chgData name="Rafael Casado González" userId="1c71fca1-7e6b-4c6f-8614-522343b393e6" providerId="ADAL" clId="{464C3988-B2DA-4834-A073-794262BDAF63}" dt="2020-01-30T10:08:06.141" v="142" actId="1038"/>
+          <ac:grpSpMkLst>
+            <pc:docMk/>
+            <pc:sldMk cId="471625103" sldId="259"/>
+            <ac:grpSpMk id="6" creationId="{4B24767A-B861-4F2D-93D7-59514CB0A207}"/>
+          </ac:grpSpMkLst>
+        </pc:grpChg>
+      </pc:sldChg>
+      <pc:sldChg chg="addSp delSp modSp add del">
+        <pc:chgData name="Rafael Casado González" userId="1c71fca1-7e6b-4c6f-8614-522343b393e6" providerId="ADAL" clId="{464C3988-B2DA-4834-A073-794262BDAF63}" dt="2020-01-30T12:15:23.552" v="291" actId="47"/>
+        <pc:sldMkLst>
+          <pc:docMk/>
+          <pc:sldMk cId="648812051" sldId="260"/>
+        </pc:sldMkLst>
+        <pc:spChg chg="mod">
+          <ac:chgData name="Rafael Casado González" userId="1c71fca1-7e6b-4c6f-8614-522343b393e6" providerId="ADAL" clId="{464C3988-B2DA-4834-A073-794262BDAF63}" dt="2020-01-30T10:18:32.666" v="197" actId="208"/>
+          <ac:spMkLst>
+            <pc:docMk/>
+            <pc:sldMk cId="648812051" sldId="260"/>
+            <ac:spMk id="3" creationId="{B8ADAB42-4AB2-4736-BD6D-C414AD9E1F73}"/>
+          </ac:spMkLst>
+        </pc:spChg>
+        <pc:spChg chg="mod">
+          <ac:chgData name="Rafael Casado González" userId="1c71fca1-7e6b-4c6f-8614-522343b393e6" providerId="ADAL" clId="{464C3988-B2DA-4834-A073-794262BDAF63}" dt="2020-01-30T10:18:40.803" v="198" actId="208"/>
+          <ac:spMkLst>
+            <pc:docMk/>
+            <pc:sldMk cId="648812051" sldId="260"/>
+            <ac:spMk id="11" creationId="{63C114DB-DC88-43C0-A50D-7742705D4100}"/>
+          </ac:spMkLst>
+        </pc:spChg>
+        <pc:spChg chg="add mod">
+          <ac:chgData name="Rafael Casado González" userId="1c71fca1-7e6b-4c6f-8614-522343b393e6" providerId="ADAL" clId="{464C3988-B2DA-4834-A073-794262BDAF63}" dt="2020-01-30T10:18:12.728" v="195" actId="207"/>
+          <ac:spMkLst>
+            <pc:docMk/>
+            <pc:sldMk cId="648812051" sldId="260"/>
+            <ac:spMk id="26" creationId="{414A7802-EFB8-4791-84C6-0B0DD620315C}"/>
+          </ac:spMkLst>
+        </pc:spChg>
+        <pc:spChg chg="add mod">
+          <ac:chgData name="Rafael Casado González" userId="1c71fca1-7e6b-4c6f-8614-522343b393e6" providerId="ADAL" clId="{464C3988-B2DA-4834-A073-794262BDAF63}" dt="2020-01-30T11:37:34.105" v="242" actId="1036"/>
+          <ac:spMkLst>
+            <pc:docMk/>
+            <pc:sldMk cId="648812051" sldId="260"/>
+            <ac:spMk id="27" creationId="{3596C5E0-5139-41F5-A5F3-C205BB5B09E0}"/>
+          </ac:spMkLst>
+        </pc:spChg>
+        <pc:grpChg chg="mod">
+          <ac:chgData name="Rafael Casado González" userId="1c71fca1-7e6b-4c6f-8614-522343b393e6" providerId="ADAL" clId="{464C3988-B2DA-4834-A073-794262BDAF63}" dt="2020-01-30T11:39:52.031" v="270" actId="1038"/>
+          <ac:grpSpMkLst>
+            <pc:docMk/>
+            <pc:sldMk cId="648812051" sldId="260"/>
+            <ac:grpSpMk id="4" creationId="{07FCF857-905F-4F2F-90CA-30A93E74C955}"/>
+          </ac:grpSpMkLst>
+        </pc:grpChg>
+        <pc:grpChg chg="mod">
+          <ac:chgData name="Rafael Casado González" userId="1c71fca1-7e6b-4c6f-8614-522343b393e6" providerId="ADAL" clId="{464C3988-B2DA-4834-A073-794262BDAF63}" dt="2020-01-30T11:39:32.196" v="247" actId="1035"/>
+          <ac:grpSpMkLst>
+            <pc:docMk/>
+            <pc:sldMk cId="648812051" sldId="260"/>
+            <ac:grpSpMk id="6" creationId="{4B24767A-B861-4F2D-93D7-59514CB0A207}"/>
+          </ac:grpSpMkLst>
+        </pc:grpChg>
+        <pc:cxnChg chg="mod">
+          <ac:chgData name="Rafael Casado González" userId="1c71fca1-7e6b-4c6f-8614-522343b393e6" providerId="ADAL" clId="{464C3988-B2DA-4834-A073-794262BDAF63}" dt="2020-01-30T10:19:50.130" v="207" actId="208"/>
+          <ac:cxnSpMkLst>
+            <pc:docMk/>
+            <pc:sldMk cId="648812051" sldId="260"/>
+            <ac:cxnSpMk id="5" creationId="{EABFA430-48B5-4CFE-B772-3D7718011F63}"/>
+          </ac:cxnSpMkLst>
+        </pc:cxnChg>
+        <pc:cxnChg chg="mod">
+          <ac:chgData name="Rafael Casado González" userId="1c71fca1-7e6b-4c6f-8614-522343b393e6" providerId="ADAL" clId="{464C3988-B2DA-4834-A073-794262BDAF63}" dt="2020-01-30T11:43:22.722" v="279" actId="14100"/>
+          <ac:cxnSpMkLst>
+            <pc:docMk/>
+            <pc:sldMk cId="648812051" sldId="260"/>
+            <ac:cxnSpMk id="7" creationId="{D18CB667-B76D-41C7-BF27-EA5FA92B894B}"/>
+          </ac:cxnSpMkLst>
+        </pc:cxnChg>
+        <pc:cxnChg chg="mod">
+          <ac:chgData name="Rafael Casado González" userId="1c71fca1-7e6b-4c6f-8614-522343b393e6" providerId="ADAL" clId="{464C3988-B2DA-4834-A073-794262BDAF63}" dt="2020-01-30T11:43:28.752" v="280" actId="14100"/>
+          <ac:cxnSpMkLst>
+            <pc:docMk/>
+            <pc:sldMk cId="648812051" sldId="260"/>
+            <ac:cxnSpMk id="9" creationId="{D53047EA-5B13-44EC-A9A3-C22EECEE575D}"/>
+          </ac:cxnSpMkLst>
+        </pc:cxnChg>
+        <pc:cxnChg chg="add mod">
+          <ac:chgData name="Rafael Casado González" userId="1c71fca1-7e6b-4c6f-8614-522343b393e6" providerId="ADAL" clId="{464C3988-B2DA-4834-A073-794262BDAF63}" dt="2020-01-30T12:05:51.185" v="288"/>
+          <ac:cxnSpMkLst>
+            <pc:docMk/>
+            <pc:sldMk cId="648812051" sldId="260"/>
+            <ac:cxnSpMk id="12" creationId="{F3BAA161-C9FE-4EB8-8EAB-5B1796BE2EAC}"/>
+          </ac:cxnSpMkLst>
+        </pc:cxnChg>
+        <pc:cxnChg chg="mod">
+          <ac:chgData name="Rafael Casado González" userId="1c71fca1-7e6b-4c6f-8614-522343b393e6" providerId="ADAL" clId="{464C3988-B2DA-4834-A073-794262BDAF63}" dt="2020-01-30T12:06:01.901" v="289"/>
+          <ac:cxnSpMkLst>
+            <pc:docMk/>
+            <pc:sldMk cId="648812051" sldId="260"/>
+            <ac:cxnSpMk id="13" creationId="{C95DD1FF-5EBB-49E7-8644-879963C49519}"/>
+          </ac:cxnSpMkLst>
+        </pc:cxnChg>
+        <pc:cxnChg chg="add del mod">
+          <ac:chgData name="Rafael Casado González" userId="1c71fca1-7e6b-4c6f-8614-522343b393e6" providerId="ADAL" clId="{464C3988-B2DA-4834-A073-794262BDAF63}" dt="2020-01-30T10:17:28.356" v="190" actId="478"/>
+          <ac:cxnSpMkLst>
+            <pc:docMk/>
+            <pc:sldMk cId="648812051" sldId="260"/>
+            <ac:cxnSpMk id="18" creationId="{472926E6-DD62-4E3A-8022-9A021E1A49ED}"/>
+          </ac:cxnSpMkLst>
+        </pc:cxnChg>
+        <pc:cxnChg chg="add mod">
+          <ac:chgData name="Rafael Casado González" userId="1c71fca1-7e6b-4c6f-8614-522343b393e6" providerId="ADAL" clId="{464C3988-B2DA-4834-A073-794262BDAF63}" dt="2020-01-30T11:40:21.260" v="275" actId="14100"/>
+          <ac:cxnSpMkLst>
+            <pc:docMk/>
+            <pc:sldMk cId="648812051" sldId="260"/>
+            <ac:cxnSpMk id="28" creationId="{228A3A0E-122F-4FBA-BA34-1BA8A3FAFB31}"/>
+          </ac:cxnSpMkLst>
+        </pc:cxnChg>
+        <pc:cxnChg chg="add mod ord">
+          <ac:chgData name="Rafael Casado González" userId="1c71fca1-7e6b-4c6f-8614-522343b393e6" providerId="ADAL" clId="{464C3988-B2DA-4834-A073-794262BDAF63}" dt="2020-01-30T11:40:38.450" v="278" actId="167"/>
+          <ac:cxnSpMkLst>
+            <pc:docMk/>
+            <pc:sldMk cId="648812051" sldId="260"/>
+            <ac:cxnSpMk id="29" creationId="{5BB78B49-DAB3-4B9C-AB33-C7EF4D73EF16}"/>
+          </ac:cxnSpMkLst>
+        </pc:cxnChg>
+        <pc:cxnChg chg="add mod">
+          <ac:chgData name="Rafael Casado González" userId="1c71fca1-7e6b-4c6f-8614-522343b393e6" providerId="ADAL" clId="{464C3988-B2DA-4834-A073-794262BDAF63}" dt="2020-01-30T12:04:45.128" v="283" actId="1076"/>
+          <ac:cxnSpMkLst>
+            <pc:docMk/>
+            <pc:sldMk cId="648812051" sldId="260"/>
+            <ac:cxnSpMk id="45" creationId="{7B45A373-FBDD-46F4-A6F2-759D982BE220}"/>
+          </ac:cxnSpMkLst>
+        </pc:cxnChg>
+        <pc:cxnChg chg="add mod">
+          <ac:chgData name="Rafael Casado González" userId="1c71fca1-7e6b-4c6f-8614-522343b393e6" providerId="ADAL" clId="{464C3988-B2DA-4834-A073-794262BDAF63}" dt="2020-01-30T12:05:16.400" v="287" actId="1076"/>
+          <ac:cxnSpMkLst>
+            <pc:docMk/>
+            <pc:sldMk cId="648812051" sldId="260"/>
+            <ac:cxnSpMk id="46" creationId="{AEABCA61-4A5A-4A8C-86BD-817D88BD5FAE}"/>
+          </ac:cxnSpMkLst>
+        </pc:cxnChg>
+      </pc:sldChg>
+      <pc:sldChg chg="addSp modSp add">
+        <pc:chgData name="Rafael Casado González" userId="1c71fca1-7e6b-4c6f-8614-522343b393e6" providerId="ADAL" clId="{464C3988-B2DA-4834-A073-794262BDAF63}" dt="2020-01-30T12:23:01.008" v="351" actId="1076"/>
+        <pc:sldMkLst>
+          <pc:docMk/>
+          <pc:sldMk cId="1537013360" sldId="261"/>
+        </pc:sldMkLst>
+        <pc:spChg chg="mod">
+          <ac:chgData name="Rafael Casado González" userId="1c71fca1-7e6b-4c6f-8614-522343b393e6" providerId="ADAL" clId="{464C3988-B2DA-4834-A073-794262BDAF63}" dt="2020-01-30T12:16:37.693" v="300" actId="1076"/>
+          <ac:spMkLst>
+            <pc:docMk/>
+            <pc:sldMk cId="1537013360" sldId="261"/>
+            <ac:spMk id="27" creationId="{3596C5E0-5139-41F5-A5F3-C205BB5B09E0}"/>
+          </ac:spMkLst>
+        </pc:spChg>
+        <pc:grpChg chg="mod">
+          <ac:chgData name="Rafael Casado González" userId="1c71fca1-7e6b-4c6f-8614-522343b393e6" providerId="ADAL" clId="{464C3988-B2DA-4834-A073-794262BDAF63}" dt="2020-01-30T12:17:28.973" v="332" actId="1037"/>
+          <ac:grpSpMkLst>
+            <pc:docMk/>
+            <pc:sldMk cId="1537013360" sldId="261"/>
+            <ac:grpSpMk id="4" creationId="{07FCF857-905F-4F2F-90CA-30A93E74C955}"/>
+          </ac:grpSpMkLst>
+        </pc:grpChg>
+        <pc:cxnChg chg="mod">
+          <ac:chgData name="Rafael Casado González" userId="1c71fca1-7e6b-4c6f-8614-522343b393e6" providerId="ADAL" clId="{464C3988-B2DA-4834-A073-794262BDAF63}" dt="2020-01-30T12:16:29.893" v="299" actId="14100"/>
+          <ac:cxnSpMkLst>
+            <pc:docMk/>
+            <pc:sldMk cId="1537013360" sldId="261"/>
+            <ac:cxnSpMk id="7" creationId="{D18CB667-B76D-41C7-BF27-EA5FA92B894B}"/>
+          </ac:cxnSpMkLst>
+        </pc:cxnChg>
+        <pc:cxnChg chg="mod">
+          <ac:chgData name="Rafael Casado González" userId="1c71fca1-7e6b-4c6f-8614-522343b393e6" providerId="ADAL" clId="{464C3988-B2DA-4834-A073-794262BDAF63}" dt="2020-01-30T12:17:36.895" v="333" actId="14100"/>
+          <ac:cxnSpMkLst>
+            <pc:docMk/>
+            <pc:sldMk cId="1537013360" sldId="261"/>
+            <ac:cxnSpMk id="9" creationId="{D53047EA-5B13-44EC-A9A3-C22EECEE575D}"/>
+          </ac:cxnSpMkLst>
+        </pc:cxnChg>
+        <pc:cxnChg chg="mod">
+          <ac:chgData name="Rafael Casado González" userId="1c71fca1-7e6b-4c6f-8614-522343b393e6" providerId="ADAL" clId="{464C3988-B2DA-4834-A073-794262BDAF63}" dt="2020-01-30T12:20:18.475" v="345" actId="14100"/>
+          <ac:cxnSpMkLst>
+            <pc:docMk/>
+            <pc:sldMk cId="1537013360" sldId="261"/>
+            <ac:cxnSpMk id="12" creationId="{F3BAA161-C9FE-4EB8-8EAB-5B1796BE2EAC}"/>
+          </ac:cxnSpMkLst>
+        </pc:cxnChg>
+        <pc:cxnChg chg="mod">
+          <ac:chgData name="Rafael Casado González" userId="1c71fca1-7e6b-4c6f-8614-522343b393e6" providerId="ADAL" clId="{464C3988-B2DA-4834-A073-794262BDAF63}" dt="2020-01-30T12:18:58.744" v="343"/>
+          <ac:cxnSpMkLst>
+            <pc:docMk/>
+            <pc:sldMk cId="1537013360" sldId="261"/>
+            <ac:cxnSpMk id="13" creationId="{C95DD1FF-5EBB-49E7-8644-879963C49519}"/>
+          </ac:cxnSpMkLst>
+        </pc:cxnChg>
+        <pc:cxnChg chg="mod">
+          <ac:chgData name="Rafael Casado González" userId="1c71fca1-7e6b-4c6f-8614-522343b393e6" providerId="ADAL" clId="{464C3988-B2DA-4834-A073-794262BDAF63}" dt="2020-01-30T12:18:20.994" v="340" actId="1076"/>
+          <ac:cxnSpMkLst>
+            <pc:docMk/>
+            <pc:sldMk cId="1537013360" sldId="261"/>
+            <ac:cxnSpMk id="28" creationId="{228A3A0E-122F-4FBA-BA34-1BA8A3FAFB31}"/>
+          </ac:cxnSpMkLst>
+        </pc:cxnChg>
+        <pc:cxnChg chg="mod">
+          <ac:chgData name="Rafael Casado González" userId="1c71fca1-7e6b-4c6f-8614-522343b393e6" providerId="ADAL" clId="{464C3988-B2DA-4834-A073-794262BDAF63}" dt="2020-01-30T12:18:11.267" v="338" actId="14100"/>
+          <ac:cxnSpMkLst>
+            <pc:docMk/>
+            <pc:sldMk cId="1537013360" sldId="261"/>
+            <ac:cxnSpMk id="29" creationId="{5BB78B49-DAB3-4B9C-AB33-C7EF4D73EF16}"/>
+          </ac:cxnSpMkLst>
+        </pc:cxnChg>
+        <pc:cxnChg chg="add mod">
+          <ac:chgData name="Rafael Casado González" userId="1c71fca1-7e6b-4c6f-8614-522343b393e6" providerId="ADAL" clId="{464C3988-B2DA-4834-A073-794262BDAF63}" dt="2020-01-30T12:23:01.008" v="351" actId="1076"/>
+          <ac:cxnSpMkLst>
+            <pc:docMk/>
+            <pc:sldMk cId="1537013360" sldId="261"/>
+            <ac:cxnSpMk id="35" creationId="{C5732E10-C9EA-409E-A650-62BDD4E06504}"/>
+          </ac:cxnSpMkLst>
+        </pc:cxnChg>
+        <pc:cxnChg chg="mod">
+          <ac:chgData name="Rafael Casado González" userId="1c71fca1-7e6b-4c6f-8614-522343b393e6" providerId="ADAL" clId="{464C3988-B2DA-4834-A073-794262BDAF63}" dt="2020-01-30T12:18:18.844" v="339" actId="1076"/>
+          <ac:cxnSpMkLst>
+            <pc:docMk/>
+            <pc:sldMk cId="1537013360" sldId="261"/>
+            <ac:cxnSpMk id="45" creationId="{7B45A373-FBDD-46F4-A6F2-759D982BE220}"/>
+          </ac:cxnSpMkLst>
+        </pc:cxnChg>
+        <pc:cxnChg chg="mod">
+          <ac:chgData name="Rafael Casado González" userId="1c71fca1-7e6b-4c6f-8614-522343b393e6" providerId="ADAL" clId="{464C3988-B2DA-4834-A073-794262BDAF63}" dt="2020-01-30T12:17:48.194" v="334" actId="1076"/>
+          <ac:cxnSpMkLst>
+            <pc:docMk/>
+            <pc:sldMk cId="1537013360" sldId="261"/>
+            <ac:cxnSpMk id="46" creationId="{AEABCA61-4A5A-4A8C-86BD-817D88BD5FAE}"/>
           </ac:cxnSpMkLst>
         </pc:cxnChg>
       </pc:sldChg>
@@ -8765,7 +8771,7 @@
           <a:p>
             <a:fld id="{45ECB1A5-956B-4020-B7A7-8D5EB1C69C84}" type="datetimeFigureOut">
               <a:rPr lang="es-ES" smtClean="0"/>
-              <a:t>04/05/2020</a:t>
+              <a:t>05/05/2020</a:t>
             </a:fld>
             <a:endParaRPr lang="es-ES"/>
           </a:p>
@@ -9431,7 +9437,7 @@
           <a:p>
             <a:fld id="{852A633B-D8C6-48AE-A71F-829EE1685CB2}" type="datetimeFigureOut">
               <a:rPr lang="es-ES" smtClean="0"/>
-              <a:t>04/05/2020</a:t>
+              <a:t>05/05/2020</a:t>
             </a:fld>
             <a:endParaRPr lang="es-ES"/>
           </a:p>
@@ -9629,7 +9635,7 @@
           <a:p>
             <a:fld id="{852A633B-D8C6-48AE-A71F-829EE1685CB2}" type="datetimeFigureOut">
               <a:rPr lang="es-ES" smtClean="0"/>
-              <a:t>04/05/2020</a:t>
+              <a:t>05/05/2020</a:t>
             </a:fld>
             <a:endParaRPr lang="es-ES"/>
           </a:p>
@@ -9837,7 +9843,7 @@
           <a:p>
             <a:fld id="{852A633B-D8C6-48AE-A71F-829EE1685CB2}" type="datetimeFigureOut">
               <a:rPr lang="es-ES" smtClean="0"/>
-              <a:t>04/05/2020</a:t>
+              <a:t>05/05/2020</a:t>
             </a:fld>
             <a:endParaRPr lang="es-ES"/>
           </a:p>
@@ -10035,7 +10041,7 @@
           <a:p>
             <a:fld id="{852A633B-D8C6-48AE-A71F-829EE1685CB2}" type="datetimeFigureOut">
               <a:rPr lang="es-ES" smtClean="0"/>
-              <a:t>04/05/2020</a:t>
+              <a:t>05/05/2020</a:t>
             </a:fld>
             <a:endParaRPr lang="es-ES"/>
           </a:p>
@@ -10310,7 +10316,7 @@
           <a:p>
             <a:fld id="{852A633B-D8C6-48AE-A71F-829EE1685CB2}" type="datetimeFigureOut">
               <a:rPr lang="es-ES" smtClean="0"/>
-              <a:t>04/05/2020</a:t>
+              <a:t>05/05/2020</a:t>
             </a:fld>
             <a:endParaRPr lang="es-ES"/>
           </a:p>
@@ -10575,7 +10581,7 @@
           <a:p>
             <a:fld id="{852A633B-D8C6-48AE-A71F-829EE1685CB2}" type="datetimeFigureOut">
               <a:rPr lang="es-ES" smtClean="0"/>
-              <a:t>04/05/2020</a:t>
+              <a:t>05/05/2020</a:t>
             </a:fld>
             <a:endParaRPr lang="es-ES"/>
           </a:p>
@@ -10987,7 +10993,7 @@
           <a:p>
             <a:fld id="{852A633B-D8C6-48AE-A71F-829EE1685CB2}" type="datetimeFigureOut">
               <a:rPr lang="es-ES" smtClean="0"/>
-              <a:t>04/05/2020</a:t>
+              <a:t>05/05/2020</a:t>
             </a:fld>
             <a:endParaRPr lang="es-ES"/>
           </a:p>
@@ -11128,7 +11134,7 @@
           <a:p>
             <a:fld id="{852A633B-D8C6-48AE-A71F-829EE1685CB2}" type="datetimeFigureOut">
               <a:rPr lang="es-ES" smtClean="0"/>
-              <a:t>04/05/2020</a:t>
+              <a:t>05/05/2020</a:t>
             </a:fld>
             <a:endParaRPr lang="es-ES"/>
           </a:p>
@@ -11241,7 +11247,7 @@
           <a:p>
             <a:fld id="{852A633B-D8C6-48AE-A71F-829EE1685CB2}" type="datetimeFigureOut">
               <a:rPr lang="es-ES" smtClean="0"/>
-              <a:t>04/05/2020</a:t>
+              <a:t>05/05/2020</a:t>
             </a:fld>
             <a:endParaRPr lang="es-ES"/>
           </a:p>
@@ -11552,7 +11558,7 @@
           <a:p>
             <a:fld id="{852A633B-D8C6-48AE-A71F-829EE1685CB2}" type="datetimeFigureOut">
               <a:rPr lang="es-ES" smtClean="0"/>
-              <a:t>04/05/2020</a:t>
+              <a:t>05/05/2020</a:t>
             </a:fld>
             <a:endParaRPr lang="es-ES"/>
           </a:p>
@@ -11840,7 +11846,7 @@
           <a:p>
             <a:fld id="{852A633B-D8C6-48AE-A71F-829EE1685CB2}" type="datetimeFigureOut">
               <a:rPr lang="es-ES" smtClean="0"/>
-              <a:t>04/05/2020</a:t>
+              <a:t>05/05/2020</a:t>
             </a:fld>
             <a:endParaRPr lang="es-ES"/>
           </a:p>
@@ -12081,7 +12087,7 @@
           <a:p>
             <a:fld id="{852A633B-D8C6-48AE-A71F-829EE1685CB2}" type="datetimeFigureOut">
               <a:rPr lang="es-ES" smtClean="0"/>
-              <a:t>04/05/2020</a:t>
+              <a:t>05/05/2020</a:t>
             </a:fld>
             <a:endParaRPr lang="es-ES"/>
           </a:p>
@@ -25053,6 +25059,4912 @@
     <p:extLst>
       <p:ext uri="{BB962C8B-B14F-4D97-AF65-F5344CB8AC3E}">
         <p14:creationId xmlns:p14="http://schemas.microsoft.com/office/powerpoint/2010/main" val="1692616018"/>
+      </p:ext>
+    </p:extLst>
+  </p:cSld>
+  <p:clrMapOvr>
+    <a:masterClrMapping/>
+  </p:clrMapOvr>
+</p:sld>
+</file>
+
+<file path=ppt/slides/slide22.xml><?xml version="1.0" encoding="utf-8"?>
+<p:sld xmlns:a="http://schemas.openxmlformats.org/drawingml/2006/main" xmlns:r="http://schemas.openxmlformats.org/officeDocument/2006/relationships" xmlns:p="http://schemas.openxmlformats.org/presentationml/2006/main">
+  <p:cSld>
+    <p:spTree>
+      <p:nvGrpSpPr>
+        <p:cNvPr id="1" name=""/>
+        <p:cNvGrpSpPr/>
+        <p:nvPr/>
+      </p:nvGrpSpPr>
+      <p:grpSpPr>
+        <a:xfrm>
+          <a:off x="0" y="0"/>
+          <a:ext cx="0" cy="0"/>
+          <a:chOff x="0" y="0"/>
+          <a:chExt cx="0" cy="0"/>
+        </a:xfrm>
+      </p:grpSpPr>
+      <p:sp>
+        <p:nvSpPr>
+          <p:cNvPr id="2" name="Rectángulo 1">
+            <a:extLst>
+              <a:ext uri="{FF2B5EF4-FFF2-40B4-BE49-F238E27FC236}">
+                <a16:creationId xmlns:a16="http://schemas.microsoft.com/office/drawing/2014/main" id="{D474BE0D-DD76-4003-8AA9-B27750BCFF0F}"/>
+              </a:ext>
+            </a:extLst>
+          </p:cNvPr>
+          <p:cNvSpPr/>
+          <p:nvPr/>
+        </p:nvSpPr>
+        <p:spPr>
+          <a:xfrm>
+            <a:off x="5213064" y="2980660"/>
+            <a:ext cx="1819084" cy="1774438"/>
+          </a:xfrm>
+          <a:prstGeom prst="rect">
+            <a:avLst/>
+          </a:prstGeom>
+          <a:solidFill>
+            <a:srgbClr val="33CC33">
+              <a:alpha val="9804"/>
+            </a:srgbClr>
+          </a:solidFill>
+          <a:ln w="38100">
+            <a:solidFill>
+              <a:srgbClr val="89D73A"/>
+            </a:solidFill>
+          </a:ln>
+        </p:spPr>
+        <p:style>
+          <a:lnRef idx="2">
+            <a:schemeClr val="accent1">
+              <a:shade val="50000"/>
+            </a:schemeClr>
+          </a:lnRef>
+          <a:fillRef idx="1">
+            <a:schemeClr val="accent1"/>
+          </a:fillRef>
+          <a:effectRef idx="0">
+            <a:schemeClr val="accent1"/>
+          </a:effectRef>
+          <a:fontRef idx="minor">
+            <a:schemeClr val="lt1"/>
+          </a:fontRef>
+        </p:style>
+        <p:txBody>
+          <a:bodyPr rtlCol="0" anchor="ctr"/>
+          <a:lstStyle/>
+          <a:p>
+            <a:pPr algn="ctr"/>
+            <a:endParaRPr lang="es-ES" dirty="0"/>
+          </a:p>
+        </p:txBody>
+      </p:sp>
+      <p:cxnSp>
+        <p:nvCxnSpPr>
+          <p:cNvPr id="8" name="Conector recto de flecha 7">
+            <a:extLst>
+              <a:ext uri="{FF2B5EF4-FFF2-40B4-BE49-F238E27FC236}">
+                <a16:creationId xmlns:a16="http://schemas.microsoft.com/office/drawing/2014/main" id="{77D31BE9-184F-4355-A3F9-5B5607689114}"/>
+              </a:ext>
+            </a:extLst>
+          </p:cNvPr>
+          <p:cNvCxnSpPr>
+            <a:cxnSpLocks/>
+          </p:cNvCxnSpPr>
+          <p:nvPr/>
+        </p:nvCxnSpPr>
+        <p:spPr>
+          <a:xfrm flipH="1" flipV="1">
+            <a:off x="5677319" y="2863780"/>
+            <a:ext cx="445287" cy="1004100"/>
+          </a:xfrm>
+          <a:prstGeom prst="straightConnector1">
+            <a:avLst/>
+          </a:prstGeom>
+          <a:ln>
+            <a:tailEnd type="triangle" w="lg" len="lg"/>
+          </a:ln>
+        </p:spPr>
+        <p:style>
+          <a:lnRef idx="1">
+            <a:schemeClr val="accent1"/>
+          </a:lnRef>
+          <a:fillRef idx="0">
+            <a:schemeClr val="accent1"/>
+          </a:fillRef>
+          <a:effectRef idx="0">
+            <a:schemeClr val="accent1"/>
+          </a:effectRef>
+          <a:fontRef idx="minor">
+            <a:schemeClr val="tx1"/>
+          </a:fontRef>
+        </p:style>
+      </p:cxnSp>
+      <p:sp>
+        <p:nvSpPr>
+          <p:cNvPr id="9" name="Elipse 8">
+            <a:extLst>
+              <a:ext uri="{FF2B5EF4-FFF2-40B4-BE49-F238E27FC236}">
+                <a16:creationId xmlns:a16="http://schemas.microsoft.com/office/drawing/2014/main" id="{689C2A6A-498E-40E6-A42D-B096E9685AC6}"/>
+              </a:ext>
+            </a:extLst>
+          </p:cNvPr>
+          <p:cNvSpPr/>
+          <p:nvPr/>
+        </p:nvSpPr>
+        <p:spPr>
+          <a:xfrm>
+            <a:off x="6670227" y="2939823"/>
+            <a:ext cx="100582" cy="100582"/>
+          </a:xfrm>
+          <a:prstGeom prst="ellipse">
+            <a:avLst/>
+          </a:prstGeom>
+          <a:solidFill>
+            <a:srgbClr val="FF0000"/>
+          </a:solidFill>
+          <a:ln>
+            <a:noFill/>
+          </a:ln>
+        </p:spPr>
+        <p:style>
+          <a:lnRef idx="2">
+            <a:schemeClr val="accent1">
+              <a:shade val="50000"/>
+            </a:schemeClr>
+          </a:lnRef>
+          <a:fillRef idx="1">
+            <a:schemeClr val="accent1"/>
+          </a:fillRef>
+          <a:effectRef idx="0">
+            <a:schemeClr val="accent1"/>
+          </a:effectRef>
+          <a:fontRef idx="minor">
+            <a:schemeClr val="lt1"/>
+          </a:fontRef>
+        </p:style>
+        <p:txBody>
+          <a:bodyPr rtlCol="0" anchor="ctr"/>
+          <a:lstStyle/>
+          <a:p>
+            <a:pPr algn="ctr"/>
+            <a:endParaRPr lang="es-ES"/>
+          </a:p>
+        </p:txBody>
+      </p:sp>
+      <p:sp>
+        <p:nvSpPr>
+          <p:cNvPr id="10" name="Elipse 9">
+            <a:extLst>
+              <a:ext uri="{FF2B5EF4-FFF2-40B4-BE49-F238E27FC236}">
+                <a16:creationId xmlns:a16="http://schemas.microsoft.com/office/drawing/2014/main" id="{557CB2EE-36C2-439D-80F3-0F3EE8A47DE0}"/>
+              </a:ext>
+            </a:extLst>
+          </p:cNvPr>
+          <p:cNvSpPr/>
+          <p:nvPr/>
+        </p:nvSpPr>
+        <p:spPr>
+          <a:xfrm>
+            <a:off x="6966503" y="3178570"/>
+            <a:ext cx="100582" cy="100582"/>
+          </a:xfrm>
+          <a:prstGeom prst="ellipse">
+            <a:avLst/>
+          </a:prstGeom>
+          <a:solidFill>
+            <a:srgbClr val="FF0000"/>
+          </a:solidFill>
+          <a:ln>
+            <a:noFill/>
+          </a:ln>
+        </p:spPr>
+        <p:style>
+          <a:lnRef idx="2">
+            <a:schemeClr val="accent1">
+              <a:shade val="50000"/>
+            </a:schemeClr>
+          </a:lnRef>
+          <a:fillRef idx="1">
+            <a:schemeClr val="accent1"/>
+          </a:fillRef>
+          <a:effectRef idx="0">
+            <a:schemeClr val="accent1"/>
+          </a:effectRef>
+          <a:fontRef idx="minor">
+            <a:schemeClr val="lt1"/>
+          </a:fontRef>
+        </p:style>
+        <p:txBody>
+          <a:bodyPr rtlCol="0" anchor="ctr"/>
+          <a:lstStyle/>
+          <a:p>
+            <a:pPr algn="ctr"/>
+            <a:endParaRPr lang="es-ES"/>
+          </a:p>
+        </p:txBody>
+      </p:sp>
+      <p:sp>
+        <p:nvSpPr>
+          <p:cNvPr id="11" name="Elipse 10">
+            <a:extLst>
+              <a:ext uri="{FF2B5EF4-FFF2-40B4-BE49-F238E27FC236}">
+                <a16:creationId xmlns:a16="http://schemas.microsoft.com/office/drawing/2014/main" id="{E40D24B4-2040-47E4-9A08-B0E2661DB043}"/>
+              </a:ext>
+            </a:extLst>
+          </p:cNvPr>
+          <p:cNvSpPr/>
+          <p:nvPr/>
+        </p:nvSpPr>
+        <p:spPr>
+          <a:xfrm>
+            <a:off x="6974704" y="4406330"/>
+            <a:ext cx="100582" cy="100582"/>
+          </a:xfrm>
+          <a:prstGeom prst="ellipse">
+            <a:avLst/>
+          </a:prstGeom>
+          <a:solidFill>
+            <a:srgbClr val="FF0000"/>
+          </a:solidFill>
+          <a:ln>
+            <a:noFill/>
+          </a:ln>
+        </p:spPr>
+        <p:style>
+          <a:lnRef idx="2">
+            <a:schemeClr val="accent1">
+              <a:shade val="50000"/>
+            </a:schemeClr>
+          </a:lnRef>
+          <a:fillRef idx="1">
+            <a:schemeClr val="accent1"/>
+          </a:fillRef>
+          <a:effectRef idx="0">
+            <a:schemeClr val="accent1"/>
+          </a:effectRef>
+          <a:fontRef idx="minor">
+            <a:schemeClr val="lt1"/>
+          </a:fontRef>
+        </p:style>
+        <p:txBody>
+          <a:bodyPr rtlCol="0" anchor="ctr"/>
+          <a:lstStyle/>
+          <a:p>
+            <a:pPr algn="ctr"/>
+            <a:endParaRPr lang="es-ES"/>
+          </a:p>
+        </p:txBody>
+      </p:sp>
+      <p:sp>
+        <p:nvSpPr>
+          <p:cNvPr id="12" name="Elipse 11">
+            <a:extLst>
+              <a:ext uri="{FF2B5EF4-FFF2-40B4-BE49-F238E27FC236}">
+                <a16:creationId xmlns:a16="http://schemas.microsoft.com/office/drawing/2014/main" id="{45F0F0F8-45A8-4116-8491-3EA8398A671C}"/>
+              </a:ext>
+            </a:extLst>
+          </p:cNvPr>
+          <p:cNvSpPr/>
+          <p:nvPr/>
+        </p:nvSpPr>
+        <p:spPr>
+          <a:xfrm>
+            <a:off x="6720518" y="4695353"/>
+            <a:ext cx="100582" cy="100582"/>
+          </a:xfrm>
+          <a:prstGeom prst="ellipse">
+            <a:avLst/>
+          </a:prstGeom>
+          <a:solidFill>
+            <a:srgbClr val="FF0000"/>
+          </a:solidFill>
+          <a:ln>
+            <a:noFill/>
+          </a:ln>
+        </p:spPr>
+        <p:style>
+          <a:lnRef idx="2">
+            <a:schemeClr val="accent1">
+              <a:shade val="50000"/>
+            </a:schemeClr>
+          </a:lnRef>
+          <a:fillRef idx="1">
+            <a:schemeClr val="accent1"/>
+          </a:fillRef>
+          <a:effectRef idx="0">
+            <a:schemeClr val="accent1"/>
+          </a:effectRef>
+          <a:fontRef idx="minor">
+            <a:schemeClr val="lt1"/>
+          </a:fontRef>
+        </p:style>
+        <p:txBody>
+          <a:bodyPr rtlCol="0" anchor="ctr"/>
+          <a:lstStyle/>
+          <a:p>
+            <a:pPr algn="ctr"/>
+            <a:endParaRPr lang="es-ES"/>
+          </a:p>
+        </p:txBody>
+      </p:sp>
+      <p:sp>
+        <p:nvSpPr>
+          <p:cNvPr id="13" name="Elipse 12">
+            <a:extLst>
+              <a:ext uri="{FF2B5EF4-FFF2-40B4-BE49-F238E27FC236}">
+                <a16:creationId xmlns:a16="http://schemas.microsoft.com/office/drawing/2014/main" id="{75E0139D-7E3E-480A-B890-BCBED4CD49C9}"/>
+              </a:ext>
+            </a:extLst>
+          </p:cNvPr>
+          <p:cNvSpPr/>
+          <p:nvPr/>
+        </p:nvSpPr>
+        <p:spPr>
+          <a:xfrm>
+            <a:off x="5469612" y="2940302"/>
+            <a:ext cx="100582" cy="100582"/>
+          </a:xfrm>
+          <a:prstGeom prst="ellipse">
+            <a:avLst/>
+          </a:prstGeom>
+          <a:solidFill>
+            <a:srgbClr val="FF0000"/>
+          </a:solidFill>
+          <a:ln>
+            <a:noFill/>
+          </a:ln>
+        </p:spPr>
+        <p:style>
+          <a:lnRef idx="2">
+            <a:schemeClr val="accent1">
+              <a:shade val="50000"/>
+            </a:schemeClr>
+          </a:lnRef>
+          <a:fillRef idx="1">
+            <a:schemeClr val="accent1"/>
+          </a:fillRef>
+          <a:effectRef idx="0">
+            <a:schemeClr val="accent1"/>
+          </a:effectRef>
+          <a:fontRef idx="minor">
+            <a:schemeClr val="lt1"/>
+          </a:fontRef>
+        </p:style>
+        <p:txBody>
+          <a:bodyPr rtlCol="0" anchor="ctr"/>
+          <a:lstStyle/>
+          <a:p>
+            <a:pPr algn="ctr"/>
+            <a:endParaRPr lang="es-ES"/>
+          </a:p>
+        </p:txBody>
+      </p:sp>
+      <p:sp>
+        <p:nvSpPr>
+          <p:cNvPr id="14" name="Elipse 13">
+            <a:extLst>
+              <a:ext uri="{FF2B5EF4-FFF2-40B4-BE49-F238E27FC236}">
+                <a16:creationId xmlns:a16="http://schemas.microsoft.com/office/drawing/2014/main" id="{D9130BC2-9C84-473A-B954-C88DA53F1D9B}"/>
+              </a:ext>
+            </a:extLst>
+          </p:cNvPr>
+          <p:cNvSpPr/>
+          <p:nvPr/>
+        </p:nvSpPr>
+        <p:spPr>
+          <a:xfrm>
+            <a:off x="5178127" y="3228861"/>
+            <a:ext cx="100582" cy="100582"/>
+          </a:xfrm>
+          <a:prstGeom prst="ellipse">
+            <a:avLst/>
+          </a:prstGeom>
+          <a:solidFill>
+            <a:srgbClr val="FF0000"/>
+          </a:solidFill>
+          <a:ln>
+            <a:noFill/>
+          </a:ln>
+        </p:spPr>
+        <p:style>
+          <a:lnRef idx="2">
+            <a:schemeClr val="accent1">
+              <a:shade val="50000"/>
+            </a:schemeClr>
+          </a:lnRef>
+          <a:fillRef idx="1">
+            <a:schemeClr val="accent1"/>
+          </a:fillRef>
+          <a:effectRef idx="0">
+            <a:schemeClr val="accent1"/>
+          </a:effectRef>
+          <a:fontRef idx="minor">
+            <a:schemeClr val="lt1"/>
+          </a:fontRef>
+        </p:style>
+        <p:txBody>
+          <a:bodyPr rtlCol="0" anchor="ctr"/>
+          <a:lstStyle/>
+          <a:p>
+            <a:pPr algn="ctr"/>
+            <a:endParaRPr lang="es-ES"/>
+          </a:p>
+        </p:txBody>
+      </p:sp>
+      <p:sp>
+        <p:nvSpPr>
+          <p:cNvPr id="15" name="Elipse 14">
+            <a:extLst>
+              <a:ext uri="{FF2B5EF4-FFF2-40B4-BE49-F238E27FC236}">
+                <a16:creationId xmlns:a16="http://schemas.microsoft.com/office/drawing/2014/main" id="{5D10CE27-1F07-46BD-9BB3-954B9B3E744C}"/>
+              </a:ext>
+            </a:extLst>
+          </p:cNvPr>
+          <p:cNvSpPr/>
+          <p:nvPr/>
+        </p:nvSpPr>
+        <p:spPr>
+          <a:xfrm>
+            <a:off x="5148250" y="4376657"/>
+            <a:ext cx="100582" cy="100582"/>
+          </a:xfrm>
+          <a:prstGeom prst="ellipse">
+            <a:avLst/>
+          </a:prstGeom>
+          <a:solidFill>
+            <a:srgbClr val="FF0000"/>
+          </a:solidFill>
+          <a:ln>
+            <a:noFill/>
+          </a:ln>
+        </p:spPr>
+        <p:style>
+          <a:lnRef idx="2">
+            <a:schemeClr val="accent1">
+              <a:shade val="50000"/>
+            </a:schemeClr>
+          </a:lnRef>
+          <a:fillRef idx="1">
+            <a:schemeClr val="accent1"/>
+          </a:fillRef>
+          <a:effectRef idx="0">
+            <a:schemeClr val="accent1"/>
+          </a:effectRef>
+          <a:fontRef idx="minor">
+            <a:schemeClr val="lt1"/>
+          </a:fontRef>
+        </p:style>
+        <p:txBody>
+          <a:bodyPr rtlCol="0" anchor="ctr"/>
+          <a:lstStyle/>
+          <a:p>
+            <a:pPr algn="ctr"/>
+            <a:endParaRPr lang="es-ES"/>
+          </a:p>
+        </p:txBody>
+      </p:sp>
+      <p:sp>
+        <p:nvSpPr>
+          <p:cNvPr id="16" name="Elipse 15">
+            <a:extLst>
+              <a:ext uri="{FF2B5EF4-FFF2-40B4-BE49-F238E27FC236}">
+                <a16:creationId xmlns:a16="http://schemas.microsoft.com/office/drawing/2014/main" id="{FC3651B7-9CD6-4690-99F7-35F220FAB0A3}"/>
+              </a:ext>
+            </a:extLst>
+          </p:cNvPr>
+          <p:cNvSpPr/>
+          <p:nvPr/>
+        </p:nvSpPr>
+        <p:spPr>
+          <a:xfrm>
+            <a:off x="5447619" y="4706162"/>
+            <a:ext cx="100582" cy="100582"/>
+          </a:xfrm>
+          <a:prstGeom prst="ellipse">
+            <a:avLst/>
+          </a:prstGeom>
+          <a:solidFill>
+            <a:srgbClr val="FF0000"/>
+          </a:solidFill>
+          <a:ln>
+            <a:noFill/>
+          </a:ln>
+        </p:spPr>
+        <p:style>
+          <a:lnRef idx="2">
+            <a:schemeClr val="accent1">
+              <a:shade val="50000"/>
+            </a:schemeClr>
+          </a:lnRef>
+          <a:fillRef idx="1">
+            <a:schemeClr val="accent1"/>
+          </a:fillRef>
+          <a:effectRef idx="0">
+            <a:schemeClr val="accent1"/>
+          </a:effectRef>
+          <a:fontRef idx="minor">
+            <a:schemeClr val="lt1"/>
+          </a:fontRef>
+        </p:style>
+        <p:txBody>
+          <a:bodyPr rtlCol="0" anchor="ctr"/>
+          <a:lstStyle/>
+          <a:p>
+            <a:pPr algn="ctr"/>
+            <a:endParaRPr lang="es-ES"/>
+          </a:p>
+        </p:txBody>
+      </p:sp>
+      <p:sp>
+        <p:nvSpPr>
+          <p:cNvPr id="26" name="CuadroTexto 25">
+            <a:extLst>
+              <a:ext uri="{FF2B5EF4-FFF2-40B4-BE49-F238E27FC236}">
+                <a16:creationId xmlns:a16="http://schemas.microsoft.com/office/drawing/2014/main" id="{5B231D49-EFE1-4D06-AC09-3CEB995BFF71}"/>
+              </a:ext>
+            </a:extLst>
+          </p:cNvPr>
+          <p:cNvSpPr txBox="1"/>
+          <p:nvPr/>
+        </p:nvSpPr>
+        <p:spPr>
+          <a:xfrm>
+            <a:off x="6706035" y="2726291"/>
+            <a:ext cx="432079" cy="276999"/>
+          </a:xfrm>
+          <a:prstGeom prst="rect">
+            <a:avLst/>
+          </a:prstGeom>
+          <a:noFill/>
+        </p:spPr>
+        <p:txBody>
+          <a:bodyPr wrap="square" rtlCol="0">
+            <a:spAutoFit/>
+          </a:bodyPr>
+          <a:lstStyle/>
+          <a:p>
+            <a:r>
+              <a:rPr lang="es-ES" sz="1200" dirty="0"/>
+              <a:t>P1</a:t>
+            </a:r>
+          </a:p>
+        </p:txBody>
+      </p:sp>
+      <p:sp>
+        <p:nvSpPr>
+          <p:cNvPr id="27" name="CuadroTexto 26">
+            <a:extLst>
+              <a:ext uri="{FF2B5EF4-FFF2-40B4-BE49-F238E27FC236}">
+                <a16:creationId xmlns:a16="http://schemas.microsoft.com/office/drawing/2014/main" id="{1DF2F43E-7F56-471D-9208-E0848DA72029}"/>
+              </a:ext>
+            </a:extLst>
+          </p:cNvPr>
+          <p:cNvSpPr txBox="1"/>
+          <p:nvPr/>
+        </p:nvSpPr>
+        <p:spPr>
+          <a:xfrm>
+            <a:off x="7018973" y="2983481"/>
+            <a:ext cx="432079" cy="276999"/>
+          </a:xfrm>
+          <a:prstGeom prst="rect">
+            <a:avLst/>
+          </a:prstGeom>
+          <a:noFill/>
+        </p:spPr>
+        <p:txBody>
+          <a:bodyPr wrap="square" rtlCol="0">
+            <a:spAutoFit/>
+          </a:bodyPr>
+          <a:lstStyle/>
+          <a:p>
+            <a:r>
+              <a:rPr lang="es-ES" sz="1200" dirty="0"/>
+              <a:t>P2</a:t>
+            </a:r>
+          </a:p>
+        </p:txBody>
+      </p:sp>
+      <p:sp>
+        <p:nvSpPr>
+          <p:cNvPr id="28" name="CuadroTexto 27">
+            <a:extLst>
+              <a:ext uri="{FF2B5EF4-FFF2-40B4-BE49-F238E27FC236}">
+                <a16:creationId xmlns:a16="http://schemas.microsoft.com/office/drawing/2014/main" id="{A5E8BB79-E320-404E-8013-E03EEF508AD2}"/>
+              </a:ext>
+            </a:extLst>
+          </p:cNvPr>
+          <p:cNvSpPr txBox="1"/>
+          <p:nvPr/>
+        </p:nvSpPr>
+        <p:spPr>
+          <a:xfrm>
+            <a:off x="7002669" y="4464981"/>
+            <a:ext cx="432079" cy="276999"/>
+          </a:xfrm>
+          <a:prstGeom prst="rect">
+            <a:avLst/>
+          </a:prstGeom>
+          <a:noFill/>
+        </p:spPr>
+        <p:txBody>
+          <a:bodyPr wrap="square" rtlCol="0">
+            <a:spAutoFit/>
+          </a:bodyPr>
+          <a:lstStyle/>
+          <a:p>
+            <a:r>
+              <a:rPr lang="es-ES" sz="1200" dirty="0"/>
+              <a:t>P3</a:t>
+            </a:r>
+          </a:p>
+        </p:txBody>
+      </p:sp>
+      <p:sp>
+        <p:nvSpPr>
+          <p:cNvPr id="29" name="CuadroTexto 28">
+            <a:extLst>
+              <a:ext uri="{FF2B5EF4-FFF2-40B4-BE49-F238E27FC236}">
+                <a16:creationId xmlns:a16="http://schemas.microsoft.com/office/drawing/2014/main" id="{C413E556-78C6-4788-BF07-6889DEED15A1}"/>
+              </a:ext>
+            </a:extLst>
+          </p:cNvPr>
+          <p:cNvSpPr txBox="1"/>
+          <p:nvPr/>
+        </p:nvSpPr>
+        <p:spPr>
+          <a:xfrm>
+            <a:off x="6740560" y="4732483"/>
+            <a:ext cx="432079" cy="276999"/>
+          </a:xfrm>
+          <a:prstGeom prst="rect">
+            <a:avLst/>
+          </a:prstGeom>
+          <a:noFill/>
+        </p:spPr>
+        <p:txBody>
+          <a:bodyPr wrap="square" rtlCol="0">
+            <a:spAutoFit/>
+          </a:bodyPr>
+          <a:lstStyle/>
+          <a:p>
+            <a:r>
+              <a:rPr lang="es-ES" sz="1200" dirty="0"/>
+              <a:t>P4</a:t>
+            </a:r>
+          </a:p>
+        </p:txBody>
+      </p:sp>
+      <p:sp>
+        <p:nvSpPr>
+          <p:cNvPr id="30" name="CuadroTexto 29">
+            <a:extLst>
+              <a:ext uri="{FF2B5EF4-FFF2-40B4-BE49-F238E27FC236}">
+                <a16:creationId xmlns:a16="http://schemas.microsoft.com/office/drawing/2014/main" id="{62E030B6-48A5-423F-9166-6782411B4B90}"/>
+              </a:ext>
+            </a:extLst>
+          </p:cNvPr>
+          <p:cNvSpPr txBox="1"/>
+          <p:nvPr/>
+        </p:nvSpPr>
+        <p:spPr>
+          <a:xfrm>
+            <a:off x="5148251" y="4760059"/>
+            <a:ext cx="432079" cy="276999"/>
+          </a:xfrm>
+          <a:prstGeom prst="rect">
+            <a:avLst/>
+          </a:prstGeom>
+          <a:noFill/>
+        </p:spPr>
+        <p:txBody>
+          <a:bodyPr wrap="square" rtlCol="0">
+            <a:spAutoFit/>
+          </a:bodyPr>
+          <a:lstStyle/>
+          <a:p>
+            <a:r>
+              <a:rPr lang="es-ES" sz="1200" dirty="0"/>
+              <a:t>P5</a:t>
+            </a:r>
+          </a:p>
+        </p:txBody>
+      </p:sp>
+      <p:sp>
+        <p:nvSpPr>
+          <p:cNvPr id="31" name="CuadroTexto 30">
+            <a:extLst>
+              <a:ext uri="{FF2B5EF4-FFF2-40B4-BE49-F238E27FC236}">
+                <a16:creationId xmlns:a16="http://schemas.microsoft.com/office/drawing/2014/main" id="{250DC789-14FA-40C6-BA9F-5DE31B31BA89}"/>
+              </a:ext>
+            </a:extLst>
+          </p:cNvPr>
+          <p:cNvSpPr txBox="1"/>
+          <p:nvPr/>
+        </p:nvSpPr>
+        <p:spPr>
+          <a:xfrm>
+            <a:off x="4865856" y="4429163"/>
+            <a:ext cx="432079" cy="276999"/>
+          </a:xfrm>
+          <a:prstGeom prst="rect">
+            <a:avLst/>
+          </a:prstGeom>
+          <a:noFill/>
+        </p:spPr>
+        <p:txBody>
+          <a:bodyPr wrap="square" rtlCol="0">
+            <a:spAutoFit/>
+          </a:bodyPr>
+          <a:lstStyle/>
+          <a:p>
+            <a:r>
+              <a:rPr lang="es-ES" sz="1200" dirty="0"/>
+              <a:t>P6</a:t>
+            </a:r>
+          </a:p>
+        </p:txBody>
+      </p:sp>
+      <p:sp>
+        <p:nvSpPr>
+          <p:cNvPr id="32" name="CuadroTexto 31">
+            <a:extLst>
+              <a:ext uri="{FF2B5EF4-FFF2-40B4-BE49-F238E27FC236}">
+                <a16:creationId xmlns:a16="http://schemas.microsoft.com/office/drawing/2014/main" id="{82D59EFB-E03C-489E-B753-C3B2BEE979DC}"/>
+              </a:ext>
+            </a:extLst>
+          </p:cNvPr>
+          <p:cNvSpPr txBox="1"/>
+          <p:nvPr/>
+        </p:nvSpPr>
+        <p:spPr>
+          <a:xfrm>
+            <a:off x="4878372" y="2979624"/>
+            <a:ext cx="432079" cy="276999"/>
+          </a:xfrm>
+          <a:prstGeom prst="rect">
+            <a:avLst/>
+          </a:prstGeom>
+          <a:noFill/>
+        </p:spPr>
+        <p:txBody>
+          <a:bodyPr wrap="square" rtlCol="0">
+            <a:spAutoFit/>
+          </a:bodyPr>
+          <a:lstStyle/>
+          <a:p>
+            <a:r>
+              <a:rPr lang="es-ES" sz="1200" dirty="0"/>
+              <a:t>P7</a:t>
+            </a:r>
+          </a:p>
+        </p:txBody>
+      </p:sp>
+      <p:sp>
+        <p:nvSpPr>
+          <p:cNvPr id="33" name="CuadroTexto 32">
+            <a:extLst>
+              <a:ext uri="{FF2B5EF4-FFF2-40B4-BE49-F238E27FC236}">
+                <a16:creationId xmlns:a16="http://schemas.microsoft.com/office/drawing/2014/main" id="{D324482E-5AB3-4C9A-B84E-50016D36E60E}"/>
+              </a:ext>
+            </a:extLst>
+          </p:cNvPr>
+          <p:cNvSpPr txBox="1"/>
+          <p:nvPr/>
+        </p:nvSpPr>
+        <p:spPr>
+          <a:xfrm>
+            <a:off x="5196617" y="2699893"/>
+            <a:ext cx="432079" cy="276999"/>
+          </a:xfrm>
+          <a:prstGeom prst="rect">
+            <a:avLst/>
+          </a:prstGeom>
+          <a:noFill/>
+        </p:spPr>
+        <p:txBody>
+          <a:bodyPr wrap="square" rtlCol="0">
+            <a:spAutoFit/>
+          </a:bodyPr>
+          <a:lstStyle/>
+          <a:p>
+            <a:r>
+              <a:rPr lang="es-ES" sz="1200" dirty="0"/>
+              <a:t>P8</a:t>
+            </a:r>
+          </a:p>
+        </p:txBody>
+      </p:sp>
+      <p:sp>
+        <p:nvSpPr>
+          <p:cNvPr id="34" name="Rectángulo 33">
+            <a:extLst>
+              <a:ext uri="{FF2B5EF4-FFF2-40B4-BE49-F238E27FC236}">
+                <a16:creationId xmlns:a16="http://schemas.microsoft.com/office/drawing/2014/main" id="{00C6A29B-7D7D-4924-8B3E-A4BCE7BE5049}"/>
+              </a:ext>
+            </a:extLst>
+          </p:cNvPr>
+          <p:cNvSpPr/>
+          <p:nvPr/>
+        </p:nvSpPr>
+        <p:spPr>
+          <a:xfrm>
+            <a:off x="2341531" y="3563517"/>
+            <a:ext cx="768852" cy="1015996"/>
+          </a:xfrm>
+          <a:prstGeom prst="rect">
+            <a:avLst/>
+          </a:prstGeom>
+          <a:solidFill>
+            <a:srgbClr val="33CC33">
+              <a:alpha val="9804"/>
+            </a:srgbClr>
+          </a:solidFill>
+          <a:ln w="38100">
+            <a:solidFill>
+              <a:srgbClr val="89D73A"/>
+            </a:solidFill>
+          </a:ln>
+        </p:spPr>
+        <p:style>
+          <a:lnRef idx="2">
+            <a:schemeClr val="accent1">
+              <a:shade val="50000"/>
+            </a:schemeClr>
+          </a:lnRef>
+          <a:fillRef idx="1">
+            <a:schemeClr val="accent1"/>
+          </a:fillRef>
+          <a:effectRef idx="0">
+            <a:schemeClr val="accent1"/>
+          </a:effectRef>
+          <a:fontRef idx="minor">
+            <a:schemeClr val="lt1"/>
+          </a:fontRef>
+        </p:style>
+        <p:txBody>
+          <a:bodyPr rtlCol="0" anchor="ctr"/>
+          <a:lstStyle/>
+          <a:p>
+            <a:pPr algn="ctr"/>
+            <a:endParaRPr lang="es-ES" dirty="0"/>
+          </a:p>
+        </p:txBody>
+      </p:sp>
+      <p:grpSp>
+        <p:nvGrpSpPr>
+          <p:cNvPr id="35" name="Grupo 34">
+            <a:extLst>
+              <a:ext uri="{FF2B5EF4-FFF2-40B4-BE49-F238E27FC236}">
+                <a16:creationId xmlns:a16="http://schemas.microsoft.com/office/drawing/2014/main" id="{FDE35BD6-1268-4810-A6EE-912A3A2B0858}"/>
+              </a:ext>
+            </a:extLst>
+          </p:cNvPr>
+          <p:cNvGrpSpPr/>
+          <p:nvPr/>
+        </p:nvGrpSpPr>
+        <p:grpSpPr>
+          <a:xfrm>
+            <a:off x="1548291" y="2821638"/>
+            <a:ext cx="2160002" cy="2160000"/>
+            <a:chOff x="4941982" y="-432212"/>
+            <a:chExt cx="2293468" cy="2293442"/>
+          </a:xfrm>
+        </p:grpSpPr>
+        <p:grpSp>
+          <p:nvGrpSpPr>
+            <p:cNvPr id="36" name="Grupo 35">
+              <a:extLst>
+                <a:ext uri="{FF2B5EF4-FFF2-40B4-BE49-F238E27FC236}">
+                  <a16:creationId xmlns:a16="http://schemas.microsoft.com/office/drawing/2014/main" id="{809C81C6-2D6B-4E6B-B824-AEF0C8CA4B28}"/>
+                </a:ext>
+              </a:extLst>
+            </p:cNvPr>
+            <p:cNvGrpSpPr/>
+            <p:nvPr/>
+          </p:nvGrpSpPr>
+          <p:grpSpPr>
+            <a:xfrm>
+              <a:off x="4941984" y="-432212"/>
+              <a:ext cx="2293466" cy="2293442"/>
+              <a:chOff x="1512492" y="2660650"/>
+              <a:chExt cx="294744" cy="294744"/>
+            </a:xfrm>
+          </p:grpSpPr>
+          <p:cxnSp>
+            <p:nvCxnSpPr>
+              <p:cNvPr id="38" name="Conector recto 37">
+                <a:extLst>
+                  <a:ext uri="{FF2B5EF4-FFF2-40B4-BE49-F238E27FC236}">
+                    <a16:creationId xmlns:a16="http://schemas.microsoft.com/office/drawing/2014/main" id="{C94FE903-45AF-4237-87CC-9174D400A845}"/>
+                  </a:ext>
+                </a:extLst>
+              </p:cNvPr>
+              <p:cNvCxnSpPr>
+                <a:cxnSpLocks/>
+              </p:cNvCxnSpPr>
+              <p:nvPr/>
+            </p:nvCxnSpPr>
+            <p:spPr>
+              <a:xfrm>
+                <a:off x="1659864" y="2660650"/>
+                <a:ext cx="0" cy="294744"/>
+              </a:xfrm>
+              <a:prstGeom prst="line">
+                <a:avLst/>
+              </a:prstGeom>
+            </p:spPr>
+            <p:style>
+              <a:lnRef idx="1">
+                <a:schemeClr val="accent3"/>
+              </a:lnRef>
+              <a:fillRef idx="0">
+                <a:schemeClr val="accent3"/>
+              </a:fillRef>
+              <a:effectRef idx="0">
+                <a:schemeClr val="accent3"/>
+              </a:effectRef>
+              <a:fontRef idx="minor">
+                <a:schemeClr val="tx1"/>
+              </a:fontRef>
+            </p:style>
+          </p:cxnSp>
+          <p:cxnSp>
+            <p:nvCxnSpPr>
+              <p:cNvPr id="39" name="Conector recto 38">
+                <a:extLst>
+                  <a:ext uri="{FF2B5EF4-FFF2-40B4-BE49-F238E27FC236}">
+                    <a16:creationId xmlns:a16="http://schemas.microsoft.com/office/drawing/2014/main" id="{D60C05C7-63CE-4A63-B15C-A887EE6AE911}"/>
+                  </a:ext>
+                </a:extLst>
+              </p:cNvPr>
+              <p:cNvCxnSpPr>
+                <a:cxnSpLocks/>
+              </p:cNvCxnSpPr>
+              <p:nvPr/>
+            </p:nvCxnSpPr>
+            <p:spPr>
+              <a:xfrm rot="16200000">
+                <a:off x="1659864" y="2660651"/>
+                <a:ext cx="0" cy="294744"/>
+              </a:xfrm>
+              <a:prstGeom prst="line">
+                <a:avLst/>
+              </a:prstGeom>
+            </p:spPr>
+            <p:style>
+              <a:lnRef idx="1">
+                <a:schemeClr val="accent3"/>
+              </a:lnRef>
+              <a:fillRef idx="0">
+                <a:schemeClr val="accent3"/>
+              </a:fillRef>
+              <a:effectRef idx="0">
+                <a:schemeClr val="accent3"/>
+              </a:effectRef>
+              <a:fontRef idx="minor">
+                <a:schemeClr val="tx1"/>
+              </a:fontRef>
+            </p:style>
+          </p:cxnSp>
+        </p:grpSp>
+        <p:sp>
+          <p:nvSpPr>
+            <p:cNvPr id="37" name="Elipse 36">
+              <a:extLst>
+                <a:ext uri="{FF2B5EF4-FFF2-40B4-BE49-F238E27FC236}">
+                  <a16:creationId xmlns:a16="http://schemas.microsoft.com/office/drawing/2014/main" id="{4E536C79-B83F-456B-B9F4-3ED4273AC77A}"/>
+                </a:ext>
+              </a:extLst>
+            </p:cNvPr>
+            <p:cNvSpPr/>
+            <p:nvPr/>
+          </p:nvSpPr>
+          <p:spPr>
+            <a:xfrm>
+              <a:off x="4941982" y="-428901"/>
+              <a:ext cx="2293463" cy="2286817"/>
+            </a:xfrm>
+            <a:prstGeom prst="ellipse">
+              <a:avLst/>
+            </a:prstGeom>
+            <a:solidFill>
+              <a:schemeClr val="accent6">
+                <a:lumMod val="75000"/>
+                <a:alpha val="5000"/>
+              </a:schemeClr>
+            </a:solidFill>
+            <a:ln w="18000">
+              <a:solidFill>
+                <a:srgbClr val="FF0000"/>
+              </a:solidFill>
+            </a:ln>
+          </p:spPr>
+          <p:style>
+            <a:lnRef idx="2">
+              <a:schemeClr val="accent1">
+                <a:shade val="50000"/>
+              </a:schemeClr>
+            </a:lnRef>
+            <a:fillRef idx="1">
+              <a:schemeClr val="accent1"/>
+            </a:fillRef>
+            <a:effectRef idx="0">
+              <a:schemeClr val="accent1"/>
+            </a:effectRef>
+            <a:fontRef idx="minor">
+              <a:schemeClr val="lt1"/>
+            </a:fontRef>
+          </p:style>
+          <p:txBody>
+            <a:bodyPr wrap="none" rtlCol="0" anchor="ctr" anchorCtr="1"/>
+            <a:lstStyle/>
+            <a:p>
+              <a:endParaRPr lang="fi-FI" dirty="0">
+                <a:solidFill>
+                  <a:srgbClr val="66CC00"/>
+                </a:solidFill>
+              </a:endParaRPr>
+            </a:p>
+          </p:txBody>
+        </p:sp>
+      </p:grpSp>
+      <p:cxnSp>
+        <p:nvCxnSpPr>
+          <p:cNvPr id="40" name="Conector recto de flecha 39">
+            <a:extLst>
+              <a:ext uri="{FF2B5EF4-FFF2-40B4-BE49-F238E27FC236}">
+                <a16:creationId xmlns:a16="http://schemas.microsoft.com/office/drawing/2014/main" id="{6F042C59-26F7-4D5F-A87A-27EF595CFF31}"/>
+              </a:ext>
+            </a:extLst>
+          </p:cNvPr>
+          <p:cNvCxnSpPr>
+            <a:cxnSpLocks/>
+          </p:cNvCxnSpPr>
+          <p:nvPr/>
+        </p:nvCxnSpPr>
+        <p:spPr>
+          <a:xfrm flipH="1" flipV="1">
+            <a:off x="2030382" y="3015262"/>
+            <a:ext cx="597912" cy="886376"/>
+          </a:xfrm>
+          <a:prstGeom prst="straightConnector1">
+            <a:avLst/>
+          </a:prstGeom>
+          <a:ln>
+            <a:tailEnd type="triangle" w="lg" len="lg"/>
+          </a:ln>
+        </p:spPr>
+        <p:style>
+          <a:lnRef idx="1">
+            <a:schemeClr val="accent1"/>
+          </a:lnRef>
+          <a:fillRef idx="0">
+            <a:schemeClr val="accent1"/>
+          </a:fillRef>
+          <a:effectRef idx="0">
+            <a:schemeClr val="accent1"/>
+          </a:effectRef>
+          <a:fontRef idx="minor">
+            <a:schemeClr val="tx1"/>
+          </a:fontRef>
+        </p:style>
+      </p:cxnSp>
+      <p:sp>
+        <p:nvSpPr>
+          <p:cNvPr id="41" name="Elipse 40">
+            <a:extLst>
+              <a:ext uri="{FF2B5EF4-FFF2-40B4-BE49-F238E27FC236}">
+                <a16:creationId xmlns:a16="http://schemas.microsoft.com/office/drawing/2014/main" id="{120C0FD1-EA73-4781-AE10-560A475B14FD}"/>
+              </a:ext>
+            </a:extLst>
+          </p:cNvPr>
+          <p:cNvSpPr/>
+          <p:nvPr/>
+        </p:nvSpPr>
+        <p:spPr>
+          <a:xfrm>
+            <a:off x="2283744" y="4526278"/>
+            <a:ext cx="100582" cy="100582"/>
+          </a:xfrm>
+          <a:prstGeom prst="ellipse">
+            <a:avLst/>
+          </a:prstGeom>
+          <a:solidFill>
+            <a:srgbClr val="FF0000"/>
+          </a:solidFill>
+          <a:ln>
+            <a:noFill/>
+          </a:ln>
+        </p:spPr>
+        <p:style>
+          <a:lnRef idx="2">
+            <a:schemeClr val="accent1">
+              <a:shade val="50000"/>
+            </a:schemeClr>
+          </a:lnRef>
+          <a:fillRef idx="1">
+            <a:schemeClr val="accent1"/>
+          </a:fillRef>
+          <a:effectRef idx="0">
+            <a:schemeClr val="accent1"/>
+          </a:effectRef>
+          <a:fontRef idx="minor">
+            <a:schemeClr val="lt1"/>
+          </a:fontRef>
+        </p:style>
+        <p:txBody>
+          <a:bodyPr rtlCol="0" anchor="ctr"/>
+          <a:lstStyle/>
+          <a:p>
+            <a:pPr algn="ctr"/>
+            <a:endParaRPr lang="es-ES"/>
+          </a:p>
+        </p:txBody>
+      </p:sp>
+      <p:sp>
+        <p:nvSpPr>
+          <p:cNvPr id="42" name="Elipse 41">
+            <a:extLst>
+              <a:ext uri="{FF2B5EF4-FFF2-40B4-BE49-F238E27FC236}">
+                <a16:creationId xmlns:a16="http://schemas.microsoft.com/office/drawing/2014/main" id="{8A1DF3F4-2206-4F41-B5AC-9411B08961F5}"/>
+              </a:ext>
+            </a:extLst>
+          </p:cNvPr>
+          <p:cNvSpPr/>
+          <p:nvPr/>
+        </p:nvSpPr>
+        <p:spPr>
+          <a:xfrm>
+            <a:off x="2286666" y="3526935"/>
+            <a:ext cx="100582" cy="100582"/>
+          </a:xfrm>
+          <a:prstGeom prst="ellipse">
+            <a:avLst/>
+          </a:prstGeom>
+          <a:solidFill>
+            <a:srgbClr val="FF0000"/>
+          </a:solidFill>
+          <a:ln>
+            <a:noFill/>
+          </a:ln>
+        </p:spPr>
+        <p:style>
+          <a:lnRef idx="2">
+            <a:schemeClr val="accent1">
+              <a:shade val="50000"/>
+            </a:schemeClr>
+          </a:lnRef>
+          <a:fillRef idx="1">
+            <a:schemeClr val="accent1"/>
+          </a:fillRef>
+          <a:effectRef idx="0">
+            <a:schemeClr val="accent1"/>
+          </a:effectRef>
+          <a:fontRef idx="minor">
+            <a:schemeClr val="lt1"/>
+          </a:fontRef>
+        </p:style>
+        <p:txBody>
+          <a:bodyPr rtlCol="0" anchor="ctr"/>
+          <a:lstStyle/>
+          <a:p>
+            <a:pPr algn="ctr"/>
+            <a:endParaRPr lang="es-ES"/>
+          </a:p>
+        </p:txBody>
+      </p:sp>
+      <p:sp>
+        <p:nvSpPr>
+          <p:cNvPr id="43" name="Elipse 42">
+            <a:extLst>
+              <a:ext uri="{FF2B5EF4-FFF2-40B4-BE49-F238E27FC236}">
+                <a16:creationId xmlns:a16="http://schemas.microsoft.com/office/drawing/2014/main" id="{ADD006F6-D7A2-4847-8E1E-20273EB772AB}"/>
+              </a:ext>
+            </a:extLst>
+          </p:cNvPr>
+          <p:cNvSpPr/>
+          <p:nvPr/>
+        </p:nvSpPr>
+        <p:spPr>
+          <a:xfrm>
+            <a:off x="3058634" y="4526278"/>
+            <a:ext cx="100582" cy="100582"/>
+          </a:xfrm>
+          <a:prstGeom prst="ellipse">
+            <a:avLst/>
+          </a:prstGeom>
+          <a:solidFill>
+            <a:schemeClr val="accent6">
+              <a:lumMod val="75000"/>
+            </a:schemeClr>
+          </a:solidFill>
+          <a:ln>
+            <a:noFill/>
+          </a:ln>
+        </p:spPr>
+        <p:style>
+          <a:lnRef idx="2">
+            <a:schemeClr val="accent1">
+              <a:shade val="50000"/>
+            </a:schemeClr>
+          </a:lnRef>
+          <a:fillRef idx="1">
+            <a:schemeClr val="accent1"/>
+          </a:fillRef>
+          <a:effectRef idx="0">
+            <a:schemeClr val="accent1"/>
+          </a:effectRef>
+          <a:fontRef idx="minor">
+            <a:schemeClr val="lt1"/>
+          </a:fontRef>
+        </p:style>
+        <p:txBody>
+          <a:bodyPr rtlCol="0" anchor="ctr"/>
+          <a:lstStyle/>
+          <a:p>
+            <a:pPr algn="ctr"/>
+            <a:endParaRPr lang="es-ES"/>
+          </a:p>
+        </p:txBody>
+      </p:sp>
+      <p:sp>
+        <p:nvSpPr>
+          <p:cNvPr id="44" name="Elipse 43">
+            <a:extLst>
+              <a:ext uri="{FF2B5EF4-FFF2-40B4-BE49-F238E27FC236}">
+                <a16:creationId xmlns:a16="http://schemas.microsoft.com/office/drawing/2014/main" id="{982103D3-3686-479A-800C-0B8A89B52DA1}"/>
+              </a:ext>
+            </a:extLst>
+          </p:cNvPr>
+          <p:cNvSpPr/>
+          <p:nvPr/>
+        </p:nvSpPr>
+        <p:spPr>
+          <a:xfrm>
+            <a:off x="3061556" y="3526935"/>
+            <a:ext cx="100582" cy="100582"/>
+          </a:xfrm>
+          <a:prstGeom prst="ellipse">
+            <a:avLst/>
+          </a:prstGeom>
+          <a:solidFill>
+            <a:srgbClr val="FF0000"/>
+          </a:solidFill>
+          <a:ln>
+            <a:noFill/>
+          </a:ln>
+        </p:spPr>
+        <p:style>
+          <a:lnRef idx="2">
+            <a:schemeClr val="accent1">
+              <a:shade val="50000"/>
+            </a:schemeClr>
+          </a:lnRef>
+          <a:fillRef idx="1">
+            <a:schemeClr val="accent1"/>
+          </a:fillRef>
+          <a:effectRef idx="0">
+            <a:schemeClr val="accent1"/>
+          </a:effectRef>
+          <a:fontRef idx="minor">
+            <a:schemeClr val="lt1"/>
+          </a:fontRef>
+        </p:style>
+        <p:txBody>
+          <a:bodyPr rtlCol="0" anchor="ctr"/>
+          <a:lstStyle/>
+          <a:p>
+            <a:pPr algn="ctr"/>
+            <a:endParaRPr lang="es-ES"/>
+          </a:p>
+        </p:txBody>
+      </p:sp>
+      <p:grpSp>
+        <p:nvGrpSpPr>
+          <p:cNvPr id="45" name="Grupo 44">
+            <a:extLst>
+              <a:ext uri="{FF2B5EF4-FFF2-40B4-BE49-F238E27FC236}">
+                <a16:creationId xmlns:a16="http://schemas.microsoft.com/office/drawing/2014/main" id="{F545853D-50C9-4272-BF50-91EAEF9DEE07}"/>
+              </a:ext>
+            </a:extLst>
+          </p:cNvPr>
+          <p:cNvGrpSpPr/>
+          <p:nvPr/>
+        </p:nvGrpSpPr>
+        <p:grpSpPr>
+          <a:xfrm>
+            <a:off x="5042605" y="2801109"/>
+            <a:ext cx="2160002" cy="2160000"/>
+            <a:chOff x="4941982" y="-432212"/>
+            <a:chExt cx="2293468" cy="2293442"/>
+          </a:xfrm>
+        </p:grpSpPr>
+        <p:grpSp>
+          <p:nvGrpSpPr>
+            <p:cNvPr id="46" name="Grupo 45">
+              <a:extLst>
+                <a:ext uri="{FF2B5EF4-FFF2-40B4-BE49-F238E27FC236}">
+                  <a16:creationId xmlns:a16="http://schemas.microsoft.com/office/drawing/2014/main" id="{631602D7-0852-44F0-94C2-0E0F22551AED}"/>
+                </a:ext>
+              </a:extLst>
+            </p:cNvPr>
+            <p:cNvGrpSpPr/>
+            <p:nvPr/>
+          </p:nvGrpSpPr>
+          <p:grpSpPr>
+            <a:xfrm>
+              <a:off x="4941984" y="-432212"/>
+              <a:ext cx="2293466" cy="2293442"/>
+              <a:chOff x="1512492" y="2660650"/>
+              <a:chExt cx="294744" cy="294744"/>
+            </a:xfrm>
+          </p:grpSpPr>
+          <p:cxnSp>
+            <p:nvCxnSpPr>
+              <p:cNvPr id="48" name="Conector recto 47">
+                <a:extLst>
+                  <a:ext uri="{FF2B5EF4-FFF2-40B4-BE49-F238E27FC236}">
+                    <a16:creationId xmlns:a16="http://schemas.microsoft.com/office/drawing/2014/main" id="{E1A13526-5618-4548-9D9F-83809E200BB9}"/>
+                  </a:ext>
+                </a:extLst>
+              </p:cNvPr>
+              <p:cNvCxnSpPr>
+                <a:cxnSpLocks/>
+              </p:cNvCxnSpPr>
+              <p:nvPr/>
+            </p:nvCxnSpPr>
+            <p:spPr>
+              <a:xfrm>
+                <a:off x="1659864" y="2660650"/>
+                <a:ext cx="0" cy="294744"/>
+              </a:xfrm>
+              <a:prstGeom prst="line">
+                <a:avLst/>
+              </a:prstGeom>
+            </p:spPr>
+            <p:style>
+              <a:lnRef idx="1">
+                <a:schemeClr val="accent3"/>
+              </a:lnRef>
+              <a:fillRef idx="0">
+                <a:schemeClr val="accent3"/>
+              </a:fillRef>
+              <a:effectRef idx="0">
+                <a:schemeClr val="accent3"/>
+              </a:effectRef>
+              <a:fontRef idx="minor">
+                <a:schemeClr val="tx1"/>
+              </a:fontRef>
+            </p:style>
+          </p:cxnSp>
+          <p:cxnSp>
+            <p:nvCxnSpPr>
+              <p:cNvPr id="49" name="Conector recto 48">
+                <a:extLst>
+                  <a:ext uri="{FF2B5EF4-FFF2-40B4-BE49-F238E27FC236}">
+                    <a16:creationId xmlns:a16="http://schemas.microsoft.com/office/drawing/2014/main" id="{DE0EED15-A69C-412C-88D3-6127D44EC8E4}"/>
+                  </a:ext>
+                </a:extLst>
+              </p:cNvPr>
+              <p:cNvCxnSpPr>
+                <a:cxnSpLocks/>
+              </p:cNvCxnSpPr>
+              <p:nvPr/>
+            </p:nvCxnSpPr>
+            <p:spPr>
+              <a:xfrm rot="16200000">
+                <a:off x="1659864" y="2660651"/>
+                <a:ext cx="0" cy="294744"/>
+              </a:xfrm>
+              <a:prstGeom prst="line">
+                <a:avLst/>
+              </a:prstGeom>
+            </p:spPr>
+            <p:style>
+              <a:lnRef idx="1">
+                <a:schemeClr val="accent3"/>
+              </a:lnRef>
+              <a:fillRef idx="0">
+                <a:schemeClr val="accent3"/>
+              </a:fillRef>
+              <a:effectRef idx="0">
+                <a:schemeClr val="accent3"/>
+              </a:effectRef>
+              <a:fontRef idx="minor">
+                <a:schemeClr val="tx1"/>
+              </a:fontRef>
+            </p:style>
+          </p:cxnSp>
+        </p:grpSp>
+        <p:sp>
+          <p:nvSpPr>
+            <p:cNvPr id="47" name="Elipse 46">
+              <a:extLst>
+                <a:ext uri="{FF2B5EF4-FFF2-40B4-BE49-F238E27FC236}">
+                  <a16:creationId xmlns:a16="http://schemas.microsoft.com/office/drawing/2014/main" id="{F60F8364-D710-4748-B409-1B6A0696D78F}"/>
+                </a:ext>
+              </a:extLst>
+            </p:cNvPr>
+            <p:cNvSpPr/>
+            <p:nvPr/>
+          </p:nvSpPr>
+          <p:spPr>
+            <a:xfrm>
+              <a:off x="4941982" y="-428901"/>
+              <a:ext cx="2293463" cy="2286817"/>
+            </a:xfrm>
+            <a:prstGeom prst="ellipse">
+              <a:avLst/>
+            </a:prstGeom>
+            <a:solidFill>
+              <a:schemeClr val="accent6">
+                <a:lumMod val="75000"/>
+                <a:alpha val="5000"/>
+              </a:schemeClr>
+            </a:solidFill>
+            <a:ln w="18000">
+              <a:solidFill>
+                <a:srgbClr val="FF0000"/>
+              </a:solidFill>
+            </a:ln>
+          </p:spPr>
+          <p:style>
+            <a:lnRef idx="2">
+              <a:schemeClr val="accent1">
+                <a:shade val="50000"/>
+              </a:schemeClr>
+            </a:lnRef>
+            <a:fillRef idx="1">
+              <a:schemeClr val="accent1"/>
+            </a:fillRef>
+            <a:effectRef idx="0">
+              <a:schemeClr val="accent1"/>
+            </a:effectRef>
+            <a:fontRef idx="minor">
+              <a:schemeClr val="lt1"/>
+            </a:fontRef>
+          </p:style>
+          <p:txBody>
+            <a:bodyPr wrap="none" rtlCol="0" anchor="ctr" anchorCtr="1"/>
+            <a:lstStyle/>
+            <a:p>
+              <a:endParaRPr lang="fi-FI" dirty="0">
+                <a:solidFill>
+                  <a:srgbClr val="66CC00"/>
+                </a:solidFill>
+              </a:endParaRPr>
+            </a:p>
+          </p:txBody>
+        </p:sp>
+      </p:grpSp>
+      <p:sp>
+        <p:nvSpPr>
+          <p:cNvPr id="25" name="Elipse 24">
+            <a:extLst>
+              <a:ext uri="{FF2B5EF4-FFF2-40B4-BE49-F238E27FC236}">
+                <a16:creationId xmlns:a16="http://schemas.microsoft.com/office/drawing/2014/main" id="{45D6E9A2-1F4F-442B-892B-5226DAD18BEF}"/>
+              </a:ext>
+            </a:extLst>
+          </p:cNvPr>
+          <p:cNvSpPr/>
+          <p:nvPr/>
+        </p:nvSpPr>
+        <p:spPr>
+          <a:xfrm>
+            <a:off x="5627023" y="2818242"/>
+            <a:ext cx="100582" cy="100582"/>
+          </a:xfrm>
+          <a:prstGeom prst="ellipse">
+            <a:avLst/>
+          </a:prstGeom>
+          <a:solidFill>
+            <a:schemeClr val="accent6">
+              <a:lumMod val="75000"/>
+            </a:schemeClr>
+          </a:solidFill>
+          <a:ln>
+            <a:noFill/>
+          </a:ln>
+        </p:spPr>
+        <p:style>
+          <a:lnRef idx="2">
+            <a:schemeClr val="accent1">
+              <a:shade val="50000"/>
+            </a:schemeClr>
+          </a:lnRef>
+          <a:fillRef idx="1">
+            <a:schemeClr val="accent1"/>
+          </a:fillRef>
+          <a:effectRef idx="0">
+            <a:schemeClr val="accent1"/>
+          </a:effectRef>
+          <a:fontRef idx="minor">
+            <a:schemeClr val="lt1"/>
+          </a:fontRef>
+        </p:style>
+        <p:txBody>
+          <a:bodyPr rtlCol="0" anchor="ctr"/>
+          <a:lstStyle/>
+          <a:p>
+            <a:pPr algn="ctr"/>
+            <a:endParaRPr lang="es-ES"/>
+          </a:p>
+        </p:txBody>
+      </p:sp>
+      <p:sp>
+        <p:nvSpPr>
+          <p:cNvPr id="50" name="CuadroTexto 49">
+            <a:extLst>
+              <a:ext uri="{FF2B5EF4-FFF2-40B4-BE49-F238E27FC236}">
+                <a16:creationId xmlns:a16="http://schemas.microsoft.com/office/drawing/2014/main" id="{88164D88-1D66-40BB-8421-13B7FE92A591}"/>
+              </a:ext>
+            </a:extLst>
+          </p:cNvPr>
+          <p:cNvSpPr txBox="1"/>
+          <p:nvPr/>
+        </p:nvSpPr>
+        <p:spPr>
+          <a:xfrm>
+            <a:off x="3133073" y="3429000"/>
+            <a:ext cx="432079" cy="276999"/>
+          </a:xfrm>
+          <a:prstGeom prst="rect">
+            <a:avLst/>
+          </a:prstGeom>
+          <a:noFill/>
+        </p:spPr>
+        <p:txBody>
+          <a:bodyPr wrap="square" rtlCol="0">
+            <a:spAutoFit/>
+          </a:bodyPr>
+          <a:lstStyle/>
+          <a:p>
+            <a:r>
+              <a:rPr lang="es-ES" sz="1200" dirty="0"/>
+              <a:t>NE</a:t>
+            </a:r>
+          </a:p>
+        </p:txBody>
+      </p:sp>
+      <p:sp>
+        <p:nvSpPr>
+          <p:cNvPr id="51" name="CuadroTexto 50">
+            <a:extLst>
+              <a:ext uri="{FF2B5EF4-FFF2-40B4-BE49-F238E27FC236}">
+                <a16:creationId xmlns:a16="http://schemas.microsoft.com/office/drawing/2014/main" id="{DB5B9EE5-12F9-4C97-BF0D-4EFD7545D2A4}"/>
+              </a:ext>
+            </a:extLst>
+          </p:cNvPr>
+          <p:cNvSpPr txBox="1"/>
+          <p:nvPr/>
+        </p:nvSpPr>
+        <p:spPr>
+          <a:xfrm>
+            <a:off x="3114116" y="4438069"/>
+            <a:ext cx="432079" cy="276999"/>
+          </a:xfrm>
+          <a:prstGeom prst="rect">
+            <a:avLst/>
+          </a:prstGeom>
+          <a:noFill/>
+        </p:spPr>
+        <p:txBody>
+          <a:bodyPr wrap="square" rtlCol="0">
+            <a:spAutoFit/>
+          </a:bodyPr>
+          <a:lstStyle/>
+          <a:p>
+            <a:r>
+              <a:rPr lang="es-ES" sz="1200" dirty="0"/>
+              <a:t>SE</a:t>
+            </a:r>
+          </a:p>
+        </p:txBody>
+      </p:sp>
+      <p:sp>
+        <p:nvSpPr>
+          <p:cNvPr id="52" name="CuadroTexto 51">
+            <a:extLst>
+              <a:ext uri="{FF2B5EF4-FFF2-40B4-BE49-F238E27FC236}">
+                <a16:creationId xmlns:a16="http://schemas.microsoft.com/office/drawing/2014/main" id="{BDC53DAD-BD42-44C9-84EB-9C9E6390828F}"/>
+              </a:ext>
+            </a:extLst>
+          </p:cNvPr>
+          <p:cNvSpPr txBox="1"/>
+          <p:nvPr/>
+        </p:nvSpPr>
+        <p:spPr>
+          <a:xfrm>
+            <a:off x="1927286" y="4429328"/>
+            <a:ext cx="432079" cy="276999"/>
+          </a:xfrm>
+          <a:prstGeom prst="rect">
+            <a:avLst/>
+          </a:prstGeom>
+          <a:noFill/>
+        </p:spPr>
+        <p:txBody>
+          <a:bodyPr wrap="square" rtlCol="0">
+            <a:spAutoFit/>
+          </a:bodyPr>
+          <a:lstStyle/>
+          <a:p>
+            <a:r>
+              <a:rPr lang="es-ES" sz="1200" dirty="0"/>
+              <a:t>SW</a:t>
+            </a:r>
+          </a:p>
+        </p:txBody>
+      </p:sp>
+      <p:sp>
+        <p:nvSpPr>
+          <p:cNvPr id="53" name="CuadroTexto 52">
+            <a:extLst>
+              <a:ext uri="{FF2B5EF4-FFF2-40B4-BE49-F238E27FC236}">
+                <a16:creationId xmlns:a16="http://schemas.microsoft.com/office/drawing/2014/main" id="{40C01DF1-0E9F-4F00-817F-888D2EA7DC4C}"/>
+              </a:ext>
+            </a:extLst>
+          </p:cNvPr>
+          <p:cNvSpPr txBox="1"/>
+          <p:nvPr/>
+        </p:nvSpPr>
+        <p:spPr>
+          <a:xfrm>
+            <a:off x="1911579" y="3450830"/>
+            <a:ext cx="432079" cy="276999"/>
+          </a:xfrm>
+          <a:prstGeom prst="rect">
+            <a:avLst/>
+          </a:prstGeom>
+          <a:noFill/>
+        </p:spPr>
+        <p:txBody>
+          <a:bodyPr wrap="square" rtlCol="0">
+            <a:spAutoFit/>
+          </a:bodyPr>
+          <a:lstStyle/>
+          <a:p>
+            <a:r>
+              <a:rPr lang="es-ES" sz="1200" dirty="0"/>
+              <a:t>NW</a:t>
+            </a:r>
+          </a:p>
+        </p:txBody>
+      </p:sp>
+    </p:spTree>
+    <p:extLst>
+      <p:ext uri="{BB962C8B-B14F-4D97-AF65-F5344CB8AC3E}">
+        <p14:creationId xmlns:p14="http://schemas.microsoft.com/office/powerpoint/2010/main" val="2942161848"/>
+      </p:ext>
+    </p:extLst>
+  </p:cSld>
+  <p:clrMapOvr>
+    <a:masterClrMapping/>
+  </p:clrMapOvr>
+</p:sld>
+</file>
+
+<file path=ppt/slides/slide23.xml><?xml version="1.0" encoding="utf-8"?>
+<p:sld xmlns:a="http://schemas.openxmlformats.org/drawingml/2006/main" xmlns:r="http://schemas.openxmlformats.org/officeDocument/2006/relationships" xmlns:p="http://schemas.openxmlformats.org/presentationml/2006/main">
+  <p:cSld>
+    <p:spTree>
+      <p:nvGrpSpPr>
+        <p:cNvPr id="1" name=""/>
+        <p:cNvGrpSpPr/>
+        <p:nvPr/>
+      </p:nvGrpSpPr>
+      <p:grpSpPr>
+        <a:xfrm>
+          <a:off x="0" y="0"/>
+          <a:ext cx="0" cy="0"/>
+          <a:chOff x="0" y="0"/>
+          <a:chExt cx="0" cy="0"/>
+        </a:xfrm>
+      </p:grpSpPr>
+      <p:sp>
+        <p:nvSpPr>
+          <p:cNvPr id="108" name="Elipse 107">
+            <a:extLst>
+              <a:ext uri="{FF2B5EF4-FFF2-40B4-BE49-F238E27FC236}">
+                <a16:creationId xmlns:a16="http://schemas.microsoft.com/office/drawing/2014/main" id="{92B435A2-3991-445C-A759-801D7B4EBC3F}"/>
+              </a:ext>
+            </a:extLst>
+          </p:cNvPr>
+          <p:cNvSpPr/>
+          <p:nvPr/>
+        </p:nvSpPr>
+        <p:spPr>
+          <a:xfrm>
+            <a:off x="1718826" y="-308056"/>
+            <a:ext cx="2889847" cy="2768668"/>
+          </a:xfrm>
+          <a:prstGeom prst="ellipse">
+            <a:avLst/>
+          </a:prstGeom>
+        </p:spPr>
+        <p:style>
+          <a:lnRef idx="2">
+            <a:schemeClr val="accent6"/>
+          </a:lnRef>
+          <a:fillRef idx="1">
+            <a:schemeClr val="lt1"/>
+          </a:fillRef>
+          <a:effectRef idx="0">
+            <a:schemeClr val="accent6"/>
+          </a:effectRef>
+          <a:fontRef idx="minor">
+            <a:schemeClr val="dk1"/>
+          </a:fontRef>
+        </p:style>
+        <p:txBody>
+          <a:bodyPr rtlCol="0" anchor="ctr"/>
+          <a:lstStyle/>
+          <a:p>
+            <a:pPr algn="ctr"/>
+            <a:endParaRPr lang="es-ES"/>
+          </a:p>
+        </p:txBody>
+      </p:sp>
+      <p:cxnSp>
+        <p:nvCxnSpPr>
+          <p:cNvPr id="7" name="Conector recto de flecha 6">
+            <a:extLst>
+              <a:ext uri="{FF2B5EF4-FFF2-40B4-BE49-F238E27FC236}">
+                <a16:creationId xmlns:a16="http://schemas.microsoft.com/office/drawing/2014/main" id="{D18CB667-B76D-41C7-BF27-EA5FA92B894B}"/>
+              </a:ext>
+            </a:extLst>
+          </p:cNvPr>
+          <p:cNvCxnSpPr>
+            <a:cxnSpLocks/>
+          </p:cNvCxnSpPr>
+          <p:nvPr/>
+        </p:nvCxnSpPr>
+        <p:spPr>
+          <a:xfrm flipH="1">
+            <a:off x="1363940" y="332673"/>
+            <a:ext cx="1992474" cy="5240224"/>
+          </a:xfrm>
+          <a:prstGeom prst="straightConnector1">
+            <a:avLst/>
+          </a:prstGeom>
+          <a:noFill/>
+          <a:ln w="3175">
+            <a:solidFill>
+              <a:schemeClr val="bg1">
+                <a:lumMod val="75000"/>
+              </a:schemeClr>
+            </a:solidFill>
+            <a:prstDash val="solid"/>
+          </a:ln>
+        </p:spPr>
+        <p:style>
+          <a:lnRef idx="2">
+            <a:schemeClr val="accent1">
+              <a:shade val="50000"/>
+            </a:schemeClr>
+          </a:lnRef>
+          <a:fillRef idx="1">
+            <a:schemeClr val="accent1"/>
+          </a:fillRef>
+          <a:effectRef idx="0">
+            <a:schemeClr val="accent1"/>
+          </a:effectRef>
+          <a:fontRef idx="minor">
+            <a:schemeClr val="lt1"/>
+          </a:fontRef>
+        </p:style>
+      </p:cxnSp>
+      <p:grpSp>
+        <p:nvGrpSpPr>
+          <p:cNvPr id="6" name="Grupo 5">
+            <a:extLst>
+              <a:ext uri="{FF2B5EF4-FFF2-40B4-BE49-F238E27FC236}">
+                <a16:creationId xmlns:a16="http://schemas.microsoft.com/office/drawing/2014/main" id="{4B24767A-B861-4F2D-93D7-59514CB0A207}"/>
+              </a:ext>
+            </a:extLst>
+          </p:cNvPr>
+          <p:cNvGrpSpPr/>
+          <p:nvPr/>
+        </p:nvGrpSpPr>
+        <p:grpSpPr>
+          <a:xfrm>
+            <a:off x="2381546" y="296562"/>
+            <a:ext cx="1440000" cy="1440000"/>
+            <a:chOff x="2908499" y="927659"/>
+            <a:chExt cx="1440000" cy="1440000"/>
+          </a:xfrm>
+        </p:grpSpPr>
+        <p:sp>
+          <p:nvSpPr>
+            <p:cNvPr id="2" name="Elipse 1">
+              <a:extLst>
+                <a:ext uri="{FF2B5EF4-FFF2-40B4-BE49-F238E27FC236}">
+                  <a16:creationId xmlns:a16="http://schemas.microsoft.com/office/drawing/2014/main" id="{2511240A-C6E9-4B28-A607-A5DBD4BE7F5A}"/>
+                </a:ext>
+              </a:extLst>
+            </p:cNvPr>
+            <p:cNvSpPr/>
+            <p:nvPr/>
+          </p:nvSpPr>
+          <p:spPr>
+            <a:xfrm>
+              <a:off x="2908499" y="927659"/>
+              <a:ext cx="1440000" cy="1440000"/>
+            </a:xfrm>
+            <a:prstGeom prst="ellipse">
+              <a:avLst/>
+            </a:prstGeom>
+            <a:noFill/>
+            <a:ln w="3175">
+              <a:solidFill>
+                <a:schemeClr val="bg1">
+                  <a:lumMod val="75000"/>
+                </a:schemeClr>
+              </a:solidFill>
+              <a:prstDash val="solid"/>
+            </a:ln>
+          </p:spPr>
+          <p:style>
+            <a:lnRef idx="2">
+              <a:schemeClr val="accent1">
+                <a:shade val="50000"/>
+              </a:schemeClr>
+            </a:lnRef>
+            <a:fillRef idx="1">
+              <a:schemeClr val="accent1"/>
+            </a:fillRef>
+            <a:effectRef idx="0">
+              <a:schemeClr val="accent1"/>
+            </a:effectRef>
+            <a:fontRef idx="minor">
+              <a:schemeClr val="lt1"/>
+            </a:fontRef>
+          </p:style>
+          <p:txBody>
+            <a:bodyPr rtlCol="0" anchor="ctr"/>
+            <a:lstStyle/>
+            <a:p>
+              <a:pPr algn="ctr"/>
+              <a:endParaRPr lang="es-ES"/>
+            </a:p>
+          </p:txBody>
+        </p:sp>
+        <p:sp>
+          <p:nvSpPr>
+            <p:cNvPr id="3" name="Elipse 2">
+              <a:extLst>
+                <a:ext uri="{FF2B5EF4-FFF2-40B4-BE49-F238E27FC236}">
+                  <a16:creationId xmlns:a16="http://schemas.microsoft.com/office/drawing/2014/main" id="{B8ADAB42-4AB2-4736-BD6D-C414AD9E1F73}"/>
+                </a:ext>
+              </a:extLst>
+            </p:cNvPr>
+            <p:cNvSpPr/>
+            <p:nvPr/>
+          </p:nvSpPr>
+          <p:spPr>
+            <a:xfrm>
+              <a:off x="3566295" y="1585455"/>
+              <a:ext cx="124408" cy="124408"/>
+            </a:xfrm>
+            <a:prstGeom prst="ellipse">
+              <a:avLst/>
+            </a:prstGeom>
+            <a:noFill/>
+            <a:ln w="38100">
+              <a:solidFill>
+                <a:srgbClr val="00B050"/>
+              </a:solidFill>
+            </a:ln>
+          </p:spPr>
+          <p:style>
+            <a:lnRef idx="2">
+              <a:schemeClr val="accent1">
+                <a:shade val="50000"/>
+              </a:schemeClr>
+            </a:lnRef>
+            <a:fillRef idx="1">
+              <a:schemeClr val="accent1"/>
+            </a:fillRef>
+            <a:effectRef idx="0">
+              <a:schemeClr val="accent1"/>
+            </a:effectRef>
+            <a:fontRef idx="minor">
+              <a:schemeClr val="lt1"/>
+            </a:fontRef>
+          </p:style>
+          <p:txBody>
+            <a:bodyPr rtlCol="0" anchor="ctr"/>
+            <a:lstStyle/>
+            <a:p>
+              <a:pPr algn="ctr"/>
+              <a:endParaRPr lang="es-ES"/>
+            </a:p>
+          </p:txBody>
+        </p:sp>
+        <p:cxnSp>
+          <p:nvCxnSpPr>
+            <p:cNvPr id="5" name="Conector recto de flecha 4">
+              <a:extLst>
+                <a:ext uri="{FF2B5EF4-FFF2-40B4-BE49-F238E27FC236}">
+                  <a16:creationId xmlns:a16="http://schemas.microsoft.com/office/drawing/2014/main" id="{EABFA430-48B5-4CFE-B772-3D7718011F63}"/>
+                </a:ext>
+              </a:extLst>
+            </p:cNvPr>
+            <p:cNvCxnSpPr>
+              <a:cxnSpLocks/>
+            </p:cNvCxnSpPr>
+            <p:nvPr/>
+          </p:nvCxnSpPr>
+          <p:spPr>
+            <a:xfrm flipH="1">
+              <a:off x="3443147" y="1647658"/>
+              <a:ext cx="185352" cy="440775"/>
+            </a:xfrm>
+            <a:prstGeom prst="straightConnector1">
+              <a:avLst/>
+            </a:prstGeom>
+            <a:ln>
+              <a:solidFill>
+                <a:srgbClr val="00B050"/>
+              </a:solidFill>
+              <a:tailEnd type="triangle"/>
+            </a:ln>
+          </p:spPr>
+          <p:style>
+            <a:lnRef idx="1">
+              <a:schemeClr val="accent1"/>
+            </a:lnRef>
+            <a:fillRef idx="0">
+              <a:schemeClr val="accent1"/>
+            </a:fillRef>
+            <a:effectRef idx="0">
+              <a:schemeClr val="accent1"/>
+            </a:effectRef>
+            <a:fontRef idx="minor">
+              <a:schemeClr val="tx1"/>
+            </a:fontRef>
+          </p:style>
+        </p:cxnSp>
+      </p:grpSp>
+      <p:cxnSp>
+        <p:nvCxnSpPr>
+          <p:cNvPr id="9" name="Conector recto de flecha 8">
+            <a:extLst>
+              <a:ext uri="{FF2B5EF4-FFF2-40B4-BE49-F238E27FC236}">
+                <a16:creationId xmlns:a16="http://schemas.microsoft.com/office/drawing/2014/main" id="{D53047EA-5B13-44EC-A9A3-C22EECEE575D}"/>
+              </a:ext>
+            </a:extLst>
+          </p:cNvPr>
+          <p:cNvCxnSpPr>
+            <a:cxnSpLocks/>
+            <a:endCxn id="27" idx="1"/>
+          </p:cNvCxnSpPr>
+          <p:nvPr/>
+        </p:nvCxnSpPr>
+        <p:spPr>
+          <a:xfrm>
+            <a:off x="555940" y="1888481"/>
+            <a:ext cx="4258301" cy="1292342"/>
+          </a:xfrm>
+          <a:prstGeom prst="straightConnector1">
+            <a:avLst/>
+          </a:prstGeom>
+          <a:noFill/>
+          <a:ln w="3175">
+            <a:solidFill>
+              <a:schemeClr val="bg1">
+                <a:lumMod val="75000"/>
+              </a:schemeClr>
+            </a:solidFill>
+            <a:prstDash val="solid"/>
+          </a:ln>
+        </p:spPr>
+        <p:style>
+          <a:lnRef idx="2">
+            <a:schemeClr val="accent1">
+              <a:shade val="50000"/>
+            </a:schemeClr>
+          </a:lnRef>
+          <a:fillRef idx="1">
+            <a:schemeClr val="accent1"/>
+          </a:fillRef>
+          <a:effectRef idx="0">
+            <a:schemeClr val="accent1"/>
+          </a:effectRef>
+          <a:fontRef idx="minor">
+            <a:schemeClr val="lt1"/>
+          </a:fontRef>
+        </p:style>
+      </p:cxnSp>
+      <p:grpSp>
+        <p:nvGrpSpPr>
+          <p:cNvPr id="4" name="Grupo 3">
+            <a:extLst>
+              <a:ext uri="{FF2B5EF4-FFF2-40B4-BE49-F238E27FC236}">
+                <a16:creationId xmlns:a16="http://schemas.microsoft.com/office/drawing/2014/main" id="{07FCF857-905F-4F2F-90CA-30A93E74C955}"/>
+              </a:ext>
+            </a:extLst>
+          </p:cNvPr>
+          <p:cNvGrpSpPr/>
+          <p:nvPr/>
+        </p:nvGrpSpPr>
+        <p:grpSpPr>
+          <a:xfrm>
+            <a:off x="555940" y="1384931"/>
+            <a:ext cx="1440000" cy="1440000"/>
+            <a:chOff x="3421412" y="3777641"/>
+            <a:chExt cx="1440000" cy="1440000"/>
+          </a:xfrm>
+        </p:grpSpPr>
+        <p:sp>
+          <p:nvSpPr>
+            <p:cNvPr id="10" name="Elipse 9">
+              <a:extLst>
+                <a:ext uri="{FF2B5EF4-FFF2-40B4-BE49-F238E27FC236}">
+                  <a16:creationId xmlns:a16="http://schemas.microsoft.com/office/drawing/2014/main" id="{A1DB25D6-FCD7-4E5F-B240-CAE1D71DA61D}"/>
+                </a:ext>
+              </a:extLst>
+            </p:cNvPr>
+            <p:cNvSpPr/>
+            <p:nvPr/>
+          </p:nvSpPr>
+          <p:spPr>
+            <a:xfrm>
+              <a:off x="3421412" y="3777641"/>
+              <a:ext cx="1440000" cy="1440000"/>
+            </a:xfrm>
+            <a:prstGeom prst="ellipse">
+              <a:avLst/>
+            </a:prstGeom>
+            <a:noFill/>
+            <a:ln w="3175">
+              <a:solidFill>
+                <a:schemeClr val="bg1">
+                  <a:lumMod val="75000"/>
+                </a:schemeClr>
+              </a:solidFill>
+              <a:prstDash val="solid"/>
+            </a:ln>
+          </p:spPr>
+          <p:style>
+            <a:lnRef idx="2">
+              <a:schemeClr val="accent1">
+                <a:shade val="50000"/>
+              </a:schemeClr>
+            </a:lnRef>
+            <a:fillRef idx="1">
+              <a:schemeClr val="accent1"/>
+            </a:fillRef>
+            <a:effectRef idx="0">
+              <a:schemeClr val="accent1"/>
+            </a:effectRef>
+            <a:fontRef idx="minor">
+              <a:schemeClr val="lt1"/>
+            </a:fontRef>
+          </p:style>
+          <p:txBody>
+            <a:bodyPr rtlCol="0" anchor="ctr"/>
+            <a:lstStyle/>
+            <a:p>
+              <a:pPr algn="ctr"/>
+              <a:endParaRPr lang="es-ES" dirty="0"/>
+            </a:p>
+          </p:txBody>
+        </p:sp>
+        <p:sp>
+          <p:nvSpPr>
+            <p:cNvPr id="11" name="Elipse 10">
+              <a:extLst>
+                <a:ext uri="{FF2B5EF4-FFF2-40B4-BE49-F238E27FC236}">
+                  <a16:creationId xmlns:a16="http://schemas.microsoft.com/office/drawing/2014/main" id="{63C114DB-DC88-43C0-A50D-7742705D4100}"/>
+                </a:ext>
+              </a:extLst>
+            </p:cNvPr>
+            <p:cNvSpPr/>
+            <p:nvPr/>
+          </p:nvSpPr>
+          <p:spPr>
+            <a:xfrm>
+              <a:off x="4079208" y="4435437"/>
+              <a:ext cx="124408" cy="124408"/>
+            </a:xfrm>
+            <a:prstGeom prst="ellipse">
+              <a:avLst/>
+            </a:prstGeom>
+            <a:noFill/>
+            <a:ln w="38100">
+              <a:solidFill>
+                <a:srgbClr val="00B0F0"/>
+              </a:solidFill>
+            </a:ln>
+          </p:spPr>
+          <p:style>
+            <a:lnRef idx="2">
+              <a:schemeClr val="accent1">
+                <a:shade val="50000"/>
+              </a:schemeClr>
+            </a:lnRef>
+            <a:fillRef idx="1">
+              <a:schemeClr val="accent1"/>
+            </a:fillRef>
+            <a:effectRef idx="0">
+              <a:schemeClr val="accent1"/>
+            </a:effectRef>
+            <a:fontRef idx="minor">
+              <a:schemeClr val="lt1"/>
+            </a:fontRef>
+          </p:style>
+          <p:txBody>
+            <a:bodyPr rtlCol="0" anchor="ctr"/>
+            <a:lstStyle/>
+            <a:p>
+              <a:pPr algn="ctr"/>
+              <a:endParaRPr lang="es-ES"/>
+            </a:p>
+          </p:txBody>
+        </p:sp>
+        <p:cxnSp>
+          <p:nvCxnSpPr>
+            <p:cNvPr id="13" name="Conector recto de flecha 12">
+              <a:extLst>
+                <a:ext uri="{FF2B5EF4-FFF2-40B4-BE49-F238E27FC236}">
+                  <a16:creationId xmlns:a16="http://schemas.microsoft.com/office/drawing/2014/main" id="{C95DD1FF-5EBB-49E7-8644-879963C49519}"/>
+                </a:ext>
+              </a:extLst>
+            </p:cNvPr>
+            <p:cNvCxnSpPr>
+              <a:cxnSpLocks/>
+            </p:cNvCxnSpPr>
+            <p:nvPr/>
+          </p:nvCxnSpPr>
+          <p:spPr>
+            <a:xfrm flipV="1">
+              <a:off x="4141412" y="4129272"/>
+              <a:ext cx="106204" cy="368370"/>
+            </a:xfrm>
+            <a:prstGeom prst="straightConnector1">
+              <a:avLst/>
+            </a:prstGeom>
+            <a:ln>
+              <a:solidFill>
+                <a:srgbClr val="00B0F0"/>
+              </a:solidFill>
+              <a:headEnd type="none" w="med" len="med"/>
+              <a:tailEnd type="arrow" w="med" len="med"/>
+            </a:ln>
+          </p:spPr>
+          <p:style>
+            <a:lnRef idx="1">
+              <a:schemeClr val="accent1"/>
+            </a:lnRef>
+            <a:fillRef idx="0">
+              <a:schemeClr val="accent1"/>
+            </a:fillRef>
+            <a:effectRef idx="0">
+              <a:schemeClr val="accent1"/>
+            </a:effectRef>
+            <a:fontRef idx="minor">
+              <a:schemeClr val="tx1"/>
+            </a:fontRef>
+          </p:style>
+        </p:cxnSp>
+      </p:grpSp>
+      <p:sp>
+        <p:nvSpPr>
+          <p:cNvPr id="26" name="Estrella: 5 puntas 25">
+            <a:extLst>
+              <a:ext uri="{FF2B5EF4-FFF2-40B4-BE49-F238E27FC236}">
+                <a16:creationId xmlns:a16="http://schemas.microsoft.com/office/drawing/2014/main" id="{414A7802-EFB8-4791-84C6-0B0DD620315C}"/>
+              </a:ext>
+            </a:extLst>
+          </p:cNvPr>
+          <p:cNvSpPr/>
+          <p:nvPr/>
+        </p:nvSpPr>
+        <p:spPr>
+          <a:xfrm>
+            <a:off x="1237029" y="5545586"/>
+            <a:ext cx="211617" cy="211617"/>
+          </a:xfrm>
+          <a:prstGeom prst="star5">
+            <a:avLst/>
+          </a:prstGeom>
+          <a:solidFill>
+            <a:srgbClr val="00B050"/>
+          </a:solidFill>
+          <a:ln>
+            <a:noFill/>
+          </a:ln>
+        </p:spPr>
+        <p:style>
+          <a:lnRef idx="2">
+            <a:schemeClr val="accent1">
+              <a:shade val="50000"/>
+            </a:schemeClr>
+          </a:lnRef>
+          <a:fillRef idx="1">
+            <a:schemeClr val="accent1"/>
+          </a:fillRef>
+          <a:effectRef idx="0">
+            <a:schemeClr val="accent1"/>
+          </a:effectRef>
+          <a:fontRef idx="minor">
+            <a:schemeClr val="lt1"/>
+          </a:fontRef>
+        </p:style>
+        <p:txBody>
+          <a:bodyPr rtlCol="0" anchor="ctr"/>
+          <a:lstStyle/>
+          <a:p>
+            <a:pPr algn="ctr"/>
+            <a:endParaRPr lang="es-ES"/>
+          </a:p>
+        </p:txBody>
+      </p:sp>
+      <p:sp>
+        <p:nvSpPr>
+          <p:cNvPr id="27" name="Estrella: 5 puntas 26">
+            <a:extLst>
+              <a:ext uri="{FF2B5EF4-FFF2-40B4-BE49-F238E27FC236}">
+                <a16:creationId xmlns:a16="http://schemas.microsoft.com/office/drawing/2014/main" id="{3596C5E0-5139-41F5-A5F3-C205BB5B09E0}"/>
+              </a:ext>
+            </a:extLst>
+          </p:cNvPr>
+          <p:cNvSpPr/>
+          <p:nvPr/>
+        </p:nvSpPr>
+        <p:spPr>
+          <a:xfrm>
+            <a:off x="4814241" y="3099993"/>
+            <a:ext cx="211617" cy="211617"/>
+          </a:xfrm>
+          <a:prstGeom prst="star5">
+            <a:avLst/>
+          </a:prstGeom>
+          <a:solidFill>
+            <a:srgbClr val="00B0F0"/>
+          </a:solidFill>
+          <a:ln>
+            <a:noFill/>
+          </a:ln>
+        </p:spPr>
+        <p:style>
+          <a:lnRef idx="2">
+            <a:schemeClr val="accent1">
+              <a:shade val="50000"/>
+            </a:schemeClr>
+          </a:lnRef>
+          <a:fillRef idx="1">
+            <a:schemeClr val="accent1"/>
+          </a:fillRef>
+          <a:effectRef idx="0">
+            <a:schemeClr val="accent1"/>
+          </a:effectRef>
+          <a:fontRef idx="minor">
+            <a:schemeClr val="lt1"/>
+          </a:fontRef>
+        </p:style>
+        <p:txBody>
+          <a:bodyPr rtlCol="0" anchor="ctr"/>
+          <a:lstStyle/>
+          <a:p>
+            <a:pPr algn="ctr"/>
+            <a:endParaRPr lang="es-ES"/>
+          </a:p>
+        </p:txBody>
+      </p:sp>
+      <p:sp>
+        <p:nvSpPr>
+          <p:cNvPr id="33" name="Signo de multiplicación 32">
+            <a:extLst>
+              <a:ext uri="{FF2B5EF4-FFF2-40B4-BE49-F238E27FC236}">
+                <a16:creationId xmlns:a16="http://schemas.microsoft.com/office/drawing/2014/main" id="{E7EEC163-C2D1-4446-9D8B-FBFA4A195EAD}"/>
+              </a:ext>
+            </a:extLst>
+          </p:cNvPr>
+          <p:cNvSpPr/>
+          <p:nvPr/>
+        </p:nvSpPr>
+        <p:spPr>
+          <a:xfrm>
+            <a:off x="2468424" y="2420010"/>
+            <a:ext cx="160638" cy="140627"/>
+          </a:xfrm>
+          <a:prstGeom prst="mathMultiply">
+            <a:avLst/>
+          </a:prstGeom>
+          <a:solidFill>
+            <a:srgbClr val="FF0000"/>
+          </a:solidFill>
+          <a:ln>
+            <a:solidFill>
+              <a:srgbClr val="FF0000"/>
+            </a:solidFill>
+          </a:ln>
+        </p:spPr>
+        <p:style>
+          <a:lnRef idx="2">
+            <a:schemeClr val="accent1">
+              <a:shade val="50000"/>
+            </a:schemeClr>
+          </a:lnRef>
+          <a:fillRef idx="1">
+            <a:schemeClr val="accent1"/>
+          </a:fillRef>
+          <a:effectRef idx="0">
+            <a:schemeClr val="accent1"/>
+          </a:effectRef>
+          <a:fontRef idx="minor">
+            <a:schemeClr val="lt1"/>
+          </a:fontRef>
+        </p:style>
+        <p:txBody>
+          <a:bodyPr rtlCol="0" anchor="ctr"/>
+          <a:lstStyle/>
+          <a:p>
+            <a:pPr algn="ctr"/>
+            <a:endParaRPr lang="es-ES"/>
+          </a:p>
+        </p:txBody>
+      </p:sp>
+      <p:cxnSp>
+        <p:nvCxnSpPr>
+          <p:cNvPr id="35" name="Conector recto de flecha 34">
+            <a:extLst>
+              <a:ext uri="{FF2B5EF4-FFF2-40B4-BE49-F238E27FC236}">
+                <a16:creationId xmlns:a16="http://schemas.microsoft.com/office/drawing/2014/main" id="{DB77366D-F7A1-4FE4-B2A0-B0F717B0CF81}"/>
+              </a:ext>
+            </a:extLst>
+          </p:cNvPr>
+          <p:cNvCxnSpPr>
+            <a:cxnSpLocks/>
+            <a:stCxn id="11" idx="7"/>
+            <a:endCxn id="3" idx="2"/>
+          </p:cNvCxnSpPr>
+          <p:nvPr/>
+        </p:nvCxnSpPr>
+        <p:spPr>
+          <a:xfrm flipV="1">
+            <a:off x="1319925" y="1016562"/>
+            <a:ext cx="1719417" cy="1044384"/>
+          </a:xfrm>
+          <a:prstGeom prst="straightConnector1">
+            <a:avLst/>
+          </a:prstGeom>
+          <a:ln>
+            <a:solidFill>
+              <a:schemeClr val="accent4"/>
+            </a:solidFill>
+            <a:headEnd type="triangle"/>
+            <a:tailEnd type="triangle"/>
+          </a:ln>
+        </p:spPr>
+        <p:style>
+          <a:lnRef idx="1">
+            <a:schemeClr val="accent1"/>
+          </a:lnRef>
+          <a:fillRef idx="0">
+            <a:schemeClr val="accent1"/>
+          </a:fillRef>
+          <a:effectRef idx="0">
+            <a:schemeClr val="accent1"/>
+          </a:effectRef>
+          <a:fontRef idx="minor">
+            <a:schemeClr val="tx1"/>
+          </a:fontRef>
+        </p:style>
+      </p:cxnSp>
+      <p:cxnSp>
+        <p:nvCxnSpPr>
+          <p:cNvPr id="18" name="Conector recto 17">
+            <a:extLst>
+              <a:ext uri="{FF2B5EF4-FFF2-40B4-BE49-F238E27FC236}">
+                <a16:creationId xmlns:a16="http://schemas.microsoft.com/office/drawing/2014/main" id="{2E3D0773-E3A8-47C8-AB64-987D44E308C0}"/>
+              </a:ext>
+            </a:extLst>
+          </p:cNvPr>
+          <p:cNvCxnSpPr>
+            <a:cxnSpLocks/>
+            <a:stCxn id="108" idx="6"/>
+          </p:cNvCxnSpPr>
+          <p:nvPr/>
+        </p:nvCxnSpPr>
+        <p:spPr>
+          <a:xfrm flipH="1">
+            <a:off x="3779501" y="1076278"/>
+            <a:ext cx="829172" cy="6133421"/>
+          </a:xfrm>
+          <a:prstGeom prst="line">
+            <a:avLst/>
+          </a:prstGeom>
+          <a:ln w="9525" cap="flat" cmpd="sng" algn="ctr">
+            <a:solidFill>
+              <a:schemeClr val="accent2"/>
+            </a:solidFill>
+            <a:prstDash val="dash"/>
+            <a:round/>
+            <a:headEnd type="none" w="med" len="med"/>
+            <a:tailEnd type="none" w="med" len="med"/>
+          </a:ln>
+        </p:spPr>
+        <p:style>
+          <a:lnRef idx="0">
+            <a:scrgbClr r="0" g="0" b="0"/>
+          </a:lnRef>
+          <a:fillRef idx="0">
+            <a:scrgbClr r="0" g="0" b="0"/>
+          </a:fillRef>
+          <a:effectRef idx="0">
+            <a:scrgbClr r="0" g="0" b="0"/>
+          </a:effectRef>
+          <a:fontRef idx="minor">
+            <a:schemeClr val="tx1"/>
+          </a:fontRef>
+        </p:style>
+      </p:cxnSp>
+      <p:cxnSp>
+        <p:nvCxnSpPr>
+          <p:cNvPr id="45" name="Conector recto 44">
+            <a:extLst>
+              <a:ext uri="{FF2B5EF4-FFF2-40B4-BE49-F238E27FC236}">
+                <a16:creationId xmlns:a16="http://schemas.microsoft.com/office/drawing/2014/main" id="{B9B12684-6AA1-413C-87D0-BA9AD4C85FBB}"/>
+              </a:ext>
+            </a:extLst>
+          </p:cNvPr>
+          <p:cNvCxnSpPr>
+            <a:cxnSpLocks/>
+          </p:cNvCxnSpPr>
+          <p:nvPr/>
+        </p:nvCxnSpPr>
+        <p:spPr>
+          <a:xfrm flipH="1">
+            <a:off x="-35166" y="404371"/>
+            <a:ext cx="1928934" cy="5068698"/>
+          </a:xfrm>
+          <a:prstGeom prst="line">
+            <a:avLst/>
+          </a:prstGeom>
+          <a:ln w="9525" cap="flat" cmpd="sng" algn="ctr">
+            <a:solidFill>
+              <a:schemeClr val="accent2"/>
+            </a:solidFill>
+            <a:prstDash val="dash"/>
+            <a:round/>
+            <a:headEnd type="none" w="med" len="med"/>
+            <a:tailEnd type="none" w="med" len="med"/>
+          </a:ln>
+        </p:spPr>
+        <p:style>
+          <a:lnRef idx="0">
+            <a:scrgbClr r="0" g="0" b="0"/>
+          </a:lnRef>
+          <a:fillRef idx="0">
+            <a:scrgbClr r="0" g="0" b="0"/>
+          </a:fillRef>
+          <a:effectRef idx="0">
+            <a:scrgbClr r="0" g="0" b="0"/>
+          </a:effectRef>
+          <a:fontRef idx="minor">
+            <a:schemeClr val="tx1"/>
+          </a:fontRef>
+        </p:style>
+      </p:cxnSp>
+      <p:sp>
+        <p:nvSpPr>
+          <p:cNvPr id="46" name="Estrella: 5 puntas 45">
+            <a:extLst>
+              <a:ext uri="{FF2B5EF4-FFF2-40B4-BE49-F238E27FC236}">
+                <a16:creationId xmlns:a16="http://schemas.microsoft.com/office/drawing/2014/main" id="{6F000E32-B272-486C-9586-16AA81CDCDA7}"/>
+              </a:ext>
+            </a:extLst>
+          </p:cNvPr>
+          <p:cNvSpPr/>
+          <p:nvPr/>
+        </p:nvSpPr>
+        <p:spPr>
+          <a:xfrm>
+            <a:off x="1361771" y="726447"/>
+            <a:ext cx="211617" cy="211617"/>
+          </a:xfrm>
+          <a:prstGeom prst="star5">
+            <a:avLst/>
+          </a:prstGeom>
+          <a:solidFill>
+            <a:srgbClr val="00B050"/>
+          </a:solidFill>
+          <a:ln>
+            <a:noFill/>
+          </a:ln>
+        </p:spPr>
+        <p:style>
+          <a:lnRef idx="2">
+            <a:schemeClr val="accent1">
+              <a:shade val="50000"/>
+            </a:schemeClr>
+          </a:lnRef>
+          <a:fillRef idx="1">
+            <a:schemeClr val="accent1"/>
+          </a:fillRef>
+          <a:effectRef idx="0">
+            <a:schemeClr val="accent1"/>
+          </a:effectRef>
+          <a:fontRef idx="minor">
+            <a:schemeClr val="lt1"/>
+          </a:fontRef>
+        </p:style>
+        <p:txBody>
+          <a:bodyPr rtlCol="0" anchor="ctr"/>
+          <a:lstStyle/>
+          <a:p>
+            <a:pPr algn="ctr"/>
+            <a:endParaRPr lang="es-ES"/>
+          </a:p>
+        </p:txBody>
+      </p:sp>
+      <p:cxnSp>
+        <p:nvCxnSpPr>
+          <p:cNvPr id="53" name="Conector recto de flecha 52">
+            <a:extLst>
+              <a:ext uri="{FF2B5EF4-FFF2-40B4-BE49-F238E27FC236}">
+                <a16:creationId xmlns:a16="http://schemas.microsoft.com/office/drawing/2014/main" id="{D7C83117-25C6-4389-94F6-BDE8E41F9BDA}"/>
+              </a:ext>
+            </a:extLst>
+          </p:cNvPr>
+          <p:cNvCxnSpPr>
+            <a:cxnSpLocks/>
+            <a:endCxn id="68" idx="4"/>
+          </p:cNvCxnSpPr>
+          <p:nvPr/>
+        </p:nvCxnSpPr>
+        <p:spPr>
+          <a:xfrm flipH="1" flipV="1">
+            <a:off x="8005144" y="784065"/>
+            <a:ext cx="425539" cy="129643"/>
+          </a:xfrm>
+          <a:prstGeom prst="straightConnector1">
+            <a:avLst/>
+          </a:prstGeom>
+          <a:noFill/>
+          <a:ln w="3175">
+            <a:solidFill>
+              <a:schemeClr val="bg1">
+                <a:lumMod val="75000"/>
+              </a:schemeClr>
+            </a:solidFill>
+            <a:prstDash val="solid"/>
+          </a:ln>
+        </p:spPr>
+        <p:style>
+          <a:lnRef idx="2">
+            <a:schemeClr val="accent1">
+              <a:shade val="50000"/>
+            </a:schemeClr>
+          </a:lnRef>
+          <a:fillRef idx="1">
+            <a:schemeClr val="accent1"/>
+          </a:fillRef>
+          <a:effectRef idx="0">
+            <a:schemeClr val="accent1"/>
+          </a:effectRef>
+          <a:fontRef idx="minor">
+            <a:schemeClr val="lt1"/>
+          </a:fontRef>
+        </p:style>
+      </p:cxnSp>
+      <p:grpSp>
+        <p:nvGrpSpPr>
+          <p:cNvPr id="55" name="Grupo 54">
+            <a:extLst>
+              <a:ext uri="{FF2B5EF4-FFF2-40B4-BE49-F238E27FC236}">
+                <a16:creationId xmlns:a16="http://schemas.microsoft.com/office/drawing/2014/main" id="{9EC531F2-241E-42E6-96A6-41DF4A83B518}"/>
+              </a:ext>
+            </a:extLst>
+          </p:cNvPr>
+          <p:cNvGrpSpPr/>
+          <p:nvPr/>
+        </p:nvGrpSpPr>
+        <p:grpSpPr>
+          <a:xfrm>
+            <a:off x="8066227" y="271749"/>
+            <a:ext cx="1440000" cy="1440000"/>
+            <a:chOff x="2908499" y="927659"/>
+            <a:chExt cx="1440000" cy="1440000"/>
+          </a:xfrm>
+        </p:grpSpPr>
+        <p:sp>
+          <p:nvSpPr>
+            <p:cNvPr id="56" name="Elipse 55">
+              <a:extLst>
+                <a:ext uri="{FF2B5EF4-FFF2-40B4-BE49-F238E27FC236}">
+                  <a16:creationId xmlns:a16="http://schemas.microsoft.com/office/drawing/2014/main" id="{286B679C-C9D3-4B09-A0E8-25672AEDE89B}"/>
+                </a:ext>
+              </a:extLst>
+            </p:cNvPr>
+            <p:cNvSpPr/>
+            <p:nvPr/>
+          </p:nvSpPr>
+          <p:spPr>
+            <a:xfrm>
+              <a:off x="2908499" y="927659"/>
+              <a:ext cx="1440000" cy="1440000"/>
+            </a:xfrm>
+            <a:prstGeom prst="ellipse">
+              <a:avLst/>
+            </a:prstGeom>
+            <a:noFill/>
+            <a:ln w="3175">
+              <a:solidFill>
+                <a:schemeClr val="bg1">
+                  <a:lumMod val="75000"/>
+                </a:schemeClr>
+              </a:solidFill>
+              <a:prstDash val="solid"/>
+            </a:ln>
+          </p:spPr>
+          <p:style>
+            <a:lnRef idx="2">
+              <a:schemeClr val="accent1">
+                <a:shade val="50000"/>
+              </a:schemeClr>
+            </a:lnRef>
+            <a:fillRef idx="1">
+              <a:schemeClr val="accent1"/>
+            </a:fillRef>
+            <a:effectRef idx="0">
+              <a:schemeClr val="accent1"/>
+            </a:effectRef>
+            <a:fontRef idx="minor">
+              <a:schemeClr val="lt1"/>
+            </a:fontRef>
+          </p:style>
+          <p:txBody>
+            <a:bodyPr rtlCol="0" anchor="ctr"/>
+            <a:lstStyle/>
+            <a:p>
+              <a:pPr algn="ctr"/>
+              <a:endParaRPr lang="es-ES"/>
+            </a:p>
+          </p:txBody>
+        </p:sp>
+        <p:sp>
+          <p:nvSpPr>
+            <p:cNvPr id="57" name="Elipse 56">
+              <a:extLst>
+                <a:ext uri="{FF2B5EF4-FFF2-40B4-BE49-F238E27FC236}">
+                  <a16:creationId xmlns:a16="http://schemas.microsoft.com/office/drawing/2014/main" id="{EFBD0C83-A1FB-41AE-899C-A98F1578B473}"/>
+                </a:ext>
+              </a:extLst>
+            </p:cNvPr>
+            <p:cNvSpPr/>
+            <p:nvPr/>
+          </p:nvSpPr>
+          <p:spPr>
+            <a:xfrm>
+              <a:off x="3566295" y="1585455"/>
+              <a:ext cx="124408" cy="124408"/>
+            </a:xfrm>
+            <a:prstGeom prst="ellipse">
+              <a:avLst/>
+            </a:prstGeom>
+            <a:noFill/>
+            <a:ln w="38100">
+              <a:solidFill>
+                <a:srgbClr val="00B050"/>
+              </a:solidFill>
+            </a:ln>
+          </p:spPr>
+          <p:style>
+            <a:lnRef idx="2">
+              <a:schemeClr val="accent1">
+                <a:shade val="50000"/>
+              </a:schemeClr>
+            </a:lnRef>
+            <a:fillRef idx="1">
+              <a:schemeClr val="accent1"/>
+            </a:fillRef>
+            <a:effectRef idx="0">
+              <a:schemeClr val="accent1"/>
+            </a:effectRef>
+            <a:fontRef idx="minor">
+              <a:schemeClr val="lt1"/>
+            </a:fontRef>
+          </p:style>
+          <p:txBody>
+            <a:bodyPr rtlCol="0" anchor="ctr"/>
+            <a:lstStyle/>
+            <a:p>
+              <a:pPr algn="ctr"/>
+              <a:endParaRPr lang="es-ES"/>
+            </a:p>
+          </p:txBody>
+        </p:sp>
+        <p:cxnSp>
+          <p:nvCxnSpPr>
+            <p:cNvPr id="58" name="Conector recto de flecha 57">
+              <a:extLst>
+                <a:ext uri="{FF2B5EF4-FFF2-40B4-BE49-F238E27FC236}">
+                  <a16:creationId xmlns:a16="http://schemas.microsoft.com/office/drawing/2014/main" id="{0A5EBC04-9407-4F19-B5D9-3339848850A1}"/>
+                </a:ext>
+              </a:extLst>
+            </p:cNvPr>
+            <p:cNvCxnSpPr>
+              <a:cxnSpLocks/>
+            </p:cNvCxnSpPr>
+            <p:nvPr/>
+          </p:nvCxnSpPr>
+          <p:spPr>
+            <a:xfrm flipH="1" flipV="1">
+              <a:off x="3272955" y="1554869"/>
+              <a:ext cx="355544" cy="92789"/>
+            </a:xfrm>
+            <a:prstGeom prst="straightConnector1">
+              <a:avLst/>
+            </a:prstGeom>
+            <a:ln>
+              <a:solidFill>
+                <a:srgbClr val="00B050"/>
+              </a:solidFill>
+              <a:tailEnd type="triangle"/>
+            </a:ln>
+          </p:spPr>
+          <p:style>
+            <a:lnRef idx="1">
+              <a:schemeClr val="accent1"/>
+            </a:lnRef>
+            <a:fillRef idx="0">
+              <a:schemeClr val="accent1"/>
+            </a:fillRef>
+            <a:effectRef idx="0">
+              <a:schemeClr val="accent1"/>
+            </a:effectRef>
+            <a:fontRef idx="minor">
+              <a:schemeClr val="tx1"/>
+            </a:fontRef>
+          </p:style>
+        </p:cxnSp>
+      </p:grpSp>
+      <p:cxnSp>
+        <p:nvCxnSpPr>
+          <p:cNvPr id="59" name="Conector recto de flecha 58">
+            <a:extLst>
+              <a:ext uri="{FF2B5EF4-FFF2-40B4-BE49-F238E27FC236}">
+                <a16:creationId xmlns:a16="http://schemas.microsoft.com/office/drawing/2014/main" id="{0390532F-FD99-4D4B-9757-0723524661EB}"/>
+              </a:ext>
+            </a:extLst>
+          </p:cNvPr>
+          <p:cNvCxnSpPr>
+            <a:cxnSpLocks/>
+            <a:endCxn id="65" idx="1"/>
+          </p:cNvCxnSpPr>
+          <p:nvPr/>
+        </p:nvCxnSpPr>
+        <p:spPr>
+          <a:xfrm>
+            <a:off x="7974215" y="2431749"/>
+            <a:ext cx="3195518" cy="919026"/>
+          </a:xfrm>
+          <a:prstGeom prst="straightConnector1">
+            <a:avLst/>
+          </a:prstGeom>
+          <a:noFill/>
+          <a:ln w="3175">
+            <a:solidFill>
+              <a:schemeClr val="bg1">
+                <a:lumMod val="75000"/>
+              </a:schemeClr>
+            </a:solidFill>
+            <a:prstDash val="solid"/>
+          </a:ln>
+        </p:spPr>
+        <p:style>
+          <a:lnRef idx="2">
+            <a:schemeClr val="accent1">
+              <a:shade val="50000"/>
+            </a:schemeClr>
+          </a:lnRef>
+          <a:fillRef idx="1">
+            <a:schemeClr val="accent1"/>
+          </a:fillRef>
+          <a:effectRef idx="0">
+            <a:schemeClr val="accent1"/>
+          </a:effectRef>
+          <a:fontRef idx="minor">
+            <a:schemeClr val="lt1"/>
+          </a:fontRef>
+        </p:style>
+      </p:cxnSp>
+      <p:grpSp>
+        <p:nvGrpSpPr>
+          <p:cNvPr id="60" name="Grupo 59">
+            <a:extLst>
+              <a:ext uri="{FF2B5EF4-FFF2-40B4-BE49-F238E27FC236}">
+                <a16:creationId xmlns:a16="http://schemas.microsoft.com/office/drawing/2014/main" id="{268DE339-F3F8-4150-B3C9-2D5ECDA0FEC8}"/>
+              </a:ext>
+            </a:extLst>
+          </p:cNvPr>
+          <p:cNvGrpSpPr/>
+          <p:nvPr/>
+        </p:nvGrpSpPr>
+        <p:grpSpPr>
+          <a:xfrm>
+            <a:off x="7974215" y="1906513"/>
+            <a:ext cx="1440000" cy="1440000"/>
+            <a:chOff x="3421412" y="3777641"/>
+            <a:chExt cx="1440000" cy="1440000"/>
+          </a:xfrm>
+        </p:grpSpPr>
+        <p:sp>
+          <p:nvSpPr>
+            <p:cNvPr id="61" name="Elipse 60">
+              <a:extLst>
+                <a:ext uri="{FF2B5EF4-FFF2-40B4-BE49-F238E27FC236}">
+                  <a16:creationId xmlns:a16="http://schemas.microsoft.com/office/drawing/2014/main" id="{0BB3CC0F-0FDD-467A-A5E8-8B0F50D0D7E9}"/>
+                </a:ext>
+              </a:extLst>
+            </p:cNvPr>
+            <p:cNvSpPr/>
+            <p:nvPr/>
+          </p:nvSpPr>
+          <p:spPr>
+            <a:xfrm>
+              <a:off x="3421412" y="3777641"/>
+              <a:ext cx="1440000" cy="1440000"/>
+            </a:xfrm>
+            <a:prstGeom prst="ellipse">
+              <a:avLst/>
+            </a:prstGeom>
+            <a:noFill/>
+            <a:ln w="3175">
+              <a:solidFill>
+                <a:schemeClr val="bg1">
+                  <a:lumMod val="75000"/>
+                </a:schemeClr>
+              </a:solidFill>
+              <a:prstDash val="solid"/>
+            </a:ln>
+          </p:spPr>
+          <p:style>
+            <a:lnRef idx="2">
+              <a:schemeClr val="accent1">
+                <a:shade val="50000"/>
+              </a:schemeClr>
+            </a:lnRef>
+            <a:fillRef idx="1">
+              <a:schemeClr val="accent1"/>
+            </a:fillRef>
+            <a:effectRef idx="0">
+              <a:schemeClr val="accent1"/>
+            </a:effectRef>
+            <a:fontRef idx="minor">
+              <a:schemeClr val="lt1"/>
+            </a:fontRef>
+          </p:style>
+          <p:txBody>
+            <a:bodyPr rtlCol="0" anchor="ctr"/>
+            <a:lstStyle/>
+            <a:p>
+              <a:pPr algn="ctr"/>
+              <a:endParaRPr lang="es-ES" dirty="0"/>
+            </a:p>
+          </p:txBody>
+        </p:sp>
+        <p:sp>
+          <p:nvSpPr>
+            <p:cNvPr id="62" name="Elipse 61">
+              <a:extLst>
+                <a:ext uri="{FF2B5EF4-FFF2-40B4-BE49-F238E27FC236}">
+                  <a16:creationId xmlns:a16="http://schemas.microsoft.com/office/drawing/2014/main" id="{31B5C988-0652-455E-A3C8-9941F023439E}"/>
+                </a:ext>
+              </a:extLst>
+            </p:cNvPr>
+            <p:cNvSpPr/>
+            <p:nvPr/>
+          </p:nvSpPr>
+          <p:spPr>
+            <a:xfrm>
+              <a:off x="4079208" y="4435437"/>
+              <a:ext cx="124408" cy="124408"/>
+            </a:xfrm>
+            <a:prstGeom prst="ellipse">
+              <a:avLst/>
+            </a:prstGeom>
+            <a:noFill/>
+            <a:ln w="38100">
+              <a:solidFill>
+                <a:srgbClr val="00B0F0"/>
+              </a:solidFill>
+            </a:ln>
+          </p:spPr>
+          <p:style>
+            <a:lnRef idx="2">
+              <a:schemeClr val="accent1">
+                <a:shade val="50000"/>
+              </a:schemeClr>
+            </a:lnRef>
+            <a:fillRef idx="1">
+              <a:schemeClr val="accent1"/>
+            </a:fillRef>
+            <a:effectRef idx="0">
+              <a:schemeClr val="accent1"/>
+            </a:effectRef>
+            <a:fontRef idx="minor">
+              <a:schemeClr val="lt1"/>
+            </a:fontRef>
+          </p:style>
+          <p:txBody>
+            <a:bodyPr rtlCol="0" anchor="ctr"/>
+            <a:lstStyle/>
+            <a:p>
+              <a:pPr algn="ctr"/>
+              <a:endParaRPr lang="es-ES"/>
+            </a:p>
+          </p:txBody>
+        </p:sp>
+        <p:cxnSp>
+          <p:nvCxnSpPr>
+            <p:cNvPr id="63" name="Conector recto de flecha 62">
+              <a:extLst>
+                <a:ext uri="{FF2B5EF4-FFF2-40B4-BE49-F238E27FC236}">
+                  <a16:creationId xmlns:a16="http://schemas.microsoft.com/office/drawing/2014/main" id="{EEF5D8E9-F183-4AE3-932C-7F0EEC91B326}"/>
+                </a:ext>
+              </a:extLst>
+            </p:cNvPr>
+            <p:cNvCxnSpPr>
+              <a:cxnSpLocks/>
+            </p:cNvCxnSpPr>
+            <p:nvPr/>
+          </p:nvCxnSpPr>
+          <p:spPr>
+            <a:xfrm>
+              <a:off x="4141412" y="4497641"/>
+              <a:ext cx="407279" cy="119825"/>
+            </a:xfrm>
+            <a:prstGeom prst="straightConnector1">
+              <a:avLst/>
+            </a:prstGeom>
+            <a:ln>
+              <a:solidFill>
+                <a:srgbClr val="00B0F0"/>
+              </a:solidFill>
+              <a:headEnd type="none" w="med" len="med"/>
+              <a:tailEnd type="arrow" w="med" len="med"/>
+            </a:ln>
+          </p:spPr>
+          <p:style>
+            <a:lnRef idx="1">
+              <a:schemeClr val="accent1"/>
+            </a:lnRef>
+            <a:fillRef idx="0">
+              <a:schemeClr val="accent1"/>
+            </a:fillRef>
+            <a:effectRef idx="0">
+              <a:schemeClr val="accent1"/>
+            </a:effectRef>
+            <a:fontRef idx="minor">
+              <a:schemeClr val="tx1"/>
+            </a:fontRef>
+          </p:style>
+        </p:cxnSp>
+      </p:grpSp>
+      <p:sp>
+        <p:nvSpPr>
+          <p:cNvPr id="64" name="Estrella: 5 puntas 63">
+            <a:extLst>
+              <a:ext uri="{FF2B5EF4-FFF2-40B4-BE49-F238E27FC236}">
+                <a16:creationId xmlns:a16="http://schemas.microsoft.com/office/drawing/2014/main" id="{A308D9D2-CD30-4088-873C-E00398A2B7C8}"/>
+              </a:ext>
+            </a:extLst>
+          </p:cNvPr>
+          <p:cNvSpPr/>
+          <p:nvPr/>
+        </p:nvSpPr>
+        <p:spPr>
+          <a:xfrm>
+            <a:off x="7592521" y="5715538"/>
+            <a:ext cx="211617" cy="211617"/>
+          </a:xfrm>
+          <a:prstGeom prst="star5">
+            <a:avLst/>
+          </a:prstGeom>
+          <a:solidFill>
+            <a:srgbClr val="00B050"/>
+          </a:solidFill>
+          <a:ln>
+            <a:noFill/>
+          </a:ln>
+        </p:spPr>
+        <p:style>
+          <a:lnRef idx="2">
+            <a:schemeClr val="accent1">
+              <a:shade val="50000"/>
+            </a:schemeClr>
+          </a:lnRef>
+          <a:fillRef idx="1">
+            <a:schemeClr val="accent1"/>
+          </a:fillRef>
+          <a:effectRef idx="0">
+            <a:schemeClr val="accent1"/>
+          </a:effectRef>
+          <a:fontRef idx="minor">
+            <a:schemeClr val="lt1"/>
+          </a:fontRef>
+        </p:style>
+        <p:txBody>
+          <a:bodyPr rtlCol="0" anchor="ctr"/>
+          <a:lstStyle/>
+          <a:p>
+            <a:pPr algn="ctr"/>
+            <a:endParaRPr lang="es-ES"/>
+          </a:p>
+        </p:txBody>
+      </p:sp>
+      <p:sp>
+        <p:nvSpPr>
+          <p:cNvPr id="65" name="Estrella: 5 puntas 64">
+            <a:extLst>
+              <a:ext uri="{FF2B5EF4-FFF2-40B4-BE49-F238E27FC236}">
+                <a16:creationId xmlns:a16="http://schemas.microsoft.com/office/drawing/2014/main" id="{1CAC4219-9FDB-4381-AF85-E689B865809E}"/>
+              </a:ext>
+            </a:extLst>
+          </p:cNvPr>
+          <p:cNvSpPr/>
+          <p:nvPr/>
+        </p:nvSpPr>
+        <p:spPr>
+          <a:xfrm>
+            <a:off x="11169733" y="3269945"/>
+            <a:ext cx="211617" cy="211617"/>
+          </a:xfrm>
+          <a:prstGeom prst="star5">
+            <a:avLst/>
+          </a:prstGeom>
+          <a:solidFill>
+            <a:srgbClr val="00B0F0"/>
+          </a:solidFill>
+          <a:ln>
+            <a:noFill/>
+          </a:ln>
+        </p:spPr>
+        <p:style>
+          <a:lnRef idx="2">
+            <a:schemeClr val="accent1">
+              <a:shade val="50000"/>
+            </a:schemeClr>
+          </a:lnRef>
+          <a:fillRef idx="1">
+            <a:schemeClr val="accent1"/>
+          </a:fillRef>
+          <a:effectRef idx="0">
+            <a:schemeClr val="accent1"/>
+          </a:effectRef>
+          <a:fontRef idx="minor">
+            <a:schemeClr val="lt1"/>
+          </a:fontRef>
+        </p:style>
+        <p:txBody>
+          <a:bodyPr rtlCol="0" anchor="ctr"/>
+          <a:lstStyle/>
+          <a:p>
+            <a:pPr algn="ctr"/>
+            <a:endParaRPr lang="es-ES"/>
+          </a:p>
+        </p:txBody>
+      </p:sp>
+      <p:sp>
+        <p:nvSpPr>
+          <p:cNvPr id="68" name="Estrella: 5 puntas 67">
+            <a:extLst>
+              <a:ext uri="{FF2B5EF4-FFF2-40B4-BE49-F238E27FC236}">
+                <a16:creationId xmlns:a16="http://schemas.microsoft.com/office/drawing/2014/main" id="{E2A56D1E-25E3-4033-AA67-DDD1D98FFCF5}"/>
+              </a:ext>
+            </a:extLst>
+          </p:cNvPr>
+          <p:cNvSpPr/>
+          <p:nvPr/>
+        </p:nvSpPr>
+        <p:spPr>
+          <a:xfrm rot="2945096">
+            <a:off x="7811162" y="614658"/>
+            <a:ext cx="211617" cy="211617"/>
+          </a:xfrm>
+          <a:prstGeom prst="star5">
+            <a:avLst/>
+          </a:prstGeom>
+          <a:solidFill>
+            <a:srgbClr val="00B050"/>
+          </a:solidFill>
+          <a:ln>
+            <a:noFill/>
+          </a:ln>
+        </p:spPr>
+        <p:style>
+          <a:lnRef idx="2">
+            <a:schemeClr val="accent1">
+              <a:shade val="50000"/>
+            </a:schemeClr>
+          </a:lnRef>
+          <a:fillRef idx="1">
+            <a:schemeClr val="accent1"/>
+          </a:fillRef>
+          <a:effectRef idx="0">
+            <a:schemeClr val="accent1"/>
+          </a:effectRef>
+          <a:fontRef idx="minor">
+            <a:schemeClr val="lt1"/>
+          </a:fontRef>
+        </p:style>
+        <p:txBody>
+          <a:bodyPr rtlCol="0" anchor="ctr"/>
+          <a:lstStyle/>
+          <a:p>
+            <a:pPr algn="ctr"/>
+            <a:endParaRPr lang="es-ES"/>
+          </a:p>
+        </p:txBody>
+      </p:sp>
+      <p:cxnSp>
+        <p:nvCxnSpPr>
+          <p:cNvPr id="70" name="Conector recto de flecha 69">
+            <a:extLst>
+              <a:ext uri="{FF2B5EF4-FFF2-40B4-BE49-F238E27FC236}">
+                <a16:creationId xmlns:a16="http://schemas.microsoft.com/office/drawing/2014/main" id="{D2EE62B4-BF0A-4221-A94F-A5F3D8A7155D}"/>
+              </a:ext>
+            </a:extLst>
+          </p:cNvPr>
+          <p:cNvCxnSpPr>
+            <a:cxnSpLocks/>
+            <a:stCxn id="62" idx="7"/>
+            <a:endCxn id="57" idx="4"/>
+          </p:cNvCxnSpPr>
+          <p:nvPr/>
+        </p:nvCxnSpPr>
+        <p:spPr>
+          <a:xfrm flipV="1">
+            <a:off x="8738200" y="1053953"/>
+            <a:ext cx="48027" cy="1528575"/>
+          </a:xfrm>
+          <a:prstGeom prst="straightConnector1">
+            <a:avLst/>
+          </a:prstGeom>
+          <a:ln>
+            <a:solidFill>
+              <a:schemeClr val="accent4"/>
+            </a:solidFill>
+            <a:headEnd type="triangle"/>
+            <a:tailEnd type="triangle"/>
+          </a:ln>
+        </p:spPr>
+        <p:style>
+          <a:lnRef idx="1">
+            <a:schemeClr val="accent1"/>
+          </a:lnRef>
+          <a:fillRef idx="0">
+            <a:schemeClr val="accent1"/>
+          </a:fillRef>
+          <a:effectRef idx="0">
+            <a:schemeClr val="accent1"/>
+          </a:effectRef>
+          <a:fontRef idx="minor">
+            <a:schemeClr val="tx1"/>
+          </a:fontRef>
+        </p:style>
+      </p:cxnSp>
+      <p:cxnSp>
+        <p:nvCxnSpPr>
+          <p:cNvPr id="75" name="Conector recto de flecha 74">
+            <a:extLst>
+              <a:ext uri="{FF2B5EF4-FFF2-40B4-BE49-F238E27FC236}">
+                <a16:creationId xmlns:a16="http://schemas.microsoft.com/office/drawing/2014/main" id="{620855C0-CEE2-4612-92ED-66EB22291BC5}"/>
+              </a:ext>
+            </a:extLst>
+          </p:cNvPr>
+          <p:cNvCxnSpPr>
+            <a:cxnSpLocks/>
+            <a:endCxn id="64" idx="0"/>
+          </p:cNvCxnSpPr>
+          <p:nvPr/>
+        </p:nvCxnSpPr>
+        <p:spPr>
+          <a:xfrm flipH="1">
+            <a:off x="7698330" y="296562"/>
+            <a:ext cx="1251487" cy="5418976"/>
+          </a:xfrm>
+          <a:prstGeom prst="straightConnector1">
+            <a:avLst/>
+          </a:prstGeom>
+          <a:noFill/>
+          <a:ln w="3175">
+            <a:solidFill>
+              <a:schemeClr val="bg1">
+                <a:lumMod val="75000"/>
+              </a:schemeClr>
+            </a:solidFill>
+            <a:prstDash val="solid"/>
+          </a:ln>
+        </p:spPr>
+        <p:style>
+          <a:lnRef idx="2">
+            <a:schemeClr val="accent1">
+              <a:shade val="50000"/>
+            </a:schemeClr>
+          </a:lnRef>
+          <a:fillRef idx="1">
+            <a:schemeClr val="accent1"/>
+          </a:fillRef>
+          <a:effectRef idx="0">
+            <a:schemeClr val="accent1"/>
+          </a:effectRef>
+          <a:fontRef idx="minor">
+            <a:schemeClr val="lt1"/>
+          </a:fontRef>
+        </p:style>
+      </p:cxnSp>
+      <p:sp>
+        <p:nvSpPr>
+          <p:cNvPr id="82" name="Signo de multiplicación 81">
+            <a:extLst>
+              <a:ext uri="{FF2B5EF4-FFF2-40B4-BE49-F238E27FC236}">
+                <a16:creationId xmlns:a16="http://schemas.microsoft.com/office/drawing/2014/main" id="{523482A8-4661-47EB-AD70-3F09FE12F9A3}"/>
+              </a:ext>
+            </a:extLst>
+          </p:cNvPr>
+          <p:cNvSpPr/>
+          <p:nvPr/>
+        </p:nvSpPr>
+        <p:spPr>
+          <a:xfrm>
+            <a:off x="8340075" y="2485886"/>
+            <a:ext cx="160638" cy="140627"/>
+          </a:xfrm>
+          <a:prstGeom prst="mathMultiply">
+            <a:avLst/>
+          </a:prstGeom>
+          <a:solidFill>
+            <a:srgbClr val="FF0000"/>
+          </a:solidFill>
+          <a:ln>
+            <a:solidFill>
+              <a:srgbClr val="FF0000"/>
+            </a:solidFill>
+          </a:ln>
+        </p:spPr>
+        <p:style>
+          <a:lnRef idx="2">
+            <a:schemeClr val="accent1">
+              <a:shade val="50000"/>
+            </a:schemeClr>
+          </a:lnRef>
+          <a:fillRef idx="1">
+            <a:schemeClr val="accent1"/>
+          </a:fillRef>
+          <a:effectRef idx="0">
+            <a:schemeClr val="accent1"/>
+          </a:effectRef>
+          <a:fontRef idx="minor">
+            <a:schemeClr val="lt1"/>
+          </a:fontRef>
+        </p:style>
+        <p:txBody>
+          <a:bodyPr rtlCol="0" anchor="ctr"/>
+          <a:lstStyle/>
+          <a:p>
+            <a:pPr algn="ctr"/>
+            <a:endParaRPr lang="es-ES"/>
+          </a:p>
+        </p:txBody>
+      </p:sp>
+      <p:cxnSp>
+        <p:nvCxnSpPr>
+          <p:cNvPr id="83" name="Conector recto 82">
+            <a:extLst>
+              <a:ext uri="{FF2B5EF4-FFF2-40B4-BE49-F238E27FC236}">
+                <a16:creationId xmlns:a16="http://schemas.microsoft.com/office/drawing/2014/main" id="{CB4ECC17-63B3-47C2-8E3E-4E3540A27926}"/>
+              </a:ext>
+            </a:extLst>
+          </p:cNvPr>
+          <p:cNvCxnSpPr>
+            <a:cxnSpLocks/>
+          </p:cNvCxnSpPr>
+          <p:nvPr/>
+        </p:nvCxnSpPr>
+        <p:spPr>
+          <a:xfrm flipH="1">
+            <a:off x="7446974" y="784065"/>
+            <a:ext cx="647403" cy="5968263"/>
+          </a:xfrm>
+          <a:prstGeom prst="line">
+            <a:avLst/>
+          </a:prstGeom>
+          <a:ln w="9525" cap="flat" cmpd="sng" algn="ctr">
+            <a:solidFill>
+              <a:schemeClr val="accent2"/>
+            </a:solidFill>
+            <a:prstDash val="dash"/>
+            <a:round/>
+            <a:headEnd type="none" w="med" len="med"/>
+            <a:tailEnd type="none" w="med" len="med"/>
+          </a:ln>
+        </p:spPr>
+        <p:style>
+          <a:lnRef idx="0">
+            <a:scrgbClr r="0" g="0" b="0"/>
+          </a:lnRef>
+          <a:fillRef idx="0">
+            <a:scrgbClr r="0" g="0" b="0"/>
+          </a:fillRef>
+          <a:effectRef idx="0">
+            <a:scrgbClr r="0" g="0" b="0"/>
+          </a:effectRef>
+          <a:fontRef idx="minor">
+            <a:schemeClr val="tx1"/>
+          </a:fontRef>
+        </p:style>
+      </p:cxnSp>
+      <p:cxnSp>
+        <p:nvCxnSpPr>
+          <p:cNvPr id="86" name="Conector recto 85">
+            <a:extLst>
+              <a:ext uri="{FF2B5EF4-FFF2-40B4-BE49-F238E27FC236}">
+                <a16:creationId xmlns:a16="http://schemas.microsoft.com/office/drawing/2014/main" id="{9C5CC1A0-90D9-48D5-A14B-E47441F33AF6}"/>
+              </a:ext>
+            </a:extLst>
+          </p:cNvPr>
+          <p:cNvCxnSpPr>
+            <a:cxnSpLocks/>
+            <a:stCxn id="56" idx="6"/>
+          </p:cNvCxnSpPr>
+          <p:nvPr/>
+        </p:nvCxnSpPr>
+        <p:spPr>
+          <a:xfrm flipH="1">
+            <a:off x="7480443" y="991749"/>
+            <a:ext cx="2025784" cy="5791165"/>
+          </a:xfrm>
+          <a:prstGeom prst="line">
+            <a:avLst/>
+          </a:prstGeom>
+          <a:ln w="9525" cap="flat" cmpd="sng" algn="ctr">
+            <a:solidFill>
+              <a:schemeClr val="accent2"/>
+            </a:solidFill>
+            <a:prstDash val="dash"/>
+            <a:round/>
+            <a:headEnd type="none" w="med" len="med"/>
+            <a:tailEnd type="none" w="med" len="med"/>
+          </a:ln>
+        </p:spPr>
+        <p:style>
+          <a:lnRef idx="0">
+            <a:scrgbClr r="0" g="0" b="0"/>
+          </a:lnRef>
+          <a:fillRef idx="0">
+            <a:scrgbClr r="0" g="0" b="0"/>
+          </a:fillRef>
+          <a:effectRef idx="0">
+            <a:scrgbClr r="0" g="0" b="0"/>
+          </a:effectRef>
+          <a:fontRef idx="minor">
+            <a:schemeClr val="tx1"/>
+          </a:fontRef>
+        </p:style>
+      </p:cxnSp>
+      <p:cxnSp>
+        <p:nvCxnSpPr>
+          <p:cNvPr id="90" name="Conector recto 89">
+            <a:extLst>
+              <a:ext uri="{FF2B5EF4-FFF2-40B4-BE49-F238E27FC236}">
+                <a16:creationId xmlns:a16="http://schemas.microsoft.com/office/drawing/2014/main" id="{2BB6C396-752E-4A01-B1DC-75CC1DB69787}"/>
+              </a:ext>
+            </a:extLst>
+          </p:cNvPr>
+          <p:cNvCxnSpPr>
+            <a:cxnSpLocks/>
+          </p:cNvCxnSpPr>
+          <p:nvPr/>
+        </p:nvCxnSpPr>
+        <p:spPr>
+          <a:xfrm flipH="1" flipV="1">
+            <a:off x="1902942" y="1236948"/>
+            <a:ext cx="450112" cy="651533"/>
+          </a:xfrm>
+          <a:prstGeom prst="line">
+            <a:avLst/>
+          </a:prstGeom>
+          <a:ln>
+            <a:headEnd type="none" w="med" len="med"/>
+            <a:tailEnd type="none" w="med" len="med"/>
+          </a:ln>
+        </p:spPr>
+        <p:style>
+          <a:lnRef idx="3">
+            <a:schemeClr val="accent4"/>
+          </a:lnRef>
+          <a:fillRef idx="0">
+            <a:schemeClr val="accent4"/>
+          </a:fillRef>
+          <a:effectRef idx="2">
+            <a:schemeClr val="accent4"/>
+          </a:effectRef>
+          <a:fontRef idx="minor">
+            <a:schemeClr val="tx1"/>
+          </a:fontRef>
+        </p:style>
+      </p:cxnSp>
+      <p:cxnSp>
+        <p:nvCxnSpPr>
+          <p:cNvPr id="104" name="Conector recto 103">
+            <a:extLst>
+              <a:ext uri="{FF2B5EF4-FFF2-40B4-BE49-F238E27FC236}">
+                <a16:creationId xmlns:a16="http://schemas.microsoft.com/office/drawing/2014/main" id="{533926E3-BE5C-4306-BE40-808320224565}"/>
+              </a:ext>
+            </a:extLst>
+          </p:cNvPr>
+          <p:cNvCxnSpPr>
+            <a:cxnSpLocks/>
+          </p:cNvCxnSpPr>
+          <p:nvPr/>
+        </p:nvCxnSpPr>
+        <p:spPr>
+          <a:xfrm flipH="1">
+            <a:off x="8455108" y="1755733"/>
+            <a:ext cx="712596" cy="1"/>
+          </a:xfrm>
+          <a:prstGeom prst="line">
+            <a:avLst/>
+          </a:prstGeom>
+          <a:ln>
+            <a:headEnd type="none" w="med" len="med"/>
+            <a:tailEnd type="none" w="med" len="med"/>
+          </a:ln>
+        </p:spPr>
+        <p:style>
+          <a:lnRef idx="3">
+            <a:schemeClr val="accent4"/>
+          </a:lnRef>
+          <a:fillRef idx="0">
+            <a:schemeClr val="accent4"/>
+          </a:fillRef>
+          <a:effectRef idx="2">
+            <a:schemeClr val="accent4"/>
+          </a:effectRef>
+          <a:fontRef idx="minor">
+            <a:schemeClr val="tx1"/>
+          </a:fontRef>
+        </p:style>
+      </p:cxnSp>
+    </p:spTree>
+    <p:extLst>
+      <p:ext uri="{BB962C8B-B14F-4D97-AF65-F5344CB8AC3E}">
+        <p14:creationId xmlns:p14="http://schemas.microsoft.com/office/powerpoint/2010/main" val="6235967"/>
+      </p:ext>
+    </p:extLst>
+  </p:cSld>
+  <p:clrMapOvr>
+    <a:masterClrMapping/>
+  </p:clrMapOvr>
+</p:sld>
+</file>
+
+<file path=ppt/slides/slide24.xml><?xml version="1.0" encoding="utf-8"?>
+<p:sld xmlns:a="http://schemas.openxmlformats.org/drawingml/2006/main" xmlns:r="http://schemas.openxmlformats.org/officeDocument/2006/relationships" xmlns:p="http://schemas.openxmlformats.org/presentationml/2006/main">
+  <p:cSld>
+    <p:spTree>
+      <p:nvGrpSpPr>
+        <p:cNvPr id="1" name=""/>
+        <p:cNvGrpSpPr/>
+        <p:nvPr/>
+      </p:nvGrpSpPr>
+      <p:grpSpPr>
+        <a:xfrm>
+          <a:off x="0" y="0"/>
+          <a:ext cx="0" cy="0"/>
+          <a:chOff x="0" y="0"/>
+          <a:chExt cx="0" cy="0"/>
+        </a:xfrm>
+      </p:grpSpPr>
+      <p:sp>
+        <p:nvSpPr>
+          <p:cNvPr id="40" name="Elipse 39">
+            <a:extLst>
+              <a:ext uri="{FF2B5EF4-FFF2-40B4-BE49-F238E27FC236}">
+                <a16:creationId xmlns:a16="http://schemas.microsoft.com/office/drawing/2014/main" id="{E407EA72-26E8-488C-A4DD-2841D4FFDD7A}"/>
+              </a:ext>
+            </a:extLst>
+          </p:cNvPr>
+          <p:cNvSpPr/>
+          <p:nvPr/>
+        </p:nvSpPr>
+        <p:spPr>
+          <a:xfrm>
+            <a:off x="2069011" y="722153"/>
+            <a:ext cx="4345099" cy="4347219"/>
+          </a:xfrm>
+          <a:prstGeom prst="ellipse">
+            <a:avLst/>
+          </a:prstGeom>
+          <a:ln>
+            <a:solidFill>
+              <a:schemeClr val="accent1"/>
+            </a:solidFill>
+          </a:ln>
+        </p:spPr>
+        <p:style>
+          <a:lnRef idx="2">
+            <a:schemeClr val="accent6"/>
+          </a:lnRef>
+          <a:fillRef idx="1">
+            <a:schemeClr val="lt1"/>
+          </a:fillRef>
+          <a:effectRef idx="0">
+            <a:schemeClr val="accent6"/>
+          </a:effectRef>
+          <a:fontRef idx="minor">
+            <a:schemeClr val="dk1"/>
+          </a:fontRef>
+        </p:style>
+        <p:txBody>
+          <a:bodyPr rtlCol="0" anchor="ctr"/>
+          <a:lstStyle/>
+          <a:p>
+            <a:pPr algn="ctr"/>
+            <a:endParaRPr lang="es-ES" dirty="0"/>
+          </a:p>
+        </p:txBody>
+      </p:sp>
+      <p:sp>
+        <p:nvSpPr>
+          <p:cNvPr id="55" name="Elipse 54">
+            <a:extLst>
+              <a:ext uri="{FF2B5EF4-FFF2-40B4-BE49-F238E27FC236}">
+                <a16:creationId xmlns:a16="http://schemas.microsoft.com/office/drawing/2014/main" id="{5EF62E62-F70A-40F7-8A45-75C4973A21BB}"/>
+              </a:ext>
+            </a:extLst>
+          </p:cNvPr>
+          <p:cNvSpPr/>
+          <p:nvPr/>
+        </p:nvSpPr>
+        <p:spPr>
+          <a:xfrm>
+            <a:off x="2761908" y="1455762"/>
+            <a:ext cx="2951156" cy="2880000"/>
+          </a:xfrm>
+          <a:prstGeom prst="ellipse">
+            <a:avLst/>
+          </a:prstGeom>
+          <a:ln/>
+        </p:spPr>
+        <p:style>
+          <a:lnRef idx="2">
+            <a:schemeClr val="accent2"/>
+          </a:lnRef>
+          <a:fillRef idx="1">
+            <a:schemeClr val="lt1"/>
+          </a:fillRef>
+          <a:effectRef idx="0">
+            <a:schemeClr val="accent2"/>
+          </a:effectRef>
+          <a:fontRef idx="minor">
+            <a:schemeClr val="dk1"/>
+          </a:fontRef>
+        </p:style>
+        <p:txBody>
+          <a:bodyPr rtlCol="0" anchor="ctr"/>
+          <a:lstStyle/>
+          <a:p>
+            <a:pPr algn="ctr"/>
+            <a:endParaRPr lang="es-ES" dirty="0"/>
+          </a:p>
+        </p:txBody>
+      </p:sp>
+      <p:cxnSp>
+        <p:nvCxnSpPr>
+          <p:cNvPr id="2" name="Conector recto de flecha 1">
+            <a:extLst>
+              <a:ext uri="{FF2B5EF4-FFF2-40B4-BE49-F238E27FC236}">
+                <a16:creationId xmlns:a16="http://schemas.microsoft.com/office/drawing/2014/main" id="{545F761C-53AA-409C-BE50-B0978CB81068}"/>
+              </a:ext>
+            </a:extLst>
+          </p:cNvPr>
+          <p:cNvCxnSpPr>
+            <a:cxnSpLocks/>
+            <a:endCxn id="12" idx="0"/>
+          </p:cNvCxnSpPr>
+          <p:nvPr/>
+        </p:nvCxnSpPr>
+        <p:spPr>
+          <a:xfrm flipH="1">
+            <a:off x="4377287" y="219199"/>
+            <a:ext cx="2319305" cy="5861411"/>
+          </a:xfrm>
+          <a:prstGeom prst="straightConnector1">
+            <a:avLst/>
+          </a:prstGeom>
+          <a:noFill/>
+          <a:ln w="3175">
+            <a:solidFill>
+              <a:schemeClr val="bg1">
+                <a:lumMod val="75000"/>
+              </a:schemeClr>
+            </a:solidFill>
+            <a:prstDash val="solid"/>
+          </a:ln>
+        </p:spPr>
+        <p:style>
+          <a:lnRef idx="2">
+            <a:schemeClr val="accent1">
+              <a:shade val="50000"/>
+            </a:schemeClr>
+          </a:lnRef>
+          <a:fillRef idx="1">
+            <a:schemeClr val="accent1"/>
+          </a:fillRef>
+          <a:effectRef idx="0">
+            <a:schemeClr val="accent1"/>
+          </a:effectRef>
+          <a:fontRef idx="minor">
+            <a:schemeClr val="lt1"/>
+          </a:fontRef>
+        </p:style>
+      </p:cxnSp>
+      <p:grpSp>
+        <p:nvGrpSpPr>
+          <p:cNvPr id="3" name="Grupo 2">
+            <a:extLst>
+              <a:ext uri="{FF2B5EF4-FFF2-40B4-BE49-F238E27FC236}">
+                <a16:creationId xmlns:a16="http://schemas.microsoft.com/office/drawing/2014/main" id="{8AF8A9D2-09BB-4E1D-BB78-0819B956B6A4}"/>
+              </a:ext>
+            </a:extLst>
+          </p:cNvPr>
+          <p:cNvGrpSpPr/>
+          <p:nvPr/>
+        </p:nvGrpSpPr>
+        <p:grpSpPr>
+          <a:xfrm>
+            <a:off x="5685961" y="219199"/>
+            <a:ext cx="1440000" cy="1440000"/>
+            <a:chOff x="2908499" y="927659"/>
+            <a:chExt cx="1440000" cy="1440000"/>
+          </a:xfrm>
+        </p:grpSpPr>
+        <p:sp>
+          <p:nvSpPr>
+            <p:cNvPr id="4" name="Elipse 3">
+              <a:extLst>
+                <a:ext uri="{FF2B5EF4-FFF2-40B4-BE49-F238E27FC236}">
+                  <a16:creationId xmlns:a16="http://schemas.microsoft.com/office/drawing/2014/main" id="{6437FAF3-CEF5-4F82-BD64-0238C961B85D}"/>
+                </a:ext>
+              </a:extLst>
+            </p:cNvPr>
+            <p:cNvSpPr/>
+            <p:nvPr/>
+          </p:nvSpPr>
+          <p:spPr>
+            <a:xfrm>
+              <a:off x="2908499" y="927659"/>
+              <a:ext cx="1440000" cy="1440000"/>
+            </a:xfrm>
+            <a:prstGeom prst="ellipse">
+              <a:avLst/>
+            </a:prstGeom>
+            <a:noFill/>
+            <a:ln w="3175">
+              <a:solidFill>
+                <a:schemeClr val="bg1">
+                  <a:lumMod val="75000"/>
+                </a:schemeClr>
+              </a:solidFill>
+              <a:prstDash val="solid"/>
+            </a:ln>
+          </p:spPr>
+          <p:style>
+            <a:lnRef idx="2">
+              <a:schemeClr val="accent1">
+                <a:shade val="50000"/>
+              </a:schemeClr>
+            </a:lnRef>
+            <a:fillRef idx="1">
+              <a:schemeClr val="accent1"/>
+            </a:fillRef>
+            <a:effectRef idx="0">
+              <a:schemeClr val="accent1"/>
+            </a:effectRef>
+            <a:fontRef idx="minor">
+              <a:schemeClr val="lt1"/>
+            </a:fontRef>
+          </p:style>
+          <p:txBody>
+            <a:bodyPr rtlCol="0" anchor="ctr"/>
+            <a:lstStyle/>
+            <a:p>
+              <a:pPr algn="ctr"/>
+              <a:endParaRPr lang="es-ES"/>
+            </a:p>
+          </p:txBody>
+        </p:sp>
+        <p:sp>
+          <p:nvSpPr>
+            <p:cNvPr id="5" name="Elipse 4">
+              <a:extLst>
+                <a:ext uri="{FF2B5EF4-FFF2-40B4-BE49-F238E27FC236}">
+                  <a16:creationId xmlns:a16="http://schemas.microsoft.com/office/drawing/2014/main" id="{4556D431-95A4-4411-99DE-39561DE5CB20}"/>
+                </a:ext>
+              </a:extLst>
+            </p:cNvPr>
+            <p:cNvSpPr/>
+            <p:nvPr/>
+          </p:nvSpPr>
+          <p:spPr>
+            <a:xfrm>
+              <a:off x="3566295" y="1585455"/>
+              <a:ext cx="124408" cy="124408"/>
+            </a:xfrm>
+            <a:prstGeom prst="ellipse">
+              <a:avLst/>
+            </a:prstGeom>
+            <a:noFill/>
+            <a:ln w="38100">
+              <a:solidFill>
+                <a:srgbClr val="00B050"/>
+              </a:solidFill>
+            </a:ln>
+          </p:spPr>
+          <p:style>
+            <a:lnRef idx="2">
+              <a:schemeClr val="accent1">
+                <a:shade val="50000"/>
+              </a:schemeClr>
+            </a:lnRef>
+            <a:fillRef idx="1">
+              <a:schemeClr val="accent1"/>
+            </a:fillRef>
+            <a:effectRef idx="0">
+              <a:schemeClr val="accent1"/>
+            </a:effectRef>
+            <a:fontRef idx="minor">
+              <a:schemeClr val="lt1"/>
+            </a:fontRef>
+          </p:style>
+          <p:txBody>
+            <a:bodyPr rtlCol="0" anchor="ctr"/>
+            <a:lstStyle/>
+            <a:p>
+              <a:pPr algn="ctr"/>
+              <a:endParaRPr lang="es-ES"/>
+            </a:p>
+          </p:txBody>
+        </p:sp>
+        <p:cxnSp>
+          <p:nvCxnSpPr>
+            <p:cNvPr id="6" name="Conector recto de flecha 5">
+              <a:extLst>
+                <a:ext uri="{FF2B5EF4-FFF2-40B4-BE49-F238E27FC236}">
+                  <a16:creationId xmlns:a16="http://schemas.microsoft.com/office/drawing/2014/main" id="{D534012C-543A-4F8C-8295-8DA01761C4AE}"/>
+                </a:ext>
+              </a:extLst>
+            </p:cNvPr>
+            <p:cNvCxnSpPr>
+              <a:cxnSpLocks/>
+            </p:cNvCxnSpPr>
+            <p:nvPr/>
+          </p:nvCxnSpPr>
+          <p:spPr>
+            <a:xfrm flipH="1">
+              <a:off x="3443147" y="1647658"/>
+              <a:ext cx="185352" cy="440775"/>
+            </a:xfrm>
+            <a:prstGeom prst="straightConnector1">
+              <a:avLst/>
+            </a:prstGeom>
+            <a:ln>
+              <a:solidFill>
+                <a:srgbClr val="00B050"/>
+              </a:solidFill>
+              <a:tailEnd type="triangle"/>
+            </a:ln>
+          </p:spPr>
+          <p:style>
+            <a:lnRef idx="1">
+              <a:schemeClr val="accent1"/>
+            </a:lnRef>
+            <a:fillRef idx="0">
+              <a:schemeClr val="accent1"/>
+            </a:fillRef>
+            <a:effectRef idx="0">
+              <a:schemeClr val="accent1"/>
+            </a:effectRef>
+            <a:fontRef idx="minor">
+              <a:schemeClr val="tx1"/>
+            </a:fontRef>
+          </p:style>
+        </p:cxnSp>
+      </p:grpSp>
+      <p:cxnSp>
+        <p:nvCxnSpPr>
+          <p:cNvPr id="7" name="Conector recto de flecha 6">
+            <a:extLst>
+              <a:ext uri="{FF2B5EF4-FFF2-40B4-BE49-F238E27FC236}">
+                <a16:creationId xmlns:a16="http://schemas.microsoft.com/office/drawing/2014/main" id="{AAB41AB1-E5C6-4048-8AA2-A26A806A2198}"/>
+              </a:ext>
+            </a:extLst>
+          </p:cNvPr>
+          <p:cNvCxnSpPr>
+            <a:cxnSpLocks/>
+            <a:endCxn id="13" idx="1"/>
+          </p:cNvCxnSpPr>
+          <p:nvPr/>
+        </p:nvCxnSpPr>
+        <p:spPr>
+          <a:xfrm>
+            <a:off x="3521561" y="2679313"/>
+            <a:ext cx="4258301" cy="1292342"/>
+          </a:xfrm>
+          <a:prstGeom prst="straightConnector1">
+            <a:avLst/>
+          </a:prstGeom>
+          <a:noFill/>
+          <a:ln w="3175">
+            <a:solidFill>
+              <a:schemeClr val="bg1">
+                <a:lumMod val="75000"/>
+              </a:schemeClr>
+            </a:solidFill>
+            <a:prstDash val="solid"/>
+          </a:ln>
+        </p:spPr>
+        <p:style>
+          <a:lnRef idx="2">
+            <a:schemeClr val="accent1">
+              <a:shade val="50000"/>
+            </a:schemeClr>
+          </a:lnRef>
+          <a:fillRef idx="1">
+            <a:schemeClr val="accent1"/>
+          </a:fillRef>
+          <a:effectRef idx="0">
+            <a:schemeClr val="accent1"/>
+          </a:effectRef>
+          <a:fontRef idx="minor">
+            <a:schemeClr val="lt1"/>
+          </a:fontRef>
+        </p:style>
+      </p:cxnSp>
+      <p:grpSp>
+        <p:nvGrpSpPr>
+          <p:cNvPr id="8" name="Grupo 7">
+            <a:extLst>
+              <a:ext uri="{FF2B5EF4-FFF2-40B4-BE49-F238E27FC236}">
+                <a16:creationId xmlns:a16="http://schemas.microsoft.com/office/drawing/2014/main" id="{BBFE6778-1908-4F0A-B3BA-EAEDA46596CB}"/>
+              </a:ext>
+            </a:extLst>
+          </p:cNvPr>
+          <p:cNvGrpSpPr/>
+          <p:nvPr/>
+        </p:nvGrpSpPr>
+        <p:grpSpPr>
+          <a:xfrm>
+            <a:off x="3521561" y="2175763"/>
+            <a:ext cx="1440000" cy="1440000"/>
+            <a:chOff x="3421412" y="3777641"/>
+            <a:chExt cx="1440000" cy="1440000"/>
+          </a:xfrm>
+        </p:grpSpPr>
+        <p:sp>
+          <p:nvSpPr>
+            <p:cNvPr id="9" name="Elipse 8">
+              <a:extLst>
+                <a:ext uri="{FF2B5EF4-FFF2-40B4-BE49-F238E27FC236}">
+                  <a16:creationId xmlns:a16="http://schemas.microsoft.com/office/drawing/2014/main" id="{3DB36B2D-94EA-434D-964B-4358EF3CDCCD}"/>
+                </a:ext>
+              </a:extLst>
+            </p:cNvPr>
+            <p:cNvSpPr/>
+            <p:nvPr/>
+          </p:nvSpPr>
+          <p:spPr>
+            <a:xfrm>
+              <a:off x="3421412" y="3777641"/>
+              <a:ext cx="1440000" cy="1440000"/>
+            </a:xfrm>
+            <a:prstGeom prst="ellipse">
+              <a:avLst/>
+            </a:prstGeom>
+            <a:noFill/>
+            <a:ln w="3175">
+              <a:solidFill>
+                <a:schemeClr val="bg1">
+                  <a:lumMod val="75000"/>
+                </a:schemeClr>
+              </a:solidFill>
+              <a:prstDash val="solid"/>
+            </a:ln>
+          </p:spPr>
+          <p:style>
+            <a:lnRef idx="2">
+              <a:schemeClr val="accent1">
+                <a:shade val="50000"/>
+              </a:schemeClr>
+            </a:lnRef>
+            <a:fillRef idx="1">
+              <a:schemeClr val="accent1"/>
+            </a:fillRef>
+            <a:effectRef idx="0">
+              <a:schemeClr val="accent1"/>
+            </a:effectRef>
+            <a:fontRef idx="minor">
+              <a:schemeClr val="lt1"/>
+            </a:fontRef>
+          </p:style>
+          <p:txBody>
+            <a:bodyPr rtlCol="0" anchor="ctr"/>
+            <a:lstStyle/>
+            <a:p>
+              <a:pPr algn="ctr"/>
+              <a:endParaRPr lang="es-ES" dirty="0"/>
+            </a:p>
+          </p:txBody>
+        </p:sp>
+        <p:sp>
+          <p:nvSpPr>
+            <p:cNvPr id="10" name="Elipse 9">
+              <a:extLst>
+                <a:ext uri="{FF2B5EF4-FFF2-40B4-BE49-F238E27FC236}">
+                  <a16:creationId xmlns:a16="http://schemas.microsoft.com/office/drawing/2014/main" id="{378A18B1-F6C0-4A5E-A104-4554A8DA1E98}"/>
+                </a:ext>
+              </a:extLst>
+            </p:cNvPr>
+            <p:cNvSpPr/>
+            <p:nvPr/>
+          </p:nvSpPr>
+          <p:spPr>
+            <a:xfrm>
+              <a:off x="4079208" y="4435437"/>
+              <a:ext cx="124408" cy="124408"/>
+            </a:xfrm>
+            <a:prstGeom prst="ellipse">
+              <a:avLst/>
+            </a:prstGeom>
+            <a:noFill/>
+            <a:ln w="38100">
+              <a:solidFill>
+                <a:srgbClr val="00B0F0"/>
+              </a:solidFill>
+            </a:ln>
+          </p:spPr>
+          <p:style>
+            <a:lnRef idx="2">
+              <a:schemeClr val="accent1">
+                <a:shade val="50000"/>
+              </a:schemeClr>
+            </a:lnRef>
+            <a:fillRef idx="1">
+              <a:schemeClr val="accent1"/>
+            </a:fillRef>
+            <a:effectRef idx="0">
+              <a:schemeClr val="accent1"/>
+            </a:effectRef>
+            <a:fontRef idx="minor">
+              <a:schemeClr val="lt1"/>
+            </a:fontRef>
+          </p:style>
+          <p:txBody>
+            <a:bodyPr rtlCol="0" anchor="ctr"/>
+            <a:lstStyle/>
+            <a:p>
+              <a:pPr algn="ctr"/>
+              <a:endParaRPr lang="es-ES"/>
+            </a:p>
+          </p:txBody>
+        </p:sp>
+        <p:cxnSp>
+          <p:nvCxnSpPr>
+            <p:cNvPr id="11" name="Conector recto de flecha 10">
+              <a:extLst>
+                <a:ext uri="{FF2B5EF4-FFF2-40B4-BE49-F238E27FC236}">
+                  <a16:creationId xmlns:a16="http://schemas.microsoft.com/office/drawing/2014/main" id="{A0203BDB-7FED-4EDE-A833-D5B979F62FF5}"/>
+                </a:ext>
+              </a:extLst>
+            </p:cNvPr>
+            <p:cNvCxnSpPr>
+              <a:cxnSpLocks/>
+            </p:cNvCxnSpPr>
+            <p:nvPr/>
+          </p:nvCxnSpPr>
+          <p:spPr>
+            <a:xfrm>
+              <a:off x="4141412" y="4497642"/>
+              <a:ext cx="408121" cy="137992"/>
+            </a:xfrm>
+            <a:prstGeom prst="straightConnector1">
+              <a:avLst/>
+            </a:prstGeom>
+            <a:ln>
+              <a:solidFill>
+                <a:srgbClr val="00B0F0"/>
+              </a:solidFill>
+              <a:headEnd type="none" w="med" len="med"/>
+              <a:tailEnd type="arrow" w="med" len="med"/>
+            </a:ln>
+          </p:spPr>
+          <p:style>
+            <a:lnRef idx="1">
+              <a:schemeClr val="accent1"/>
+            </a:lnRef>
+            <a:fillRef idx="0">
+              <a:schemeClr val="accent1"/>
+            </a:fillRef>
+            <a:effectRef idx="0">
+              <a:schemeClr val="accent1"/>
+            </a:effectRef>
+            <a:fontRef idx="minor">
+              <a:schemeClr val="tx1"/>
+            </a:fontRef>
+          </p:style>
+        </p:cxnSp>
+      </p:grpSp>
+      <p:sp>
+        <p:nvSpPr>
+          <p:cNvPr id="12" name="Estrella: 5 puntas 11">
+            <a:extLst>
+              <a:ext uri="{FF2B5EF4-FFF2-40B4-BE49-F238E27FC236}">
+                <a16:creationId xmlns:a16="http://schemas.microsoft.com/office/drawing/2014/main" id="{D4EF87EA-BE7F-40B1-A31E-867904F96C1E}"/>
+              </a:ext>
+            </a:extLst>
+          </p:cNvPr>
+          <p:cNvSpPr/>
+          <p:nvPr/>
+        </p:nvSpPr>
+        <p:spPr>
+          <a:xfrm rot="848219">
+            <a:off x="4245635" y="6077405"/>
+            <a:ext cx="211617" cy="211617"/>
+          </a:xfrm>
+          <a:prstGeom prst="star5">
+            <a:avLst/>
+          </a:prstGeom>
+          <a:solidFill>
+            <a:srgbClr val="00B050"/>
+          </a:solidFill>
+          <a:ln>
+            <a:noFill/>
+          </a:ln>
+        </p:spPr>
+        <p:style>
+          <a:lnRef idx="2">
+            <a:schemeClr val="accent1">
+              <a:shade val="50000"/>
+            </a:schemeClr>
+          </a:lnRef>
+          <a:fillRef idx="1">
+            <a:schemeClr val="accent1"/>
+          </a:fillRef>
+          <a:effectRef idx="0">
+            <a:schemeClr val="accent1"/>
+          </a:effectRef>
+          <a:fontRef idx="minor">
+            <a:schemeClr val="lt1"/>
+          </a:fontRef>
+        </p:style>
+        <p:txBody>
+          <a:bodyPr rtlCol="0" anchor="ctr"/>
+          <a:lstStyle/>
+          <a:p>
+            <a:pPr algn="ctr"/>
+            <a:endParaRPr lang="es-ES"/>
+          </a:p>
+        </p:txBody>
+      </p:sp>
+      <p:sp>
+        <p:nvSpPr>
+          <p:cNvPr id="13" name="Estrella: 5 puntas 12">
+            <a:extLst>
+              <a:ext uri="{FF2B5EF4-FFF2-40B4-BE49-F238E27FC236}">
+                <a16:creationId xmlns:a16="http://schemas.microsoft.com/office/drawing/2014/main" id="{0492227E-51C7-4EDC-B7E4-801785340B5E}"/>
+              </a:ext>
+            </a:extLst>
+          </p:cNvPr>
+          <p:cNvSpPr/>
+          <p:nvPr/>
+        </p:nvSpPr>
+        <p:spPr>
+          <a:xfrm>
+            <a:off x="7779862" y="3890825"/>
+            <a:ext cx="211617" cy="211617"/>
+          </a:xfrm>
+          <a:prstGeom prst="star5">
+            <a:avLst/>
+          </a:prstGeom>
+          <a:solidFill>
+            <a:srgbClr val="00B0F0"/>
+          </a:solidFill>
+          <a:ln>
+            <a:noFill/>
+          </a:ln>
+        </p:spPr>
+        <p:style>
+          <a:lnRef idx="2">
+            <a:schemeClr val="accent1">
+              <a:shade val="50000"/>
+            </a:schemeClr>
+          </a:lnRef>
+          <a:fillRef idx="1">
+            <a:schemeClr val="accent1"/>
+          </a:fillRef>
+          <a:effectRef idx="0">
+            <a:schemeClr val="accent1"/>
+          </a:effectRef>
+          <a:fontRef idx="minor">
+            <a:schemeClr val="lt1"/>
+          </a:fontRef>
+        </p:style>
+        <p:txBody>
+          <a:bodyPr rtlCol="0" anchor="ctr"/>
+          <a:lstStyle/>
+          <a:p>
+            <a:pPr algn="ctr"/>
+            <a:endParaRPr lang="es-ES"/>
+          </a:p>
+        </p:txBody>
+      </p:sp>
+      <p:sp>
+        <p:nvSpPr>
+          <p:cNvPr id="14" name="Signo de multiplicación 13">
+            <a:extLst>
+              <a:ext uri="{FF2B5EF4-FFF2-40B4-BE49-F238E27FC236}">
+                <a16:creationId xmlns:a16="http://schemas.microsoft.com/office/drawing/2014/main" id="{8AC27FB1-2F63-4D6B-9202-9009787CA01D}"/>
+              </a:ext>
+            </a:extLst>
+          </p:cNvPr>
+          <p:cNvSpPr/>
+          <p:nvPr/>
+        </p:nvSpPr>
+        <p:spPr>
+          <a:xfrm>
+            <a:off x="5390309" y="3184857"/>
+            <a:ext cx="160638" cy="140627"/>
+          </a:xfrm>
+          <a:prstGeom prst="mathMultiply">
+            <a:avLst/>
+          </a:prstGeom>
+          <a:solidFill>
+            <a:srgbClr val="FF0000"/>
+          </a:solidFill>
+          <a:ln>
+            <a:solidFill>
+              <a:srgbClr val="FF0000"/>
+            </a:solidFill>
+          </a:ln>
+        </p:spPr>
+        <p:style>
+          <a:lnRef idx="2">
+            <a:schemeClr val="accent1">
+              <a:shade val="50000"/>
+            </a:schemeClr>
+          </a:lnRef>
+          <a:fillRef idx="1">
+            <a:schemeClr val="accent1"/>
+          </a:fillRef>
+          <a:effectRef idx="0">
+            <a:schemeClr val="accent1"/>
+          </a:effectRef>
+          <a:fontRef idx="minor">
+            <a:schemeClr val="lt1"/>
+          </a:fontRef>
+        </p:style>
+        <p:txBody>
+          <a:bodyPr rtlCol="0" anchor="ctr"/>
+          <a:lstStyle/>
+          <a:p>
+            <a:pPr algn="ctr"/>
+            <a:endParaRPr lang="es-ES"/>
+          </a:p>
+        </p:txBody>
+      </p:sp>
+      <p:cxnSp>
+        <p:nvCxnSpPr>
+          <p:cNvPr id="42" name="Conector recto 41">
+            <a:extLst>
+              <a:ext uri="{FF2B5EF4-FFF2-40B4-BE49-F238E27FC236}">
+                <a16:creationId xmlns:a16="http://schemas.microsoft.com/office/drawing/2014/main" id="{42152F93-A492-4408-AAC5-4BA5D965F3A5}"/>
+              </a:ext>
+            </a:extLst>
+          </p:cNvPr>
+          <p:cNvCxnSpPr>
+            <a:cxnSpLocks/>
+            <a:stCxn id="5" idx="6"/>
+          </p:cNvCxnSpPr>
+          <p:nvPr/>
+        </p:nvCxnSpPr>
+        <p:spPr>
+          <a:xfrm flipH="1">
+            <a:off x="2990335" y="939199"/>
+            <a:ext cx="3477830" cy="728180"/>
+          </a:xfrm>
+          <a:prstGeom prst="line">
+            <a:avLst/>
+          </a:prstGeom>
+          <a:ln w="9525" cap="flat" cmpd="sng" algn="ctr">
+            <a:solidFill>
+              <a:schemeClr val="accent2"/>
+            </a:solidFill>
+            <a:prstDash val="dash"/>
+            <a:round/>
+            <a:headEnd type="none" w="med" len="med"/>
+            <a:tailEnd type="none" w="med" len="med"/>
+          </a:ln>
+        </p:spPr>
+        <p:style>
+          <a:lnRef idx="0">
+            <a:scrgbClr r="0" g="0" b="0"/>
+          </a:lnRef>
+          <a:fillRef idx="0">
+            <a:scrgbClr r="0" g="0" b="0"/>
+          </a:fillRef>
+          <a:effectRef idx="0">
+            <a:scrgbClr r="0" g="0" b="0"/>
+          </a:effectRef>
+          <a:fontRef idx="minor">
+            <a:schemeClr val="tx1"/>
+          </a:fontRef>
+        </p:style>
+      </p:cxnSp>
+      <p:sp>
+        <p:nvSpPr>
+          <p:cNvPr id="48" name="Estrella: 5 puntas 47">
+            <a:extLst>
+              <a:ext uri="{FF2B5EF4-FFF2-40B4-BE49-F238E27FC236}">
+                <a16:creationId xmlns:a16="http://schemas.microsoft.com/office/drawing/2014/main" id="{38F55D53-C394-47BB-9A51-C83D33C24ED0}"/>
+              </a:ext>
+            </a:extLst>
+          </p:cNvPr>
+          <p:cNvSpPr/>
+          <p:nvPr/>
+        </p:nvSpPr>
+        <p:spPr>
+          <a:xfrm>
+            <a:off x="3819753" y="1379973"/>
+            <a:ext cx="211617" cy="211617"/>
+          </a:xfrm>
+          <a:prstGeom prst="star5">
+            <a:avLst/>
+          </a:prstGeom>
+          <a:solidFill>
+            <a:srgbClr val="00B050"/>
+          </a:solidFill>
+          <a:ln>
+            <a:noFill/>
+          </a:ln>
+        </p:spPr>
+        <p:style>
+          <a:lnRef idx="2">
+            <a:schemeClr val="accent1">
+              <a:shade val="50000"/>
+            </a:schemeClr>
+          </a:lnRef>
+          <a:fillRef idx="1">
+            <a:schemeClr val="accent1"/>
+          </a:fillRef>
+          <a:effectRef idx="0">
+            <a:schemeClr val="accent1"/>
+          </a:effectRef>
+          <a:fontRef idx="minor">
+            <a:schemeClr val="lt1"/>
+          </a:fontRef>
+        </p:style>
+        <p:txBody>
+          <a:bodyPr rtlCol="0" anchor="ctr"/>
+          <a:lstStyle/>
+          <a:p>
+            <a:pPr algn="ctr"/>
+            <a:endParaRPr lang="es-ES"/>
+          </a:p>
+        </p:txBody>
+      </p:sp>
+      <p:cxnSp>
+        <p:nvCxnSpPr>
+          <p:cNvPr id="104" name="Conector recto 103">
+            <a:extLst>
+              <a:ext uri="{FF2B5EF4-FFF2-40B4-BE49-F238E27FC236}">
+                <a16:creationId xmlns:a16="http://schemas.microsoft.com/office/drawing/2014/main" id="{7C355DD5-9E19-47B3-8D7F-9FF44E03D3C9}"/>
+              </a:ext>
+            </a:extLst>
+          </p:cNvPr>
+          <p:cNvCxnSpPr>
+            <a:cxnSpLocks/>
+            <a:stCxn id="5" idx="3"/>
+          </p:cNvCxnSpPr>
+          <p:nvPr/>
+        </p:nvCxnSpPr>
+        <p:spPr>
+          <a:xfrm flipH="1">
+            <a:off x="5418322" y="983184"/>
+            <a:ext cx="943654" cy="3119258"/>
+          </a:xfrm>
+          <a:prstGeom prst="line">
+            <a:avLst/>
+          </a:prstGeom>
+          <a:ln w="9525" cap="flat" cmpd="sng" algn="ctr">
+            <a:solidFill>
+              <a:schemeClr val="accent2"/>
+            </a:solidFill>
+            <a:prstDash val="dash"/>
+            <a:round/>
+            <a:headEnd type="none" w="med" len="med"/>
+            <a:tailEnd type="none" w="med" len="med"/>
+          </a:ln>
+        </p:spPr>
+        <p:style>
+          <a:lnRef idx="0">
+            <a:scrgbClr r="0" g="0" b="0"/>
+          </a:lnRef>
+          <a:fillRef idx="0">
+            <a:scrgbClr r="0" g="0" b="0"/>
+          </a:fillRef>
+          <a:effectRef idx="0">
+            <a:scrgbClr r="0" g="0" b="0"/>
+          </a:effectRef>
+          <a:fontRef idx="minor">
+            <a:schemeClr val="tx1"/>
+          </a:fontRef>
+        </p:style>
+      </p:cxnSp>
+      <p:sp>
+        <p:nvSpPr>
+          <p:cNvPr id="107" name="Estrella: 5 puntas 106">
+            <a:extLst>
+              <a:ext uri="{FF2B5EF4-FFF2-40B4-BE49-F238E27FC236}">
+                <a16:creationId xmlns:a16="http://schemas.microsoft.com/office/drawing/2014/main" id="{99B1295A-03C8-4302-93F8-0621BE6A293A}"/>
+              </a:ext>
+            </a:extLst>
+          </p:cNvPr>
+          <p:cNvSpPr/>
+          <p:nvPr/>
+        </p:nvSpPr>
+        <p:spPr>
+          <a:xfrm>
+            <a:off x="5574969" y="3209766"/>
+            <a:ext cx="211617" cy="211617"/>
+          </a:xfrm>
+          <a:prstGeom prst="star5">
+            <a:avLst/>
+          </a:prstGeom>
+          <a:solidFill>
+            <a:srgbClr val="00B050"/>
+          </a:solidFill>
+          <a:ln>
+            <a:noFill/>
+          </a:ln>
+        </p:spPr>
+        <p:style>
+          <a:lnRef idx="2">
+            <a:schemeClr val="accent1">
+              <a:shade val="50000"/>
+            </a:schemeClr>
+          </a:lnRef>
+          <a:fillRef idx="1">
+            <a:schemeClr val="accent1"/>
+          </a:fillRef>
+          <a:effectRef idx="0">
+            <a:schemeClr val="accent1"/>
+          </a:effectRef>
+          <a:fontRef idx="minor">
+            <a:schemeClr val="lt1"/>
+          </a:fontRef>
+        </p:style>
+        <p:txBody>
+          <a:bodyPr rtlCol="0" anchor="ctr"/>
+          <a:lstStyle/>
+          <a:p>
+            <a:pPr algn="ctr"/>
+            <a:endParaRPr lang="es-ES"/>
+          </a:p>
+        </p:txBody>
+      </p:sp>
+      <p:grpSp>
+        <p:nvGrpSpPr>
+          <p:cNvPr id="109" name="Grupo 108">
+            <a:extLst>
+              <a:ext uri="{FF2B5EF4-FFF2-40B4-BE49-F238E27FC236}">
+                <a16:creationId xmlns:a16="http://schemas.microsoft.com/office/drawing/2014/main" id="{152BE830-E8CC-4673-9F6A-47D0DBE3EF36}"/>
+              </a:ext>
+            </a:extLst>
+          </p:cNvPr>
+          <p:cNvGrpSpPr/>
+          <p:nvPr/>
+        </p:nvGrpSpPr>
+        <p:grpSpPr>
+          <a:xfrm>
+            <a:off x="8419071" y="871590"/>
+            <a:ext cx="1440000" cy="1440000"/>
+            <a:chOff x="2908499" y="927659"/>
+            <a:chExt cx="1440000" cy="1440000"/>
+          </a:xfrm>
+        </p:grpSpPr>
+        <p:sp>
+          <p:nvSpPr>
+            <p:cNvPr id="110" name="Elipse 109">
+              <a:extLst>
+                <a:ext uri="{FF2B5EF4-FFF2-40B4-BE49-F238E27FC236}">
+                  <a16:creationId xmlns:a16="http://schemas.microsoft.com/office/drawing/2014/main" id="{F95D4649-3C8E-41AD-8AB5-D8527EDC025B}"/>
+                </a:ext>
+              </a:extLst>
+            </p:cNvPr>
+            <p:cNvSpPr/>
+            <p:nvPr/>
+          </p:nvSpPr>
+          <p:spPr>
+            <a:xfrm>
+              <a:off x="2908499" y="927659"/>
+              <a:ext cx="1440000" cy="1440000"/>
+            </a:xfrm>
+            <a:prstGeom prst="ellipse">
+              <a:avLst/>
+            </a:prstGeom>
+            <a:noFill/>
+            <a:ln w="3175">
+              <a:solidFill>
+                <a:schemeClr val="bg1">
+                  <a:lumMod val="75000"/>
+                </a:schemeClr>
+              </a:solidFill>
+              <a:prstDash val="solid"/>
+            </a:ln>
+          </p:spPr>
+          <p:style>
+            <a:lnRef idx="2">
+              <a:schemeClr val="accent1">
+                <a:shade val="50000"/>
+              </a:schemeClr>
+            </a:lnRef>
+            <a:fillRef idx="1">
+              <a:schemeClr val="accent1"/>
+            </a:fillRef>
+            <a:effectRef idx="0">
+              <a:schemeClr val="accent1"/>
+            </a:effectRef>
+            <a:fontRef idx="minor">
+              <a:schemeClr val="lt1"/>
+            </a:fontRef>
+          </p:style>
+          <p:txBody>
+            <a:bodyPr rtlCol="0" anchor="ctr"/>
+            <a:lstStyle/>
+            <a:p>
+              <a:pPr algn="ctr"/>
+              <a:endParaRPr lang="es-ES"/>
+            </a:p>
+          </p:txBody>
+        </p:sp>
+        <p:sp>
+          <p:nvSpPr>
+            <p:cNvPr id="111" name="Elipse 110">
+              <a:extLst>
+                <a:ext uri="{FF2B5EF4-FFF2-40B4-BE49-F238E27FC236}">
+                  <a16:creationId xmlns:a16="http://schemas.microsoft.com/office/drawing/2014/main" id="{D9916008-ED5C-4072-A94D-58B70EB36463}"/>
+                </a:ext>
+              </a:extLst>
+            </p:cNvPr>
+            <p:cNvSpPr/>
+            <p:nvPr/>
+          </p:nvSpPr>
+          <p:spPr>
+            <a:xfrm>
+              <a:off x="3566295" y="1585455"/>
+              <a:ext cx="124408" cy="124408"/>
+            </a:xfrm>
+            <a:prstGeom prst="ellipse">
+              <a:avLst/>
+            </a:prstGeom>
+            <a:noFill/>
+            <a:ln w="38100">
+              <a:solidFill>
+                <a:srgbClr val="00B050"/>
+              </a:solidFill>
+            </a:ln>
+          </p:spPr>
+          <p:style>
+            <a:lnRef idx="2">
+              <a:schemeClr val="accent1">
+                <a:shade val="50000"/>
+              </a:schemeClr>
+            </a:lnRef>
+            <a:fillRef idx="1">
+              <a:schemeClr val="accent1"/>
+            </a:fillRef>
+            <a:effectRef idx="0">
+              <a:schemeClr val="accent1"/>
+            </a:effectRef>
+            <a:fontRef idx="minor">
+              <a:schemeClr val="lt1"/>
+            </a:fontRef>
+          </p:style>
+          <p:txBody>
+            <a:bodyPr rtlCol="0" anchor="ctr"/>
+            <a:lstStyle/>
+            <a:p>
+              <a:pPr algn="ctr"/>
+              <a:endParaRPr lang="es-ES"/>
+            </a:p>
+          </p:txBody>
+        </p:sp>
+        <p:cxnSp>
+          <p:nvCxnSpPr>
+            <p:cNvPr id="112" name="Conector recto de flecha 111">
+              <a:extLst>
+                <a:ext uri="{FF2B5EF4-FFF2-40B4-BE49-F238E27FC236}">
+                  <a16:creationId xmlns:a16="http://schemas.microsoft.com/office/drawing/2014/main" id="{38A9F339-2098-43B2-AF46-53CB839BB920}"/>
+                </a:ext>
+              </a:extLst>
+            </p:cNvPr>
+            <p:cNvCxnSpPr>
+              <a:cxnSpLocks/>
+            </p:cNvCxnSpPr>
+            <p:nvPr/>
+          </p:nvCxnSpPr>
+          <p:spPr>
+            <a:xfrm flipH="1">
+              <a:off x="3443147" y="1647658"/>
+              <a:ext cx="185352" cy="440775"/>
+            </a:xfrm>
+            <a:prstGeom prst="straightConnector1">
+              <a:avLst/>
+            </a:prstGeom>
+            <a:ln>
+              <a:solidFill>
+                <a:srgbClr val="00B050"/>
+              </a:solidFill>
+              <a:tailEnd type="triangle"/>
+            </a:ln>
+          </p:spPr>
+          <p:style>
+            <a:lnRef idx="1">
+              <a:schemeClr val="accent1"/>
+            </a:lnRef>
+            <a:fillRef idx="0">
+              <a:schemeClr val="accent1"/>
+            </a:fillRef>
+            <a:effectRef idx="0">
+              <a:schemeClr val="accent1"/>
+            </a:effectRef>
+            <a:fontRef idx="minor">
+              <a:schemeClr val="tx1"/>
+            </a:fontRef>
+          </p:style>
+        </p:cxnSp>
+      </p:grpSp>
+      <p:grpSp>
+        <p:nvGrpSpPr>
+          <p:cNvPr id="113" name="Grupo 112">
+            <a:extLst>
+              <a:ext uri="{FF2B5EF4-FFF2-40B4-BE49-F238E27FC236}">
+                <a16:creationId xmlns:a16="http://schemas.microsoft.com/office/drawing/2014/main" id="{0F3FB670-5977-4E5F-9311-D31628CFC80B}"/>
+              </a:ext>
+            </a:extLst>
+          </p:cNvPr>
+          <p:cNvGrpSpPr/>
+          <p:nvPr/>
+        </p:nvGrpSpPr>
+        <p:grpSpPr>
+          <a:xfrm>
+            <a:off x="9166814" y="2489766"/>
+            <a:ext cx="1440000" cy="1440000"/>
+            <a:chOff x="2908499" y="927659"/>
+            <a:chExt cx="1440000" cy="1440000"/>
+          </a:xfrm>
+        </p:grpSpPr>
+        <p:sp>
+          <p:nvSpPr>
+            <p:cNvPr id="114" name="Elipse 113">
+              <a:extLst>
+                <a:ext uri="{FF2B5EF4-FFF2-40B4-BE49-F238E27FC236}">
+                  <a16:creationId xmlns:a16="http://schemas.microsoft.com/office/drawing/2014/main" id="{88663481-F2C8-4C54-B103-5730D7C83C60}"/>
+                </a:ext>
+              </a:extLst>
+            </p:cNvPr>
+            <p:cNvSpPr/>
+            <p:nvPr/>
+          </p:nvSpPr>
+          <p:spPr>
+            <a:xfrm>
+              <a:off x="2908499" y="927659"/>
+              <a:ext cx="1440000" cy="1440000"/>
+            </a:xfrm>
+            <a:prstGeom prst="ellipse">
+              <a:avLst/>
+            </a:prstGeom>
+            <a:solidFill>
+              <a:srgbClr val="0070C0"/>
+            </a:solidFill>
+            <a:ln w="3175">
+              <a:solidFill>
+                <a:schemeClr val="bg1">
+                  <a:lumMod val="75000"/>
+                </a:schemeClr>
+              </a:solidFill>
+              <a:prstDash val="solid"/>
+            </a:ln>
+          </p:spPr>
+          <p:style>
+            <a:lnRef idx="2">
+              <a:schemeClr val="accent1">
+                <a:shade val="50000"/>
+              </a:schemeClr>
+            </a:lnRef>
+            <a:fillRef idx="1">
+              <a:schemeClr val="accent1"/>
+            </a:fillRef>
+            <a:effectRef idx="0">
+              <a:schemeClr val="accent1"/>
+            </a:effectRef>
+            <a:fontRef idx="minor">
+              <a:schemeClr val="lt1"/>
+            </a:fontRef>
+          </p:style>
+          <p:txBody>
+            <a:bodyPr rtlCol="0" anchor="ctr"/>
+            <a:lstStyle/>
+            <a:p>
+              <a:pPr algn="ctr"/>
+              <a:endParaRPr lang="es-ES" dirty="0"/>
+            </a:p>
+          </p:txBody>
+        </p:sp>
+        <p:sp>
+          <p:nvSpPr>
+            <p:cNvPr id="115" name="Elipse 114">
+              <a:extLst>
+                <a:ext uri="{FF2B5EF4-FFF2-40B4-BE49-F238E27FC236}">
+                  <a16:creationId xmlns:a16="http://schemas.microsoft.com/office/drawing/2014/main" id="{4D3810EB-6FD2-4A2B-8DD9-4FFDEB67FBF4}"/>
+                </a:ext>
+              </a:extLst>
+            </p:cNvPr>
+            <p:cNvSpPr/>
+            <p:nvPr/>
+          </p:nvSpPr>
+          <p:spPr>
+            <a:xfrm>
+              <a:off x="3566295" y="1585455"/>
+              <a:ext cx="124408" cy="124408"/>
+            </a:xfrm>
+            <a:prstGeom prst="ellipse">
+              <a:avLst/>
+            </a:prstGeom>
+            <a:solidFill>
+              <a:srgbClr val="0070C0"/>
+            </a:solidFill>
+            <a:ln w="38100">
+              <a:solidFill>
+                <a:srgbClr val="00B050"/>
+              </a:solidFill>
+            </a:ln>
+          </p:spPr>
+          <p:style>
+            <a:lnRef idx="2">
+              <a:schemeClr val="accent1">
+                <a:shade val="50000"/>
+              </a:schemeClr>
+            </a:lnRef>
+            <a:fillRef idx="1">
+              <a:schemeClr val="accent1"/>
+            </a:fillRef>
+            <a:effectRef idx="0">
+              <a:schemeClr val="accent1"/>
+            </a:effectRef>
+            <a:fontRef idx="minor">
+              <a:schemeClr val="lt1"/>
+            </a:fontRef>
+          </p:style>
+          <p:txBody>
+            <a:bodyPr rtlCol="0" anchor="ctr"/>
+            <a:lstStyle/>
+            <a:p>
+              <a:pPr algn="ctr"/>
+              <a:endParaRPr lang="es-ES"/>
+            </a:p>
+          </p:txBody>
+        </p:sp>
+        <p:cxnSp>
+          <p:nvCxnSpPr>
+            <p:cNvPr id="116" name="Conector recto de flecha 115">
+              <a:extLst>
+                <a:ext uri="{FF2B5EF4-FFF2-40B4-BE49-F238E27FC236}">
+                  <a16:creationId xmlns:a16="http://schemas.microsoft.com/office/drawing/2014/main" id="{5050DE01-3BA0-4DB0-9477-5619CB9CBF46}"/>
+                </a:ext>
+              </a:extLst>
+            </p:cNvPr>
+            <p:cNvCxnSpPr>
+              <a:cxnSpLocks/>
+            </p:cNvCxnSpPr>
+            <p:nvPr/>
+          </p:nvCxnSpPr>
+          <p:spPr>
+            <a:xfrm flipH="1">
+              <a:off x="3443147" y="1647658"/>
+              <a:ext cx="185352" cy="440775"/>
+            </a:xfrm>
+            <a:prstGeom prst="straightConnector1">
+              <a:avLst/>
+            </a:prstGeom>
+            <a:ln>
+              <a:solidFill>
+                <a:srgbClr val="00B050"/>
+              </a:solidFill>
+              <a:tailEnd type="triangle"/>
+            </a:ln>
+          </p:spPr>
+          <p:style>
+            <a:lnRef idx="1">
+              <a:schemeClr val="accent1"/>
+            </a:lnRef>
+            <a:fillRef idx="0">
+              <a:schemeClr val="accent1"/>
+            </a:fillRef>
+            <a:effectRef idx="0">
+              <a:schemeClr val="accent1"/>
+            </a:effectRef>
+            <a:fontRef idx="minor">
+              <a:schemeClr val="tx1"/>
+            </a:fontRef>
+          </p:style>
+        </p:cxnSp>
+      </p:grpSp>
+      <p:sp>
+        <p:nvSpPr>
+          <p:cNvPr id="117" name="Estrella: 5 puntas 116">
+            <a:extLst>
+              <a:ext uri="{FF2B5EF4-FFF2-40B4-BE49-F238E27FC236}">
+                <a16:creationId xmlns:a16="http://schemas.microsoft.com/office/drawing/2014/main" id="{3CD54282-2491-4B04-B4FD-62BFED30F7F1}"/>
+              </a:ext>
+            </a:extLst>
+          </p:cNvPr>
+          <p:cNvSpPr/>
+          <p:nvPr/>
+        </p:nvSpPr>
+        <p:spPr>
+          <a:xfrm>
+            <a:off x="7674053" y="2837203"/>
+            <a:ext cx="211617" cy="211617"/>
+          </a:xfrm>
+          <a:prstGeom prst="star5">
+            <a:avLst/>
+          </a:prstGeom>
+          <a:solidFill>
+            <a:srgbClr val="00B0F0"/>
+          </a:solidFill>
+          <a:ln>
+            <a:noFill/>
+          </a:ln>
+        </p:spPr>
+        <p:style>
+          <a:lnRef idx="2">
+            <a:schemeClr val="accent1">
+              <a:shade val="50000"/>
+            </a:schemeClr>
+          </a:lnRef>
+          <a:fillRef idx="1">
+            <a:schemeClr val="accent1"/>
+          </a:fillRef>
+          <a:effectRef idx="0">
+            <a:schemeClr val="accent1"/>
+          </a:effectRef>
+          <a:fontRef idx="minor">
+            <a:schemeClr val="lt1"/>
+          </a:fontRef>
+        </p:style>
+        <p:txBody>
+          <a:bodyPr rtlCol="0" anchor="ctr"/>
+          <a:lstStyle/>
+          <a:p>
+            <a:pPr algn="ctr"/>
+            <a:endParaRPr lang="es-ES"/>
+          </a:p>
+        </p:txBody>
+      </p:sp>
+      <p:cxnSp>
+        <p:nvCxnSpPr>
+          <p:cNvPr id="118" name="Conector recto 117">
+            <a:extLst>
+              <a:ext uri="{FF2B5EF4-FFF2-40B4-BE49-F238E27FC236}">
+                <a16:creationId xmlns:a16="http://schemas.microsoft.com/office/drawing/2014/main" id="{B0BB13C5-A294-4C30-B804-9A6CFF1781F8}"/>
+              </a:ext>
+            </a:extLst>
+          </p:cNvPr>
+          <p:cNvCxnSpPr>
+            <a:cxnSpLocks/>
+            <a:stCxn id="111" idx="3"/>
+            <a:endCxn id="114" idx="2"/>
+          </p:cNvCxnSpPr>
+          <p:nvPr/>
+        </p:nvCxnSpPr>
+        <p:spPr>
+          <a:xfrm>
+            <a:off x="9095086" y="1635575"/>
+            <a:ext cx="71728" cy="1574191"/>
+          </a:xfrm>
+          <a:prstGeom prst="line">
+            <a:avLst/>
+          </a:prstGeom>
+          <a:ln w="9525" cap="flat" cmpd="sng" algn="ctr">
+            <a:solidFill>
+              <a:schemeClr val="accent2"/>
+            </a:solidFill>
+            <a:prstDash val="dash"/>
+            <a:round/>
+            <a:headEnd type="none" w="med" len="med"/>
+            <a:tailEnd type="none" w="med" len="med"/>
+          </a:ln>
+        </p:spPr>
+        <p:style>
+          <a:lnRef idx="0">
+            <a:scrgbClr r="0" g="0" b="0"/>
+          </a:lnRef>
+          <a:fillRef idx="0">
+            <a:scrgbClr r="0" g="0" b="0"/>
+          </a:fillRef>
+          <a:effectRef idx="0">
+            <a:scrgbClr r="0" g="0" b="0"/>
+          </a:effectRef>
+          <a:fontRef idx="minor">
+            <a:schemeClr val="tx1"/>
+          </a:fontRef>
+        </p:style>
+      </p:cxnSp>
+      <p:cxnSp>
+        <p:nvCxnSpPr>
+          <p:cNvPr id="120" name="Conector recto 119">
+            <a:extLst>
+              <a:ext uri="{FF2B5EF4-FFF2-40B4-BE49-F238E27FC236}">
+                <a16:creationId xmlns:a16="http://schemas.microsoft.com/office/drawing/2014/main" id="{0098B388-7A3C-4515-88EE-D014F9CF292E}"/>
+              </a:ext>
+            </a:extLst>
+          </p:cNvPr>
+          <p:cNvCxnSpPr>
+            <a:cxnSpLocks/>
+            <a:stCxn id="111" idx="7"/>
+            <a:endCxn id="114" idx="7"/>
+          </p:cNvCxnSpPr>
+          <p:nvPr/>
+        </p:nvCxnSpPr>
+        <p:spPr>
+          <a:xfrm>
+            <a:off x="9183056" y="1547605"/>
+            <a:ext cx="1212875" cy="1153044"/>
+          </a:xfrm>
+          <a:prstGeom prst="line">
+            <a:avLst/>
+          </a:prstGeom>
+          <a:ln w="9525" cap="flat" cmpd="sng" algn="ctr">
+            <a:solidFill>
+              <a:schemeClr val="accent2"/>
+            </a:solidFill>
+            <a:prstDash val="dash"/>
+            <a:round/>
+            <a:headEnd type="none" w="med" len="med"/>
+            <a:tailEnd type="none" w="med" len="med"/>
+          </a:ln>
+        </p:spPr>
+        <p:style>
+          <a:lnRef idx="0">
+            <a:scrgbClr r="0" g="0" b="0"/>
+          </a:lnRef>
+          <a:fillRef idx="0">
+            <a:scrgbClr r="0" g="0" b="0"/>
+          </a:fillRef>
+          <a:effectRef idx="0">
+            <a:scrgbClr r="0" g="0" b="0"/>
+          </a:effectRef>
+          <a:fontRef idx="minor">
+            <a:schemeClr val="tx1"/>
+          </a:fontRef>
+        </p:style>
+      </p:cxnSp>
+    </p:spTree>
+    <p:extLst>
+      <p:ext uri="{BB962C8B-B14F-4D97-AF65-F5344CB8AC3E}">
+        <p14:creationId xmlns:p14="http://schemas.microsoft.com/office/powerpoint/2010/main" val="3526386723"/>
       </p:ext>
     </p:extLst>
   </p:cSld>
